--- a/Sea Level Rise PP.pptx
+++ b/Sea Level Rise PP.pptx
@@ -29,20 +29,22 @@
     <p:sldId id="361" r:id="rId23"/>
     <p:sldId id="360" r:id="rId24"/>
     <p:sldId id="362" r:id="rId25"/>
-    <p:sldId id="363" r:id="rId26"/>
-    <p:sldId id="364" r:id="rId27"/>
-    <p:sldId id="365" r:id="rId28"/>
+    <p:sldId id="365" r:id="rId26"/>
+    <p:sldId id="363" r:id="rId27"/>
+    <p:sldId id="364" r:id="rId28"/>
     <p:sldId id="366" r:id="rId29"/>
     <p:sldId id="367" r:id="rId30"/>
-    <p:sldId id="369" r:id="rId31"/>
-    <p:sldId id="368" r:id="rId32"/>
-    <p:sldId id="371" r:id="rId33"/>
-    <p:sldId id="372" r:id="rId34"/>
-    <p:sldId id="373" r:id="rId35"/>
-    <p:sldId id="375" r:id="rId36"/>
-    <p:sldId id="376" r:id="rId37"/>
-    <p:sldId id="374" r:id="rId38"/>
-    <p:sldId id="340" r:id="rId39"/>
+    <p:sldId id="384" r:id="rId31"/>
+    <p:sldId id="369" r:id="rId32"/>
+    <p:sldId id="368" r:id="rId33"/>
+    <p:sldId id="371" r:id="rId34"/>
+    <p:sldId id="385" r:id="rId35"/>
+    <p:sldId id="372" r:id="rId36"/>
+    <p:sldId id="373" r:id="rId37"/>
+    <p:sldId id="375" r:id="rId38"/>
+    <p:sldId id="376" r:id="rId39"/>
+    <p:sldId id="374" r:id="rId40"/>
+    <p:sldId id="340" r:id="rId41"/>
   </p:sldIdLst>
   <p:sldSz cx="12192000" cy="6858000"/>
   <p:notesSz cx="6858000" cy="9144000"/>
@@ -290,7 +292,7 @@
           <a:p>
             <a:fld id="{ED6AA2C1-30FE-4A5B-9F15-98834576BABB}" type="datetimeFigureOut">
               <a:rPr lang="en-US" smtClean="0"/>
-              <a:t>7/2/2023</a:t>
+              <a:t>7/4/2023</a:t>
             </a:fld>
             <a:endParaRPr lang="en-US" dirty="0"/>
           </a:p>
@@ -458,7 +460,7 @@
           <a:p>
             <a:fld id="{ED6AA2C1-30FE-4A5B-9F15-98834576BABB}" type="datetimeFigureOut">
               <a:rPr lang="en-US" smtClean="0"/>
-              <a:t>7/2/2023</a:t>
+              <a:t>7/4/2023</a:t>
             </a:fld>
             <a:endParaRPr lang="en-US" dirty="0"/>
           </a:p>
@@ -636,7 +638,7 @@
           <a:p>
             <a:fld id="{ED6AA2C1-30FE-4A5B-9F15-98834576BABB}" type="datetimeFigureOut">
               <a:rPr lang="en-US" smtClean="0"/>
-              <a:t>7/2/2023</a:t>
+              <a:t>7/4/2023</a:t>
             </a:fld>
             <a:endParaRPr lang="en-US" dirty="0"/>
           </a:p>
@@ -804,7 +806,7 @@
           <a:p>
             <a:fld id="{ED6AA2C1-30FE-4A5B-9F15-98834576BABB}" type="datetimeFigureOut">
               <a:rPr lang="en-US" smtClean="0"/>
-              <a:t>7/2/2023</a:t>
+              <a:t>7/4/2023</a:t>
             </a:fld>
             <a:endParaRPr lang="en-US" dirty="0"/>
           </a:p>
@@ -1049,7 +1051,7 @@
           <a:p>
             <a:fld id="{ED6AA2C1-30FE-4A5B-9F15-98834576BABB}" type="datetimeFigureOut">
               <a:rPr lang="en-US" smtClean="0"/>
-              <a:t>7/2/2023</a:t>
+              <a:t>7/4/2023</a:t>
             </a:fld>
             <a:endParaRPr lang="en-US" dirty="0"/>
           </a:p>
@@ -1278,7 +1280,7 @@
           <a:p>
             <a:fld id="{ED6AA2C1-30FE-4A5B-9F15-98834576BABB}" type="datetimeFigureOut">
               <a:rPr lang="en-US" smtClean="0"/>
-              <a:t>7/2/2023</a:t>
+              <a:t>7/4/2023</a:t>
             </a:fld>
             <a:endParaRPr lang="en-US" dirty="0"/>
           </a:p>
@@ -1642,7 +1644,7 @@
           <a:p>
             <a:fld id="{ED6AA2C1-30FE-4A5B-9F15-98834576BABB}" type="datetimeFigureOut">
               <a:rPr lang="en-US" smtClean="0"/>
-              <a:t>7/2/2023</a:t>
+              <a:t>7/4/2023</a:t>
             </a:fld>
             <a:endParaRPr lang="en-US" dirty="0"/>
           </a:p>
@@ -1759,7 +1761,7 @@
           <a:p>
             <a:fld id="{ED6AA2C1-30FE-4A5B-9F15-98834576BABB}" type="datetimeFigureOut">
               <a:rPr lang="en-US" smtClean="0"/>
-              <a:t>7/2/2023</a:t>
+              <a:t>7/4/2023</a:t>
             </a:fld>
             <a:endParaRPr lang="en-US" dirty="0"/>
           </a:p>
@@ -1854,7 +1856,7 @@
           <a:p>
             <a:fld id="{ED6AA2C1-30FE-4A5B-9F15-98834576BABB}" type="datetimeFigureOut">
               <a:rPr lang="en-US" smtClean="0"/>
-              <a:t>7/2/2023</a:t>
+              <a:t>7/4/2023</a:t>
             </a:fld>
             <a:endParaRPr lang="en-US" dirty="0"/>
           </a:p>
@@ -2129,7 +2131,7 @@
           <a:p>
             <a:fld id="{ED6AA2C1-30FE-4A5B-9F15-98834576BABB}" type="datetimeFigureOut">
               <a:rPr lang="en-US" smtClean="0"/>
-              <a:t>7/2/2023</a:t>
+              <a:t>7/4/2023</a:t>
             </a:fld>
             <a:endParaRPr lang="en-US" dirty="0"/>
           </a:p>
@@ -2381,7 +2383,7 @@
           <a:p>
             <a:fld id="{ED6AA2C1-30FE-4A5B-9F15-98834576BABB}" type="datetimeFigureOut">
               <a:rPr lang="en-US" smtClean="0"/>
-              <a:t>7/2/2023</a:t>
+              <a:t>7/4/2023</a:t>
             </a:fld>
             <a:endParaRPr lang="en-US" dirty="0"/>
           </a:p>
@@ -2592,7 +2594,7 @@
           <a:p>
             <a:fld id="{ED6AA2C1-30FE-4A5B-9F15-98834576BABB}" type="datetimeFigureOut">
               <a:rPr lang="en-US" smtClean="0"/>
-              <a:t>7/2/2023</a:t>
+              <a:t>7/4/2023</a:t>
             </a:fld>
             <a:endParaRPr lang="en-US" dirty="0"/>
           </a:p>
@@ -4136,7 +4138,7 @@
         <p:spPr>
           <a:xfrm>
             <a:off x="151443" y="1022263"/>
-            <a:ext cx="7703964" cy="4093428"/>
+            <a:ext cx="7703964" cy="4370427"/>
           </a:xfrm>
           <a:prstGeom prst="rect">
             <a:avLst/>
@@ -4194,30 +4196,63 @@
                 <a:latin typeface="Times New Roman" panose="02020603050405020304" pitchFamily="18" charset="0"/>
                 <a:cs typeface="Times New Roman" panose="02020603050405020304" pitchFamily="18" charset="0"/>
               </a:rPr>
-              <a:t>they used their input data from a dataset which is  three-year observations of sea levels , they also used four inputs from other models that considered in relation to tidal and coastal surge effects.</a:t>
-            </a:r>
+              <a:t>they used their input data from a dataset which is  three-year observations of sea levels , they also used four inputs from other models French tidal coefficient, atmospheric pressure, wind velocity, and river discharge.</a:t>
+            </a:r>
+          </a:p>
+          <a:p>
+            <a:pPr algn="just"/>
+            <a:endParaRPr lang="en-US" dirty="0">
+              <a:latin typeface="Times New Roman" panose="02020603050405020304" pitchFamily="18" charset="0"/>
+              <a:cs typeface="Times New Roman" panose="02020603050405020304" pitchFamily="18" charset="0"/>
+            </a:endParaRPr>
           </a:p>
           <a:p>
             <a:pPr marL="342900" indent="-342900" algn="just">
               <a:buFont typeface="Arial" panose="020B0604020202020204" pitchFamily="34" charset="0"/>
               <a:buChar char="•"/>
             </a:pPr>
-            <a:endParaRPr lang="en-US" dirty="0">
-              <a:latin typeface="Times New Roman" panose="02020603050405020304" pitchFamily="18" charset="0"/>
-              <a:cs typeface="Times New Roman" panose="02020603050405020304" pitchFamily="18" charset="0"/>
-            </a:endParaRPr>
-          </a:p>
-          <a:p>
-            <a:pPr marL="342900" indent="-342900" algn="just">
-              <a:buFont typeface="Arial" panose="020B0604020202020204" pitchFamily="34" charset="0"/>
-              <a:buChar char="•"/>
-            </a:pPr>
             <a:r>
               <a:rPr lang="en-US" dirty="0">
                 <a:latin typeface="Times New Roman" panose="02020603050405020304" pitchFamily="18" charset="0"/>
                 <a:cs typeface="Times New Roman" panose="02020603050405020304" pitchFamily="18" charset="0"/>
               </a:rPr>
-              <a:t>they used two types of machine learning algorithms: (I) multiple regression methods based on linear and polynomial regression functions, and (II) an artificial neural network, the multilayer perceptron. </a:t>
+              <a:t>they used two types of machine learning algorithms: </a:t>
+            </a:r>
+          </a:p>
+          <a:p>
+            <a:pPr algn="just"/>
+            <a:r>
+              <a:rPr lang="en-US" dirty="0">
+                <a:latin typeface="Times New Roman" panose="02020603050405020304" pitchFamily="18" charset="0"/>
+                <a:cs typeface="Times New Roman" panose="02020603050405020304" pitchFamily="18" charset="0"/>
+              </a:rPr>
+              <a:t>	</a:t>
+            </a:r>
+          </a:p>
+          <a:p>
+            <a:pPr marL="857250" lvl="1" indent="-400050" algn="just">
+              <a:buFont typeface="+mj-lt"/>
+              <a:buAutoNum type="romanUcPeriod"/>
+            </a:pPr>
+            <a:r>
+              <a:rPr lang="en-US" dirty="0">
+                <a:latin typeface="Times New Roman" panose="02020603050405020304" pitchFamily="18" charset="0"/>
+                <a:cs typeface="Times New Roman" panose="02020603050405020304" pitchFamily="18" charset="0"/>
+              </a:rPr>
+              <a:t>multiple regression methods</a:t>
+            </a:r>
+          </a:p>
+          <a:p>
+            <a:pPr marL="857250" lvl="1" indent="-400050" algn="just">
+              <a:buFont typeface="+mj-lt"/>
+              <a:buAutoNum type="romanUcPeriod"/>
+            </a:pPr>
+            <a:r>
+              <a:rPr lang="en-US" dirty="0">
+                <a:latin typeface="Times New Roman" panose="02020603050405020304" pitchFamily="18" charset="0"/>
+                <a:cs typeface="Times New Roman" panose="02020603050405020304" pitchFamily="18" charset="0"/>
+              </a:rPr>
+              <a:t>an artificial neural network, the multilayer perceptron. </a:t>
             </a:r>
           </a:p>
           <a:p>
@@ -4735,8 +4770,8 @@
         </p:nvSpPr>
         <p:spPr>
           <a:xfrm>
-            <a:off x="266329" y="1222318"/>
-            <a:ext cx="7528265" cy="4031873"/>
+            <a:off x="151442" y="1022263"/>
+            <a:ext cx="7674149" cy="4031873"/>
           </a:xfrm>
           <a:prstGeom prst="rect">
             <a:avLst/>
@@ -4802,7 +4837,7 @@
                 <a:latin typeface="Times New Roman" panose="02020603050405020304" pitchFamily="18" charset="0"/>
                 <a:cs typeface="Times New Roman" panose="02020603050405020304" pitchFamily="18" charset="0"/>
               </a:rPr>
-              <a:t> they used their input data as lagged sea level observations, and both lagged sea level and meteorological factor observations.</a:t>
+              <a:t> they used their input data as sea level observations, and both sea level and meteorological factor observations.</a:t>
             </a:r>
           </a:p>
           <a:p>
@@ -5337,8 +5372,8 @@
         </p:nvSpPr>
         <p:spPr>
           <a:xfrm>
-            <a:off x="266329" y="1222318"/>
-            <a:ext cx="7998781" cy="3508653"/>
+            <a:off x="178802" y="1113891"/>
+            <a:ext cx="8572871" cy="4616648"/>
           </a:xfrm>
           <a:prstGeom prst="rect">
             <a:avLst/>
@@ -5397,11 +5432,73 @@
                 <a:latin typeface="Times New Roman" panose="02020603050405020304" pitchFamily="18" charset="0"/>
                 <a:cs typeface="Times New Roman" panose="02020603050405020304" pitchFamily="18" charset="0"/>
               </a:rPr>
-              <a:t> The selected inputs for the proposed model are monthly mean sea level (MMSL), monthly sea surface temperature (SST), rainfall and mean cloud cover (MCC) for the period from January 2007 to December 2017. </a:t>
-            </a:r>
-          </a:p>
-          <a:p>
-            <a:pPr algn="just"/>
+              <a:t>for the period from January 2007 to December 2017, The selected inputs for the proposed model are:</a:t>
+            </a:r>
+          </a:p>
+          <a:p>
+            <a:pPr marL="285750" indent="-285750" algn="just">
+              <a:buFont typeface="Arial" panose="020B0604020202020204" pitchFamily="34" charset="0"/>
+              <a:buChar char="•"/>
+            </a:pPr>
+            <a:endParaRPr lang="en-US" dirty="0">
+              <a:latin typeface="Times New Roman" panose="02020603050405020304" pitchFamily="18" charset="0"/>
+              <a:cs typeface="Times New Roman" panose="02020603050405020304" pitchFamily="18" charset="0"/>
+            </a:endParaRPr>
+          </a:p>
+          <a:p>
+            <a:pPr marL="800100" lvl="1" indent="-342900" algn="just">
+              <a:buFont typeface="+mj-lt"/>
+              <a:buAutoNum type="arabicPeriod"/>
+            </a:pPr>
+            <a:r>
+              <a:rPr lang="en-US" dirty="0">
+                <a:latin typeface="Times New Roman" panose="02020603050405020304" pitchFamily="18" charset="0"/>
+                <a:cs typeface="Times New Roman" panose="02020603050405020304" pitchFamily="18" charset="0"/>
+              </a:rPr>
+              <a:t>monthly mean sea level (MMSL), </a:t>
+            </a:r>
+          </a:p>
+          <a:p>
+            <a:pPr marL="800100" lvl="1" indent="-342900" algn="just">
+              <a:buFont typeface="+mj-lt"/>
+              <a:buAutoNum type="arabicPeriod"/>
+            </a:pPr>
+            <a:r>
+              <a:rPr lang="en-US" dirty="0">
+                <a:latin typeface="Times New Roman" panose="02020603050405020304" pitchFamily="18" charset="0"/>
+                <a:cs typeface="Times New Roman" panose="02020603050405020304" pitchFamily="18" charset="0"/>
+              </a:rPr>
+              <a:t>monthly sea surface temperature (SST),</a:t>
+            </a:r>
+          </a:p>
+          <a:p>
+            <a:pPr marL="800100" lvl="1" indent="-342900" algn="just">
+              <a:buFont typeface="+mj-lt"/>
+              <a:buAutoNum type="arabicPeriod"/>
+            </a:pPr>
+            <a:r>
+              <a:rPr lang="en-US" dirty="0">
+                <a:latin typeface="Times New Roman" panose="02020603050405020304" pitchFamily="18" charset="0"/>
+                <a:cs typeface="Times New Roman" panose="02020603050405020304" pitchFamily="18" charset="0"/>
+              </a:rPr>
+              <a:t>rainfall </a:t>
+            </a:r>
+          </a:p>
+          <a:p>
+            <a:pPr marL="800100" lvl="1" indent="-342900" algn="just">
+              <a:buFont typeface="+mj-lt"/>
+              <a:buAutoNum type="arabicPeriod"/>
+            </a:pPr>
+            <a:r>
+              <a:rPr lang="en-US" dirty="0">
+                <a:latin typeface="Times New Roman" panose="02020603050405020304" pitchFamily="18" charset="0"/>
+                <a:cs typeface="Times New Roman" panose="02020603050405020304" pitchFamily="18" charset="0"/>
+              </a:rPr>
+              <a:t>mean cloud cover (MCC)</a:t>
+            </a:r>
+          </a:p>
+          <a:p>
+            <a:pPr lvl="1" algn="just"/>
             <a:endParaRPr lang="en-US" dirty="0">
               <a:latin typeface="Times New Roman" panose="02020603050405020304" pitchFamily="18" charset="0"/>
               <a:cs typeface="Times New Roman" panose="02020603050405020304" pitchFamily="18" charset="0"/>
@@ -5925,7 +6022,7 @@
         </p:nvSpPr>
         <p:spPr>
           <a:xfrm>
-            <a:off x="266329" y="1222318"/>
+            <a:off x="257364" y="1159260"/>
             <a:ext cx="9188389" cy="4613058"/>
           </a:xfrm>
           <a:prstGeom prst="rect">
@@ -8548,8 +8645,8 @@
         </p:nvSpPr>
         <p:spPr>
           <a:xfrm>
-            <a:off x="178802" y="1222318"/>
-            <a:ext cx="7998781" cy="2120068"/>
+            <a:off x="292962" y="1068429"/>
+            <a:ext cx="7998781" cy="646331"/>
           </a:xfrm>
           <a:prstGeom prst="rect">
             <a:avLst/>
@@ -8562,40 +8659,26 @@
           </a:bodyPr>
           <a:lstStyle/>
           <a:p>
-            <a:pPr marL="285750" indent="-285750" algn="just">
-              <a:lnSpc>
-                <a:spcPct val="150000"/>
-              </a:lnSpc>
-              <a:buFont typeface="Arial" panose="020B0604020202020204" pitchFamily="34" charset="0"/>
-              <a:buChar char="•"/>
-            </a:pPr>
-            <a:r>
-              <a:rPr lang="en-US" dirty="0">
+            <a:pPr algn="just"/>
+            <a:r>
+              <a:rPr lang="en-US" b="1" u="sng" dirty="0">
                 <a:latin typeface="Times New Roman" panose="02020603050405020304" pitchFamily="18" charset="0"/>
                 <a:cs typeface="Times New Roman" panose="02020603050405020304" pitchFamily="18" charset="0"/>
               </a:rPr>
-              <a:t>In our project on predicting sea level rise using machine learning, we have implemented several algorithms, methodologies, and techniques to analyze and forecast sea level data. all of them are Supervised machine learning algorithms used for regression. </a:t>
-            </a:r>
-          </a:p>
-          <a:p>
-            <a:pPr algn="just">
-              <a:lnSpc>
-                <a:spcPct val="150000"/>
-              </a:lnSpc>
-            </a:pPr>
-            <a:endParaRPr lang="en-US" dirty="0">
-              <a:latin typeface="Times New Roman" panose="02020603050405020304" pitchFamily="18" charset="0"/>
-              <a:cs typeface="Times New Roman" panose="02020603050405020304" pitchFamily="18" charset="0"/>
-            </a:endParaRPr>
+              <a:t>Project Methodology  </a:t>
+            </a:r>
+          </a:p>
+          <a:p>
+            <a:endParaRPr lang="en-US" b="1" dirty="0"/>
           </a:p>
         </p:txBody>
       </p:sp>
       <p:pic>
         <p:nvPicPr>
-          <p:cNvPr id="8" name="Picture 7">
+          <p:cNvPr id="14" name="Picture 13">
             <a:extLst>
               <a:ext uri="{FF2B5EF4-FFF2-40B4-BE49-F238E27FC236}">
-                <a16:creationId xmlns:a16="http://schemas.microsoft.com/office/drawing/2014/main" id="{1DB10544-68D7-658C-1A60-4F4CE68147C3}"/>
+                <a16:creationId xmlns:a16="http://schemas.microsoft.com/office/drawing/2014/main" id="{73F44A50-5371-9561-F523-E29964F12B58}"/>
               </a:ext>
             </a:extLst>
           </p:cNvPr>
@@ -8605,7 +8688,7 @@
           <p:nvPr/>
         </p:nvPicPr>
         <p:blipFill>
-          <a:blip r:embed="rId3">
+          <a:blip r:embed="rId3" cstate="print">
             <a:extLst>
               <a:ext uri="{28A0092B-C50C-407E-A947-70E740481C1C}">
                 <a14:useLocalDpi xmlns:a14="http://schemas.microsoft.com/office/drawing/2010/main" val="0"/>
@@ -8618,8 +8701,8 @@
         </p:blipFill>
         <p:spPr>
           <a:xfrm>
-            <a:off x="2997048" y="2980189"/>
-            <a:ext cx="5956292" cy="3316463"/>
+            <a:off x="5118348" y="843193"/>
+            <a:ext cx="1713691" cy="5624245"/>
           </a:xfrm>
           <a:prstGeom prst="rect">
             <a:avLst/>
@@ -8629,7 +8712,7 @@
     </p:spTree>
     <p:extLst>
       <p:ext uri="{BB962C8B-B14F-4D97-AF65-F5344CB8AC3E}">
-        <p14:creationId xmlns:p14="http://schemas.microsoft.com/office/powerpoint/2010/main" val="3623881399"/>
+        <p14:creationId xmlns:p14="http://schemas.microsoft.com/office/powerpoint/2010/main" val="2316436153"/>
       </p:ext>
     </p:extLst>
   </p:cSld>
@@ -8829,8 +8912,8 @@
         </p:nvSpPr>
         <p:spPr>
           <a:xfrm>
-            <a:off x="447228" y="1022263"/>
-            <a:ext cx="7998781" cy="4524315"/>
+            <a:off x="178802" y="1222318"/>
+            <a:ext cx="7998781" cy="2120068"/>
           </a:xfrm>
           <a:prstGeom prst="rect">
             <a:avLst/>
@@ -8843,111 +8926,74 @@
           </a:bodyPr>
           <a:lstStyle/>
           <a:p>
+            <a:pPr marL="285750" indent="-285750" algn="just">
+              <a:lnSpc>
+                <a:spcPct val="150000"/>
+              </a:lnSpc>
+              <a:buFont typeface="Arial" panose="020B0604020202020204" pitchFamily="34" charset="0"/>
+              <a:buChar char="•"/>
+            </a:pPr>
+            <a:r>
+              <a:rPr lang="en-US" dirty="0">
+                <a:latin typeface="Times New Roman" panose="02020603050405020304" pitchFamily="18" charset="0"/>
+                <a:cs typeface="Times New Roman" panose="02020603050405020304" pitchFamily="18" charset="0"/>
+              </a:rPr>
+              <a:t>In our project on predicting sea level rise using machine learning, we have implemented several algorithms, methodologies, and techniques to analyze and forecast sea level data. all of them are Supervised machine learning algorithms used for regression. </a:t>
+            </a:r>
+          </a:p>
+          <a:p>
             <a:pPr algn="just">
               <a:lnSpc>
                 <a:spcPct val="150000"/>
               </a:lnSpc>
             </a:pPr>
-            <a:r>
-              <a:rPr lang="en-US" dirty="0"/>
-              <a:t>In our project on predicting sea level rise using machine learning, we have implemented several algorithms, and here are the algorithms that we used in our sea level prediction system: </a:t>
-            </a:r>
-          </a:p>
-          <a:p>
-            <a:pPr algn="just">
-              <a:lnSpc>
-                <a:spcPct val="150000"/>
-              </a:lnSpc>
-            </a:pPr>
-            <a:endParaRPr lang="en-US" dirty="0"/>
-          </a:p>
-          <a:p>
-            <a:pPr marL="285750" indent="-285750" algn="just">
-              <a:lnSpc>
-                <a:spcPct val="150000"/>
-              </a:lnSpc>
-              <a:buFont typeface="Wingdings" panose="05000000000000000000" pitchFamily="2" charset="2"/>
-              <a:buChar char="Ø"/>
-            </a:pPr>
-            <a:r>
-              <a:rPr lang="en-US" dirty="0"/>
-              <a:t>Linear Regression</a:t>
-            </a:r>
-          </a:p>
-          <a:p>
-            <a:pPr marL="285750" indent="-285750" algn="just">
-              <a:lnSpc>
-                <a:spcPct val="150000"/>
-              </a:lnSpc>
-              <a:buFont typeface="Wingdings" panose="05000000000000000000" pitchFamily="2" charset="2"/>
-              <a:buChar char="Ø"/>
-            </a:pPr>
-            <a:r>
-              <a:rPr lang="en-US" dirty="0"/>
-              <a:t>Random Forest</a:t>
-            </a:r>
-          </a:p>
-          <a:p>
-            <a:pPr marL="285750" indent="-285750" algn="just">
-              <a:lnSpc>
-                <a:spcPct val="150000"/>
-              </a:lnSpc>
-              <a:buFont typeface="Wingdings" panose="05000000000000000000" pitchFamily="2" charset="2"/>
-              <a:buChar char="Ø"/>
-            </a:pPr>
-            <a:r>
-              <a:rPr lang="en-US" dirty="0"/>
-              <a:t>Decision Tree</a:t>
-            </a:r>
-          </a:p>
-          <a:p>
-            <a:pPr marL="285750" indent="-285750" algn="just">
-              <a:lnSpc>
-                <a:spcPct val="150000"/>
-              </a:lnSpc>
-              <a:buFont typeface="Wingdings" panose="05000000000000000000" pitchFamily="2" charset="2"/>
-              <a:buChar char="Ø"/>
-            </a:pPr>
-            <a:r>
-              <a:rPr lang="en-US" dirty="0"/>
-              <a:t>K-nearest neighbor (KNN)</a:t>
-            </a:r>
-          </a:p>
-          <a:p>
-            <a:pPr marL="285750" indent="-285750" algn="just">
-              <a:lnSpc>
-                <a:spcPct val="150000"/>
-              </a:lnSpc>
-              <a:buFont typeface="Wingdings" panose="05000000000000000000" pitchFamily="2" charset="2"/>
-              <a:buChar char="Ø"/>
-            </a:pPr>
-            <a:r>
-              <a:rPr lang="en-US" dirty="0"/>
-              <a:t>Ridge Regression</a:t>
-            </a:r>
-          </a:p>
-          <a:p>
-            <a:pPr marL="285750" indent="-285750" algn="just">
-              <a:lnSpc>
-                <a:spcPct val="150000"/>
-              </a:lnSpc>
-              <a:buFont typeface="Wingdings" panose="05000000000000000000" pitchFamily="2" charset="2"/>
-              <a:buChar char="Ø"/>
-            </a:pPr>
-            <a:r>
-              <a:rPr lang="en-US" dirty="0"/>
-              <a:t>Lasso Regression </a:t>
-            </a:r>
-          </a:p>
-          <a:p>
-            <a:endParaRPr lang="en-US" b="1" dirty="0"/>
+            <a:endParaRPr lang="en-US" dirty="0">
+              <a:latin typeface="Times New Roman" panose="02020603050405020304" pitchFamily="18" charset="0"/>
+              <a:cs typeface="Times New Roman" panose="02020603050405020304" pitchFamily="18" charset="0"/>
+            </a:endParaRPr>
           </a:p>
         </p:txBody>
       </p:sp>
+      <p:pic>
+        <p:nvPicPr>
+          <p:cNvPr id="8" name="Picture 7">
+            <a:extLst>
+              <a:ext uri="{FF2B5EF4-FFF2-40B4-BE49-F238E27FC236}">
+                <a16:creationId xmlns:a16="http://schemas.microsoft.com/office/drawing/2014/main" id="{1DB10544-68D7-658C-1A60-4F4CE68147C3}"/>
+              </a:ext>
+            </a:extLst>
+          </p:cNvPr>
+          <p:cNvPicPr>
+            <a:picLocks noChangeAspect="1"/>
+          </p:cNvPicPr>
+          <p:nvPr/>
+        </p:nvPicPr>
+        <p:blipFill>
+          <a:blip r:embed="rId3">
+            <a:extLst>
+              <a:ext uri="{28A0092B-C50C-407E-A947-70E740481C1C}">
+                <a14:useLocalDpi xmlns:a14="http://schemas.microsoft.com/office/drawing/2010/main" val="0"/>
+              </a:ext>
+            </a:extLst>
+          </a:blip>
+          <a:stretch>
+            <a:fillRect/>
+          </a:stretch>
+        </p:blipFill>
+        <p:spPr>
+          <a:xfrm>
+            <a:off x="2997048" y="2980189"/>
+            <a:ext cx="5956292" cy="3316463"/>
+          </a:xfrm>
+          <a:prstGeom prst="rect">
+            <a:avLst/>
+          </a:prstGeom>
+        </p:spPr>
+      </p:pic>
     </p:spTree>
     <p:extLst>
       <p:ext uri="{BB962C8B-B14F-4D97-AF65-F5344CB8AC3E}">
-        <p14:creationId xmlns:p14="http://schemas.microsoft.com/office/powerpoint/2010/main" val="561811685"/>
+        <p14:creationId xmlns:p14="http://schemas.microsoft.com/office/powerpoint/2010/main" val="3623881399"/>
       </p:ext>
     </p:extLst>
   </p:cSld>
@@ -9147,8 +9193,8 @@
         </p:nvSpPr>
         <p:spPr>
           <a:xfrm>
-            <a:off x="292962" y="1068429"/>
-            <a:ext cx="7998781" cy="646331"/>
+            <a:off x="447228" y="1022263"/>
+            <a:ext cx="7998781" cy="4524315"/>
           </a:xfrm>
           <a:prstGeom prst="rect">
             <a:avLst/>
@@ -9161,13 +9207,100 @@
           </a:bodyPr>
           <a:lstStyle/>
           <a:p>
-            <a:pPr algn="just"/>
-            <a:r>
-              <a:rPr lang="en-US" b="1" u="sng" dirty="0">
-                <a:latin typeface="Times New Roman" panose="02020603050405020304" pitchFamily="18" charset="0"/>
-                <a:cs typeface="Times New Roman" panose="02020603050405020304" pitchFamily="18" charset="0"/>
-              </a:rPr>
-              <a:t>Project Methodology  </a:t>
+            <a:pPr algn="just">
+              <a:lnSpc>
+                <a:spcPct val="150000"/>
+              </a:lnSpc>
+            </a:pPr>
+            <a:r>
+              <a:rPr lang="en-US" dirty="0"/>
+              <a:t>In our project on predicting sea level rise using machine learning, we have implemented several algorithms, and here are the algorithms that we used in our sea level prediction system: </a:t>
+            </a:r>
+          </a:p>
+          <a:p>
+            <a:pPr algn="just">
+              <a:lnSpc>
+                <a:spcPct val="150000"/>
+              </a:lnSpc>
+            </a:pPr>
+            <a:endParaRPr lang="en-US" dirty="0"/>
+          </a:p>
+          <a:p>
+            <a:pPr marL="285750" indent="-285750" algn="just">
+              <a:lnSpc>
+                <a:spcPct val="150000"/>
+              </a:lnSpc>
+              <a:buFont typeface="Wingdings" panose="05000000000000000000" pitchFamily="2" charset="2"/>
+              <a:buChar char="Ø"/>
+            </a:pPr>
+            <a:r>
+              <a:rPr lang="en-US" dirty="0"/>
+              <a:t>Linear Regression</a:t>
+            </a:r>
+          </a:p>
+          <a:p>
+            <a:pPr marL="285750" indent="-285750" algn="just">
+              <a:lnSpc>
+                <a:spcPct val="150000"/>
+              </a:lnSpc>
+              <a:buFont typeface="Wingdings" panose="05000000000000000000" pitchFamily="2" charset="2"/>
+              <a:buChar char="Ø"/>
+            </a:pPr>
+            <a:r>
+              <a:rPr lang="en-US" dirty="0"/>
+              <a:t>Decision Tree</a:t>
+            </a:r>
+          </a:p>
+          <a:p>
+            <a:pPr marL="285750" indent="-285750" algn="just">
+              <a:lnSpc>
+                <a:spcPct val="150000"/>
+              </a:lnSpc>
+              <a:buFont typeface="Wingdings" panose="05000000000000000000" pitchFamily="2" charset="2"/>
+              <a:buChar char="Ø"/>
+            </a:pPr>
+            <a:r>
+              <a:rPr lang="en-US" dirty="0"/>
+              <a:t>Random Forest</a:t>
+            </a:r>
+          </a:p>
+          <a:p>
+            <a:pPr marL="285750" indent="-285750" algn="just">
+              <a:lnSpc>
+                <a:spcPct val="150000"/>
+              </a:lnSpc>
+              <a:buFont typeface="Wingdings" panose="05000000000000000000" pitchFamily="2" charset="2"/>
+              <a:buChar char="Ø"/>
+            </a:pPr>
+            <a:r>
+              <a:rPr lang="en-US" dirty="0"/>
+              <a:t>K-nearest neighbor (KNN)</a:t>
+            </a:r>
+          </a:p>
+          <a:p>
+            <a:pPr marL="285750" indent="-285750" algn="just">
+              <a:lnSpc>
+                <a:spcPct val="150000"/>
+              </a:lnSpc>
+              <a:buFont typeface="Wingdings" panose="05000000000000000000" pitchFamily="2" charset="2"/>
+              <a:buChar char="Ø"/>
+            </a:pPr>
+            <a:r>
+              <a:rPr lang="en-US" dirty="0"/>
+              <a:t>Ridge Regression</a:t>
+            </a:r>
+          </a:p>
+          <a:p>
+            <a:pPr marL="285750" indent="-285750" algn="just">
+              <a:lnSpc>
+                <a:spcPct val="150000"/>
+              </a:lnSpc>
+              <a:buFont typeface="Wingdings" panose="05000000000000000000" pitchFamily="2" charset="2"/>
+              <a:buChar char="Ø"/>
+            </a:pPr>
+            <a:r>
+              <a:rPr lang="en-US" dirty="0"/>
+              <a:t>Lasso Regression </a:t>
             </a:r>
           </a:p>
           <a:p>
@@ -9175,46 +9308,10 @@
           </a:p>
         </p:txBody>
       </p:sp>
-      <p:pic>
-        <p:nvPicPr>
-          <p:cNvPr id="14" name="Picture 13">
-            <a:extLst>
-              <a:ext uri="{FF2B5EF4-FFF2-40B4-BE49-F238E27FC236}">
-                <a16:creationId xmlns:a16="http://schemas.microsoft.com/office/drawing/2014/main" id="{73F44A50-5371-9561-F523-E29964F12B58}"/>
-              </a:ext>
-            </a:extLst>
-          </p:cNvPr>
-          <p:cNvPicPr>
-            <a:picLocks noChangeAspect="1"/>
-          </p:cNvPicPr>
-          <p:nvPr/>
-        </p:nvPicPr>
-        <p:blipFill>
-          <a:blip r:embed="rId3" cstate="print">
-            <a:extLst>
-              <a:ext uri="{28A0092B-C50C-407E-A947-70E740481C1C}">
-                <a14:useLocalDpi xmlns:a14="http://schemas.microsoft.com/office/drawing/2010/main" val="0"/>
-              </a:ext>
-            </a:extLst>
-          </a:blip>
-          <a:stretch>
-            <a:fillRect/>
-          </a:stretch>
-        </p:blipFill>
-        <p:spPr>
-          <a:xfrm>
-            <a:off x="5118348" y="843193"/>
-            <a:ext cx="1713691" cy="5624245"/>
-          </a:xfrm>
-          <a:prstGeom prst="rect">
-            <a:avLst/>
-          </a:prstGeom>
-        </p:spPr>
-      </p:pic>
     </p:spTree>
     <p:extLst>
       <p:ext uri="{BB962C8B-B14F-4D97-AF65-F5344CB8AC3E}">
-        <p14:creationId xmlns:p14="http://schemas.microsoft.com/office/powerpoint/2010/main" val="2316436153"/>
+        <p14:creationId xmlns:p14="http://schemas.microsoft.com/office/powerpoint/2010/main" val="561811685"/>
       </p:ext>
     </p:extLst>
   </p:cSld>
@@ -10637,6 +10734,305 @@
           </a:bodyPr>
           <a:lstStyle/>
           <a:p>
+            <a:r>
+              <a:rPr lang="en-US" dirty="0">
+                <a:latin typeface="Times New Roman" panose="02020603050405020304" pitchFamily="18" charset="0"/>
+                <a:cs typeface="Times New Roman" panose="02020603050405020304" pitchFamily="18" charset="0"/>
+              </a:rPr>
+              <a:t>Our Evaluation matrices: </a:t>
+            </a:r>
+          </a:p>
+        </p:txBody>
+      </p:sp>
+      <p:pic>
+        <p:nvPicPr>
+          <p:cNvPr id="20" name="Picture 19">
+            <a:extLst>
+              <a:ext uri="{FF2B5EF4-FFF2-40B4-BE49-F238E27FC236}">
+                <a16:creationId xmlns:a16="http://schemas.microsoft.com/office/drawing/2014/main" id="{23A76638-F4DB-57DE-1440-F1461A835BDA}"/>
+              </a:ext>
+            </a:extLst>
+          </p:cNvPr>
+          <p:cNvPicPr>
+            <a:picLocks noChangeAspect="1"/>
+          </p:cNvPicPr>
+          <p:nvPr/>
+        </p:nvPicPr>
+        <p:blipFill>
+          <a:blip r:embed="rId3">
+            <a:extLst>
+              <a:ext uri="{28A0092B-C50C-407E-A947-70E740481C1C}">
+                <a14:useLocalDpi xmlns:a14="http://schemas.microsoft.com/office/drawing/2010/main" val="0"/>
+              </a:ext>
+            </a:extLst>
+          </a:blip>
+          <a:stretch>
+            <a:fillRect/>
+          </a:stretch>
+        </p:blipFill>
+        <p:spPr>
+          <a:xfrm>
+            <a:off x="1296331" y="1476366"/>
+            <a:ext cx="8854836" cy="2264572"/>
+          </a:xfrm>
+          <a:prstGeom prst="rect">
+            <a:avLst/>
+          </a:prstGeom>
+        </p:spPr>
+      </p:pic>
+      <p:pic>
+        <p:nvPicPr>
+          <p:cNvPr id="22" name="Picture 21">
+            <a:extLst>
+              <a:ext uri="{FF2B5EF4-FFF2-40B4-BE49-F238E27FC236}">
+                <a16:creationId xmlns:a16="http://schemas.microsoft.com/office/drawing/2014/main" id="{EA62C6A9-99AF-06AE-6437-C5BAF189055D}"/>
+              </a:ext>
+            </a:extLst>
+          </p:cNvPr>
+          <p:cNvPicPr>
+            <a:picLocks noChangeAspect="1"/>
+          </p:cNvPicPr>
+          <p:nvPr/>
+        </p:nvPicPr>
+        <p:blipFill>
+          <a:blip r:embed="rId4">
+            <a:extLst>
+              <a:ext uri="{28A0092B-C50C-407E-A947-70E740481C1C}">
+                <a14:useLocalDpi xmlns:a14="http://schemas.microsoft.com/office/drawing/2010/main" val="0"/>
+              </a:ext>
+            </a:extLst>
+          </a:blip>
+          <a:stretch>
+            <a:fillRect/>
+          </a:stretch>
+        </p:blipFill>
+        <p:spPr>
+          <a:xfrm>
+            <a:off x="1547776" y="4100396"/>
+            <a:ext cx="8854836" cy="1281238"/>
+          </a:xfrm>
+          <a:prstGeom prst="rect">
+            <a:avLst/>
+          </a:prstGeom>
+        </p:spPr>
+      </p:pic>
+    </p:spTree>
+    <p:extLst>
+      <p:ext uri="{BB962C8B-B14F-4D97-AF65-F5344CB8AC3E}">
+        <p14:creationId xmlns:p14="http://schemas.microsoft.com/office/powerpoint/2010/main" val="3330341249"/>
+      </p:ext>
+    </p:extLst>
+  </p:cSld>
+  <p:clrMapOvr>
+    <a:masterClrMapping/>
+  </p:clrMapOvr>
+</p:sld>
+</file>
+
+<file path=ppt/slides/slide31.xml><?xml version="1.0" encoding="utf-8"?>
+<p:sld xmlns:a="http://schemas.openxmlformats.org/drawingml/2006/main" xmlns:r="http://schemas.openxmlformats.org/officeDocument/2006/relationships" xmlns:p="http://schemas.openxmlformats.org/presentationml/2006/main">
+  <p:cSld>
+    <p:spTree>
+      <p:nvGrpSpPr>
+        <p:cNvPr id="1" name=""/>
+        <p:cNvGrpSpPr/>
+        <p:nvPr/>
+      </p:nvGrpSpPr>
+      <p:grpSpPr>
+        <a:xfrm>
+          <a:off x="0" y="0"/>
+          <a:ext cx="0" cy="0"/>
+          <a:chOff x="0" y="0"/>
+          <a:chExt cx="0" cy="0"/>
+        </a:xfrm>
+      </p:grpSpPr>
+      <p:pic>
+        <p:nvPicPr>
+          <p:cNvPr id="3" name="Picture 2"/>
+          <p:cNvPicPr>
+            <a:picLocks noChangeAspect="1"/>
+          </p:cNvPicPr>
+          <p:nvPr/>
+        </p:nvPicPr>
+        <p:blipFill>
+          <a:blip r:embed="rId2" cstate="print">
+            <a:extLst>
+              <a:ext uri="{28A0092B-C50C-407E-A947-70E740481C1C}">
+                <a14:useLocalDpi xmlns:a14="http://schemas.microsoft.com/office/drawing/2010/main" val="0"/>
+              </a:ext>
+            </a:extLst>
+          </a:blip>
+          <a:stretch>
+            <a:fillRect/>
+          </a:stretch>
+        </p:blipFill>
+        <p:spPr>
+          <a:xfrm>
+            <a:off x="12609" y="6785"/>
+            <a:ext cx="12192000" cy="6844430"/>
+          </a:xfrm>
+          <a:prstGeom prst="rect">
+            <a:avLst/>
+          </a:prstGeom>
+        </p:spPr>
+      </p:pic>
+      <p:cxnSp>
+        <p:nvCxnSpPr>
+          <p:cNvPr id="15" name="Straight Connector 14"/>
+          <p:cNvCxnSpPr/>
+          <p:nvPr/>
+        </p:nvCxnSpPr>
+        <p:spPr>
+          <a:xfrm flipV="1">
+            <a:off x="178802" y="760653"/>
+            <a:ext cx="11592784" cy="29275"/>
+          </a:xfrm>
+          <a:prstGeom prst="line">
+            <a:avLst/>
+          </a:prstGeom>
+        </p:spPr>
+        <p:style>
+          <a:lnRef idx="1">
+            <a:schemeClr val="dk1"/>
+          </a:lnRef>
+          <a:fillRef idx="0">
+            <a:schemeClr val="dk1"/>
+          </a:fillRef>
+          <a:effectRef idx="0">
+            <a:schemeClr val="dk1"/>
+          </a:effectRef>
+          <a:fontRef idx="minor">
+            <a:schemeClr val="tx1"/>
+          </a:fontRef>
+        </p:style>
+      </p:cxnSp>
+      <p:sp>
+        <p:nvSpPr>
+          <p:cNvPr id="9" name="TextBox 8"/>
+          <p:cNvSpPr txBox="1"/>
+          <p:nvPr/>
+        </p:nvSpPr>
+        <p:spPr>
+          <a:xfrm>
+            <a:off x="178802" y="328263"/>
+            <a:ext cx="4508608" cy="830997"/>
+          </a:xfrm>
+          <a:prstGeom prst="rect">
+            <a:avLst/>
+          </a:prstGeom>
+          <a:noFill/>
+        </p:spPr>
+        <p:txBody>
+          <a:bodyPr wrap="square" rtlCol="0">
+            <a:spAutoFit/>
+          </a:bodyPr>
+          <a:lstStyle/>
+          <a:p>
+            <a:r>
+              <a:rPr lang="en-US" sz="2400" b="1" dirty="0"/>
+              <a:t>Results and Outcomes</a:t>
+            </a:r>
+          </a:p>
+          <a:p>
+            <a:endParaRPr lang="en-US" sz="2400" b="1" dirty="0"/>
+          </a:p>
+        </p:txBody>
+      </p:sp>
+      <p:sp>
+        <p:nvSpPr>
+          <p:cNvPr id="6" name="TextBox 5">
+            <a:extLst>
+              <a:ext uri="{FF2B5EF4-FFF2-40B4-BE49-F238E27FC236}">
+                <a16:creationId xmlns:a16="http://schemas.microsoft.com/office/drawing/2014/main" id="{913B0607-4E2E-4F01-02B0-3163D267BE6C}"/>
+              </a:ext>
+            </a:extLst>
+          </p:cNvPr>
+          <p:cNvSpPr txBox="1"/>
+          <p:nvPr/>
+        </p:nvSpPr>
+        <p:spPr>
+          <a:xfrm>
+            <a:off x="3899647" y="1954306"/>
+            <a:ext cx="45719" cy="369332"/>
+          </a:xfrm>
+          <a:prstGeom prst="rect">
+            <a:avLst/>
+          </a:prstGeom>
+          <a:noFill/>
+        </p:spPr>
+        <p:txBody>
+          <a:bodyPr wrap="square" rtlCol="0">
+            <a:spAutoFit/>
+          </a:bodyPr>
+          <a:lstStyle/>
+          <a:p>
+            <a:endParaRPr lang="en-US" dirty="0"/>
+          </a:p>
+        </p:txBody>
+      </p:sp>
+      <p:sp>
+        <p:nvSpPr>
+          <p:cNvPr id="4" name="TextBox 3">
+            <a:extLst>
+              <a:ext uri="{FF2B5EF4-FFF2-40B4-BE49-F238E27FC236}">
+                <a16:creationId xmlns:a16="http://schemas.microsoft.com/office/drawing/2014/main" id="{C7A97924-1F95-4B36-D642-D26D3D3D6BFF}"/>
+              </a:ext>
+            </a:extLst>
+          </p:cNvPr>
+          <p:cNvSpPr txBox="1"/>
+          <p:nvPr/>
+        </p:nvSpPr>
+        <p:spPr>
+          <a:xfrm>
+            <a:off x="151443" y="1022263"/>
+            <a:ext cx="5823751" cy="400110"/>
+          </a:xfrm>
+          <a:prstGeom prst="rect">
+            <a:avLst/>
+          </a:prstGeom>
+          <a:noFill/>
+        </p:spPr>
+        <p:txBody>
+          <a:bodyPr wrap="square" rtlCol="0">
+            <a:spAutoFit/>
+          </a:bodyPr>
+          <a:lstStyle/>
+          <a:p>
+            <a:endParaRPr lang="en-US" sz="2000" dirty="0">
+              <a:latin typeface="Times New Roman" panose="02020603050405020304" pitchFamily="18" charset="0"/>
+              <a:cs typeface="Times New Roman" panose="02020603050405020304" pitchFamily="18" charset="0"/>
+            </a:endParaRPr>
+          </a:p>
+        </p:txBody>
+      </p:sp>
+      <p:sp>
+        <p:nvSpPr>
+          <p:cNvPr id="5" name="TextBox 4">
+            <a:extLst>
+              <a:ext uri="{FF2B5EF4-FFF2-40B4-BE49-F238E27FC236}">
+                <a16:creationId xmlns:a16="http://schemas.microsoft.com/office/drawing/2014/main" id="{685454DC-B2D7-14A0-6353-ADCD5E769EBF}"/>
+              </a:ext>
+            </a:extLst>
+          </p:cNvPr>
+          <p:cNvSpPr txBox="1"/>
+          <p:nvPr/>
+        </p:nvSpPr>
+        <p:spPr>
+          <a:xfrm>
+            <a:off x="447228" y="1022263"/>
+            <a:ext cx="7998781" cy="369332"/>
+          </a:xfrm>
+          <a:prstGeom prst="rect">
+            <a:avLst/>
+          </a:prstGeom>
+          <a:noFill/>
+        </p:spPr>
+        <p:txBody>
+          <a:bodyPr wrap="square" rtlCol="0">
+            <a:spAutoFit/>
+          </a:bodyPr>
+          <a:lstStyle/>
+          <a:p>
             <a:endParaRPr lang="en-US" b="1" dirty="0"/>
           </a:p>
         </p:txBody>
@@ -10656,7 +11052,7 @@
           <p:nvPr>
             <p:extLst>
               <p:ext uri="{D42A27DB-BD31-4B8C-83A1-F6EECF244321}">
-                <p14:modId xmlns:p14="http://schemas.microsoft.com/office/powerpoint/2010/main" val="771829067"/>
+                <p14:modId xmlns:p14="http://schemas.microsoft.com/office/powerpoint/2010/main" val="3768220007"/>
               </p:ext>
             </p:extLst>
           </p:nvPr>
@@ -11248,7 +11644,7 @@
                         </a:spcAft>
                       </a:pPr>
                       <a:r>
-                        <a:rPr lang="en-US" sz="1100" kern="100">
+                        <a:rPr lang="en-US" sz="1100" b="1" kern="100" dirty="0">
                           <a:effectLst/>
                           <a:latin typeface="Arial MT"/>
                           <a:ea typeface="Arial MT"/>
@@ -11400,7 +11796,7 @@
                         </a:spcAft>
                       </a:pPr>
                       <a:r>
-                        <a:rPr lang="en-US" sz="1100" kern="100" dirty="0">
+                        <a:rPr lang="en-US" sz="1100" b="1" kern="100" dirty="0">
                           <a:effectLst/>
                           <a:latin typeface="Arial MT"/>
                           <a:ea typeface="Arial MT"/>
@@ -11552,7 +11948,7 @@
                         </a:spcAft>
                       </a:pPr>
                       <a:r>
-                        <a:rPr lang="en-US" sz="1100" kern="100">
+                        <a:rPr lang="en-US" sz="1100" b="1" kern="100" dirty="0">
                           <a:effectLst/>
                           <a:latin typeface="Arial MT"/>
                           <a:ea typeface="Arial MT"/>
@@ -13276,7 +13672,7 @@
                         </a:tabLst>
                       </a:pPr>
                       <a:r>
-                        <a:rPr lang="en-US" sz="900" kern="100" dirty="0">
+                        <a:rPr lang="en-US" sz="1100" kern="100" dirty="0">
                           <a:solidFill>
                             <a:srgbClr val="3C4043"/>
                           </a:solidFill>
@@ -13285,19 +13681,7 @@
                           <a:ea typeface="Times New Roman" panose="02020603050405020304" pitchFamily="18" charset="0"/>
                           <a:cs typeface="Courier New" panose="02070309020205020404" pitchFamily="49" charset="0"/>
                         </a:rPr>
-                        <a:t>0.</a:t>
-                      </a:r>
-                      <a:r>
-                        <a:rPr lang="en-US" sz="1000" kern="100" dirty="0">
-                          <a:solidFill>
-                            <a:srgbClr val="3C4043"/>
-                          </a:solidFill>
-                          <a:effectLst/>
-                          <a:latin typeface="Roboto Mono" panose="00000009000000000000" pitchFamily="49" charset="0"/>
-                          <a:ea typeface="Times New Roman" panose="02020603050405020304" pitchFamily="18" charset="0"/>
-                          <a:cs typeface="Courier New" panose="02070309020205020404" pitchFamily="49" charset="0"/>
-                        </a:rPr>
-                        <a:t>00025587564459585865</a:t>
+                        <a:t>0.00025587564459585865</a:t>
                       </a:r>
                       <a:endParaRPr lang="en-US" sz="1100" kern="100" dirty="0">
                         <a:effectLst/>
@@ -13319,7 +13703,7 @@
                         </a:spcAft>
                       </a:pPr>
                       <a:r>
-                        <a:rPr lang="en-US" sz="900" kern="100" dirty="0">
+                        <a:rPr lang="en-US" sz="1100" kern="100" dirty="0">
                           <a:effectLst/>
                           <a:latin typeface="Arial MT"/>
                           <a:ea typeface="Arial MT"/>
@@ -13327,12 +13711,6 @@
                         </a:rPr>
                         <a:t> </a:t>
                       </a:r>
-                      <a:endParaRPr lang="en-US" sz="1100" kern="100" dirty="0">
-                        <a:effectLst/>
-                        <a:latin typeface="Arial MT"/>
-                        <a:ea typeface="Arial MT"/>
-                        <a:cs typeface="Arial MT"/>
-                      </a:endParaRPr>
                     </a:p>
                   </a:txBody>
                   <a:tcPr marL="68580" marR="68580" marT="0" marB="0">
@@ -14035,315 +14413,6 @@
     <p:extLst>
       <p:ext uri="{BB962C8B-B14F-4D97-AF65-F5344CB8AC3E}">
         <p14:creationId xmlns:p14="http://schemas.microsoft.com/office/powerpoint/2010/main" val="1366947323"/>
-      </p:ext>
-    </p:extLst>
-  </p:cSld>
-  <p:clrMapOvr>
-    <a:masterClrMapping/>
-  </p:clrMapOvr>
-</p:sld>
-</file>
-
-<file path=ppt/slides/slide31.xml><?xml version="1.0" encoding="utf-8"?>
-<p:sld xmlns:a="http://schemas.openxmlformats.org/drawingml/2006/main" xmlns:r="http://schemas.openxmlformats.org/officeDocument/2006/relationships" xmlns:p="http://schemas.openxmlformats.org/presentationml/2006/main">
-  <p:cSld>
-    <p:spTree>
-      <p:nvGrpSpPr>
-        <p:cNvPr id="1" name=""/>
-        <p:cNvGrpSpPr/>
-        <p:nvPr/>
-      </p:nvGrpSpPr>
-      <p:grpSpPr>
-        <a:xfrm>
-          <a:off x="0" y="0"/>
-          <a:ext cx="0" cy="0"/>
-          <a:chOff x="0" y="0"/>
-          <a:chExt cx="0" cy="0"/>
-        </a:xfrm>
-      </p:grpSpPr>
-      <p:pic>
-        <p:nvPicPr>
-          <p:cNvPr id="3" name="Picture 2"/>
-          <p:cNvPicPr>
-            <a:picLocks noChangeAspect="1"/>
-          </p:cNvPicPr>
-          <p:nvPr/>
-        </p:nvPicPr>
-        <p:blipFill>
-          <a:blip r:embed="rId2" cstate="print">
-            <a:extLst>
-              <a:ext uri="{28A0092B-C50C-407E-A947-70E740481C1C}">
-                <a14:useLocalDpi xmlns:a14="http://schemas.microsoft.com/office/drawing/2010/main" val="0"/>
-              </a:ext>
-            </a:extLst>
-          </a:blip>
-          <a:stretch>
-            <a:fillRect/>
-          </a:stretch>
-        </p:blipFill>
-        <p:spPr>
-          <a:xfrm>
-            <a:off x="12609" y="6785"/>
-            <a:ext cx="12192000" cy="6844430"/>
-          </a:xfrm>
-          <a:prstGeom prst="rect">
-            <a:avLst/>
-          </a:prstGeom>
-        </p:spPr>
-      </p:pic>
-      <p:cxnSp>
-        <p:nvCxnSpPr>
-          <p:cNvPr id="15" name="Straight Connector 14"/>
-          <p:cNvCxnSpPr/>
-          <p:nvPr/>
-        </p:nvCxnSpPr>
-        <p:spPr>
-          <a:xfrm flipV="1">
-            <a:off x="178802" y="760653"/>
-            <a:ext cx="11592784" cy="29275"/>
-          </a:xfrm>
-          <a:prstGeom prst="line">
-            <a:avLst/>
-          </a:prstGeom>
-        </p:spPr>
-        <p:style>
-          <a:lnRef idx="1">
-            <a:schemeClr val="dk1"/>
-          </a:lnRef>
-          <a:fillRef idx="0">
-            <a:schemeClr val="dk1"/>
-          </a:fillRef>
-          <a:effectRef idx="0">
-            <a:schemeClr val="dk1"/>
-          </a:effectRef>
-          <a:fontRef idx="minor">
-            <a:schemeClr val="tx1"/>
-          </a:fontRef>
-        </p:style>
-      </p:cxnSp>
-      <p:sp>
-        <p:nvSpPr>
-          <p:cNvPr id="9" name="TextBox 8"/>
-          <p:cNvSpPr txBox="1"/>
-          <p:nvPr/>
-        </p:nvSpPr>
-        <p:spPr>
-          <a:xfrm>
-            <a:off x="178802" y="328263"/>
-            <a:ext cx="4508608" cy="830997"/>
-          </a:xfrm>
-          <a:prstGeom prst="rect">
-            <a:avLst/>
-          </a:prstGeom>
-          <a:noFill/>
-        </p:spPr>
-        <p:txBody>
-          <a:bodyPr wrap="square" rtlCol="0">
-            <a:spAutoFit/>
-          </a:bodyPr>
-          <a:lstStyle/>
-          <a:p>
-            <a:r>
-              <a:rPr lang="en-US" sz="2400" b="1" dirty="0"/>
-              <a:t>Results and Outcomes</a:t>
-            </a:r>
-          </a:p>
-          <a:p>
-            <a:endParaRPr lang="en-US" sz="2400" b="1" dirty="0"/>
-          </a:p>
-        </p:txBody>
-      </p:sp>
-      <p:sp>
-        <p:nvSpPr>
-          <p:cNvPr id="6" name="TextBox 5">
-            <a:extLst>
-              <a:ext uri="{FF2B5EF4-FFF2-40B4-BE49-F238E27FC236}">
-                <a16:creationId xmlns:a16="http://schemas.microsoft.com/office/drawing/2014/main" id="{913B0607-4E2E-4F01-02B0-3163D267BE6C}"/>
-              </a:ext>
-            </a:extLst>
-          </p:cNvPr>
-          <p:cNvSpPr txBox="1"/>
-          <p:nvPr/>
-        </p:nvSpPr>
-        <p:spPr>
-          <a:xfrm>
-            <a:off x="3899647" y="1954306"/>
-            <a:ext cx="45719" cy="369332"/>
-          </a:xfrm>
-          <a:prstGeom prst="rect">
-            <a:avLst/>
-          </a:prstGeom>
-          <a:noFill/>
-        </p:spPr>
-        <p:txBody>
-          <a:bodyPr wrap="square" rtlCol="0">
-            <a:spAutoFit/>
-          </a:bodyPr>
-          <a:lstStyle/>
-          <a:p>
-            <a:endParaRPr lang="en-US" dirty="0"/>
-          </a:p>
-        </p:txBody>
-      </p:sp>
-      <p:sp>
-        <p:nvSpPr>
-          <p:cNvPr id="4" name="TextBox 3">
-            <a:extLst>
-              <a:ext uri="{FF2B5EF4-FFF2-40B4-BE49-F238E27FC236}">
-                <a16:creationId xmlns:a16="http://schemas.microsoft.com/office/drawing/2014/main" id="{C7A97924-1F95-4B36-D642-D26D3D3D6BFF}"/>
-              </a:ext>
-            </a:extLst>
-          </p:cNvPr>
-          <p:cNvSpPr txBox="1"/>
-          <p:nvPr/>
-        </p:nvSpPr>
-        <p:spPr>
-          <a:xfrm>
-            <a:off x="151443" y="1022263"/>
-            <a:ext cx="5823751" cy="400110"/>
-          </a:xfrm>
-          <a:prstGeom prst="rect">
-            <a:avLst/>
-          </a:prstGeom>
-          <a:noFill/>
-        </p:spPr>
-        <p:txBody>
-          <a:bodyPr wrap="square" rtlCol="0">
-            <a:spAutoFit/>
-          </a:bodyPr>
-          <a:lstStyle/>
-          <a:p>
-            <a:endParaRPr lang="en-US" sz="2000" dirty="0">
-              <a:latin typeface="Times New Roman" panose="02020603050405020304" pitchFamily="18" charset="0"/>
-              <a:cs typeface="Times New Roman" panose="02020603050405020304" pitchFamily="18" charset="0"/>
-            </a:endParaRPr>
-          </a:p>
-        </p:txBody>
-      </p:sp>
-      <p:pic>
-        <p:nvPicPr>
-          <p:cNvPr id="2" name="Picture 2">
-            <a:extLst>
-              <a:ext uri="{FF2B5EF4-FFF2-40B4-BE49-F238E27FC236}">
-                <a16:creationId xmlns:a16="http://schemas.microsoft.com/office/drawing/2014/main" id="{3175115E-01AD-5AA1-9B46-C81AB9C4C436}"/>
-              </a:ext>
-            </a:extLst>
-          </p:cNvPr>
-          <p:cNvPicPr>
-            <a:picLocks noChangeAspect="1" noChangeArrowheads="1"/>
-          </p:cNvPicPr>
-          <p:nvPr/>
-        </p:nvPicPr>
-        <p:blipFill>
-          <a:blip r:embed="rId3">
-            <a:extLst>
-              <a:ext uri="{28A0092B-C50C-407E-A947-70E740481C1C}">
-                <a14:useLocalDpi xmlns:a14="http://schemas.microsoft.com/office/drawing/2010/main" val="0"/>
-              </a:ext>
-            </a:extLst>
-          </a:blip>
-          <a:srcRect/>
-          <a:stretch>
-            <a:fillRect/>
-          </a:stretch>
-        </p:blipFill>
-        <p:spPr bwMode="auto">
-          <a:xfrm>
-            <a:off x="736239" y="2116373"/>
-            <a:ext cx="4844965" cy="2878676"/>
-          </a:xfrm>
-          <a:prstGeom prst="rect">
-            <a:avLst/>
-          </a:prstGeom>
-          <a:noFill/>
-          <a:ln>
-            <a:noFill/>
-          </a:ln>
-          <a:extLst>
-            <a:ext uri="{909E8E84-426E-40DD-AFC4-6F175D3DCCD1}">
-              <a14:hiddenFill xmlns:a14="http://schemas.microsoft.com/office/drawing/2010/main">
-                <a:solidFill>
-                  <a:srgbClr val="FFFFFF"/>
-                </a:solidFill>
-              </a14:hiddenFill>
-            </a:ext>
-            <a:ext uri="{91240B29-F687-4F45-9708-019B960494DF}">
-              <a14:hiddenLine xmlns:a14="http://schemas.microsoft.com/office/drawing/2010/main" w="9525">
-                <a:solidFill>
-                  <a:srgbClr val="000000"/>
-                </a:solidFill>
-                <a:miter lim="800000"/>
-                <a:headEnd/>
-                <a:tailEnd/>
-              </a14:hiddenLine>
-            </a:ext>
-          </a:extLst>
-        </p:spPr>
-      </p:pic>
-      <p:pic>
-        <p:nvPicPr>
-          <p:cNvPr id="7" name="Picture 4">
-            <a:extLst>
-              <a:ext uri="{FF2B5EF4-FFF2-40B4-BE49-F238E27FC236}">
-                <a16:creationId xmlns:a16="http://schemas.microsoft.com/office/drawing/2014/main" id="{4D198EAD-6724-77A1-2509-51BFAB635A4E}"/>
-              </a:ext>
-            </a:extLst>
-          </p:cNvPr>
-          <p:cNvPicPr>
-            <a:picLocks noChangeAspect="1" noChangeArrowheads="1"/>
-          </p:cNvPicPr>
-          <p:nvPr/>
-        </p:nvPicPr>
-        <p:blipFill>
-          <a:blip r:embed="rId4">
-            <a:extLst>
-              <a:ext uri="{28A0092B-C50C-407E-A947-70E740481C1C}">
-                <a14:useLocalDpi xmlns:a14="http://schemas.microsoft.com/office/drawing/2010/main" val="0"/>
-              </a:ext>
-            </a:extLst>
-          </a:blip>
-          <a:srcRect/>
-          <a:stretch>
-            <a:fillRect/>
-          </a:stretch>
-        </p:blipFill>
-        <p:spPr bwMode="auto">
-          <a:xfrm>
-            <a:off x="5975194" y="2116373"/>
-            <a:ext cx="4773945" cy="2878677"/>
-          </a:xfrm>
-          <a:prstGeom prst="rect">
-            <a:avLst/>
-          </a:prstGeom>
-          <a:noFill/>
-          <a:ln>
-            <a:noFill/>
-          </a:ln>
-          <a:extLst>
-            <a:ext uri="{909E8E84-426E-40DD-AFC4-6F175D3DCCD1}">
-              <a14:hiddenFill xmlns:a14="http://schemas.microsoft.com/office/drawing/2010/main">
-                <a:solidFill>
-                  <a:srgbClr val="FFFFFF"/>
-                </a:solidFill>
-              </a14:hiddenFill>
-            </a:ext>
-            <a:ext uri="{91240B29-F687-4F45-9708-019B960494DF}">
-              <a14:hiddenLine xmlns:a14="http://schemas.microsoft.com/office/drawing/2010/main" w="9525">
-                <a:solidFill>
-                  <a:srgbClr val="000000"/>
-                </a:solidFill>
-                <a:miter lim="800000"/>
-                <a:headEnd/>
-                <a:tailEnd/>
-              </a14:hiddenLine>
-            </a:ext>
-          </a:extLst>
-        </p:spPr>
-      </p:pic>
-    </p:spTree>
-    <p:extLst>
-      <p:ext uri="{BB962C8B-B14F-4D97-AF65-F5344CB8AC3E}">
-        <p14:creationId xmlns:p14="http://schemas.microsoft.com/office/powerpoint/2010/main" val="1026538223"/>
       </p:ext>
     </p:extLst>
   </p:cSld>
@@ -14454,7 +14523,7 @@
           <a:p>
             <a:r>
               <a:rPr lang="en-US" sz="2400" b="1" dirty="0"/>
-              <a:t>System Validation</a:t>
+              <a:t>Results and Outcomes</a:t>
             </a:r>
           </a:p>
           <a:p>
@@ -14496,10 +14565,10 @@
       </p:sp>
       <p:sp>
         <p:nvSpPr>
-          <p:cNvPr id="2" name="TextBox 1">
+          <p:cNvPr id="4" name="TextBox 3">
             <a:extLst>
               <a:ext uri="{FF2B5EF4-FFF2-40B4-BE49-F238E27FC236}">
-                <a16:creationId xmlns:a16="http://schemas.microsoft.com/office/drawing/2014/main" id="{6571B1EE-C7C0-8A09-873D-427B8DBF46FB}"/>
+                <a16:creationId xmlns:a16="http://schemas.microsoft.com/office/drawing/2014/main" id="{C7A97924-1F95-4B36-D642-D26D3D3D6BFF}"/>
               </a:ext>
             </a:extLst>
           </p:cNvPr>
@@ -14508,8 +14577,8 @@
         </p:nvSpPr>
         <p:spPr>
           <a:xfrm>
-            <a:off x="790113" y="1222318"/>
-            <a:ext cx="6835806" cy="646331"/>
+            <a:off x="151443" y="1022263"/>
+            <a:ext cx="5823751" cy="400110"/>
           </a:xfrm>
           <a:prstGeom prst="rect">
             <a:avLst/>
@@ -14522,17 +14591,137 @@
           </a:bodyPr>
           <a:lstStyle/>
           <a:p>
-            <a:r>
-              <a:rPr lang="en-US" dirty="0"/>
-              <a:t>After we tested the Desktop Application it showed reliable results and stable performance among all algorithms and the used dataset.</a:t>
-            </a:r>
+            <a:endParaRPr lang="en-US" sz="2000" dirty="0">
+              <a:latin typeface="Times New Roman" panose="02020603050405020304" pitchFamily="18" charset="0"/>
+              <a:cs typeface="Times New Roman" panose="02020603050405020304" pitchFamily="18" charset="0"/>
+            </a:endParaRPr>
           </a:p>
         </p:txBody>
       </p:sp>
+      <p:pic>
+        <p:nvPicPr>
+          <p:cNvPr id="2" name="Picture 2">
+            <a:extLst>
+              <a:ext uri="{FF2B5EF4-FFF2-40B4-BE49-F238E27FC236}">
+                <a16:creationId xmlns:a16="http://schemas.microsoft.com/office/drawing/2014/main" id="{3175115E-01AD-5AA1-9B46-C81AB9C4C436}"/>
+              </a:ext>
+            </a:extLst>
+          </p:cNvPr>
+          <p:cNvPicPr>
+            <a:picLocks noChangeAspect="1" noChangeArrowheads="1"/>
+          </p:cNvPicPr>
+          <p:nvPr/>
+        </p:nvPicPr>
+        <p:blipFill>
+          <a:blip r:embed="rId3">
+            <a:extLst>
+              <a:ext uri="{28A0092B-C50C-407E-A947-70E740481C1C}">
+                <a14:useLocalDpi xmlns:a14="http://schemas.microsoft.com/office/drawing/2010/main" val="0"/>
+              </a:ext>
+            </a:extLst>
+          </a:blip>
+          <a:srcRect/>
+          <a:stretch>
+            <a:fillRect/>
+          </a:stretch>
+        </p:blipFill>
+        <p:spPr bwMode="auto">
+          <a:xfrm>
+            <a:off x="736239" y="2116373"/>
+            <a:ext cx="4844965" cy="2878676"/>
+          </a:xfrm>
+          <a:prstGeom prst="rect">
+            <a:avLst/>
+          </a:prstGeom>
+          <a:noFill/>
+          <a:ln>
+            <a:noFill/>
+          </a:ln>
+          <a:extLst>
+            <a:ext uri="{909E8E84-426E-40DD-AFC4-6F175D3DCCD1}">
+              <a14:hiddenFill xmlns:a14="http://schemas.microsoft.com/office/drawing/2010/main">
+                <a:solidFill>
+                  <a:srgbClr val="FFFFFF"/>
+                </a:solidFill>
+              </a14:hiddenFill>
+            </a:ext>
+            <a:ext uri="{91240B29-F687-4F45-9708-019B960494DF}">
+              <a14:hiddenLine xmlns:a14="http://schemas.microsoft.com/office/drawing/2010/main" w="9525">
+                <a:solidFill>
+                  <a:srgbClr val="000000"/>
+                </a:solidFill>
+                <a:miter lim="800000"/>
+                <a:headEnd/>
+                <a:tailEnd/>
+              </a14:hiddenLine>
+            </a:ext>
+          </a:extLst>
+        </p:spPr>
+      </p:pic>
+      <p:pic>
+        <p:nvPicPr>
+          <p:cNvPr id="7" name="Picture 4">
+            <a:extLst>
+              <a:ext uri="{FF2B5EF4-FFF2-40B4-BE49-F238E27FC236}">
+                <a16:creationId xmlns:a16="http://schemas.microsoft.com/office/drawing/2014/main" id="{4D198EAD-6724-77A1-2509-51BFAB635A4E}"/>
+              </a:ext>
+            </a:extLst>
+          </p:cNvPr>
+          <p:cNvPicPr>
+            <a:picLocks noChangeAspect="1" noChangeArrowheads="1"/>
+          </p:cNvPicPr>
+          <p:nvPr/>
+        </p:nvPicPr>
+        <p:blipFill>
+          <a:blip r:embed="rId4">
+            <a:extLst>
+              <a:ext uri="{28A0092B-C50C-407E-A947-70E740481C1C}">
+                <a14:useLocalDpi xmlns:a14="http://schemas.microsoft.com/office/drawing/2010/main" val="0"/>
+              </a:ext>
+            </a:extLst>
+          </a:blip>
+          <a:srcRect/>
+          <a:stretch>
+            <a:fillRect/>
+          </a:stretch>
+        </p:blipFill>
+        <p:spPr bwMode="auto">
+          <a:xfrm>
+            <a:off x="5975194" y="2116373"/>
+            <a:ext cx="4773945" cy="2878677"/>
+          </a:xfrm>
+          <a:prstGeom prst="rect">
+            <a:avLst/>
+          </a:prstGeom>
+          <a:noFill/>
+          <a:ln>
+            <a:noFill/>
+          </a:ln>
+          <a:extLst>
+            <a:ext uri="{909E8E84-426E-40DD-AFC4-6F175D3DCCD1}">
+              <a14:hiddenFill xmlns:a14="http://schemas.microsoft.com/office/drawing/2010/main">
+                <a:solidFill>
+                  <a:srgbClr val="FFFFFF"/>
+                </a:solidFill>
+              </a14:hiddenFill>
+            </a:ext>
+            <a:ext uri="{91240B29-F687-4F45-9708-019B960494DF}">
+              <a14:hiddenLine xmlns:a14="http://schemas.microsoft.com/office/drawing/2010/main" w="9525">
+                <a:solidFill>
+                  <a:srgbClr val="000000"/>
+                </a:solidFill>
+                <a:miter lim="800000"/>
+                <a:headEnd/>
+                <a:tailEnd/>
+              </a14:hiddenLine>
+            </a:ext>
+          </a:extLst>
+        </p:spPr>
+      </p:pic>
     </p:spTree>
     <p:extLst>
       <p:ext uri="{BB962C8B-B14F-4D97-AF65-F5344CB8AC3E}">
-        <p14:creationId xmlns:p14="http://schemas.microsoft.com/office/powerpoint/2010/main" val="2133798635"/>
+        <p14:creationId xmlns:p14="http://schemas.microsoft.com/office/powerpoint/2010/main" val="1026538223"/>
       </p:ext>
     </p:extLst>
   </p:cSld>
@@ -14643,7 +14832,7 @@
           <a:p>
             <a:r>
               <a:rPr lang="en-US" sz="2400" b="1" dirty="0"/>
-              <a:t>Conclusion</a:t>
+              <a:t>System Validation</a:t>
             </a:r>
           </a:p>
           <a:p>
@@ -14697,8 +14886,8 @@
         </p:nvSpPr>
         <p:spPr>
           <a:xfrm>
-            <a:off x="481744" y="948733"/>
-            <a:ext cx="6835806" cy="4939814"/>
+            <a:off x="668786" y="1088169"/>
+            <a:ext cx="6835806" cy="646331"/>
           </a:xfrm>
           <a:prstGeom prst="rect">
             <a:avLst/>
@@ -14711,69 +14900,3369 @@
           </a:bodyPr>
           <a:lstStyle/>
           <a:p>
-            <a:pPr marL="342900" indent="-342900" algn="just">
-              <a:lnSpc>
-                <a:spcPct val="150000"/>
-              </a:lnSpc>
+            <a:pPr marL="285750" indent="-285750">
               <a:buFont typeface="Arial" panose="020B0604020202020204" pitchFamily="34" charset="0"/>
               <a:buChar char="•"/>
             </a:pPr>
             <a:r>
-              <a:rPr lang="en-US" sz="1800" dirty="0"/>
-              <a:t>Our results demonstrate the effectiveness of machine learning in predicting sea level rise. </a:t>
-            </a:r>
-          </a:p>
-          <a:p>
-            <a:pPr algn="just">
-              <a:lnSpc>
-                <a:spcPct val="150000"/>
-              </a:lnSpc>
-            </a:pPr>
-            <a:endParaRPr lang="en-US" sz="1800" dirty="0"/>
-          </a:p>
-          <a:p>
-            <a:pPr marL="342900" indent="-342900" algn="just">
-              <a:lnSpc>
-                <a:spcPct val="150000"/>
-              </a:lnSpc>
-              <a:buFont typeface="Arial" panose="020B0604020202020204" pitchFamily="34" charset="0"/>
-              <a:buChar char="•"/>
-            </a:pPr>
-            <a:r>
-              <a:rPr lang="en-US" sz="1800" dirty="0"/>
-              <a:t>Linear Regression, Random Forest Regression, Decision Tree Regression, Ridge Regression, and Lasso Regression showed promising performance in capturing the underlying patterns and predicting future sea level changes. </a:t>
-            </a:r>
-          </a:p>
-          <a:p>
-            <a:pPr algn="just">
-              <a:lnSpc>
-                <a:spcPct val="150000"/>
-              </a:lnSpc>
-            </a:pPr>
-            <a:endParaRPr lang="en-US" sz="1800" dirty="0"/>
-          </a:p>
-          <a:p>
-            <a:pPr marL="342900" indent="-342900" algn="just">
-              <a:lnSpc>
-                <a:spcPct val="150000"/>
-              </a:lnSpc>
-              <a:buFont typeface="Arial" panose="020B0604020202020204" pitchFamily="34" charset="0"/>
-              <a:buChar char="•"/>
-            </a:pPr>
-            <a:r>
-              <a:rPr lang="en-US" sz="1800" dirty="0"/>
-              <a:t>Particularly, Linear Regression achieved the best performance with perfect R2 score and an extremely low MSE, indicating a close fit between the predicted and actual sea level values.</a:t>
-            </a:r>
-          </a:p>
-          <a:p>
-            <a:endParaRPr lang="en-US" dirty="0"/>
+              <a:rPr lang="en-US" dirty="0"/>
+              <a:t>Here are The comparison between r2 score of the Model and r2 score of the Desktop Application.</a:t>
+            </a:r>
           </a:p>
         </p:txBody>
       </p:sp>
+      <p:graphicFrame>
+        <p:nvGraphicFramePr>
+          <p:cNvPr id="8" name="Table 7">
+            <a:extLst>
+              <a:ext uri="{FF2B5EF4-FFF2-40B4-BE49-F238E27FC236}">
+                <a16:creationId xmlns:a16="http://schemas.microsoft.com/office/drawing/2014/main" id="{CD5805C0-9BC5-28ED-9C93-20EAA68D19DB}"/>
+              </a:ext>
+            </a:extLst>
+          </p:cNvPr>
+          <p:cNvGraphicFramePr>
+            <a:graphicFrameLocks noGrp="1"/>
+          </p:cNvGraphicFramePr>
+          <p:nvPr>
+            <p:extLst>
+              <p:ext uri="{D42A27DB-BD31-4B8C-83A1-F6EECF244321}">
+                <p14:modId xmlns:p14="http://schemas.microsoft.com/office/powerpoint/2010/main" val="3616389304"/>
+              </p:ext>
+            </p:extLst>
+          </p:nvPr>
+        </p:nvGraphicFramePr>
+        <p:xfrm>
+          <a:off x="2693182" y="2064854"/>
+          <a:ext cx="6564024" cy="4047360"/>
+        </p:xfrm>
+        <a:graphic>
+          <a:graphicData uri="http://schemas.openxmlformats.org/drawingml/2006/table">
+            <a:tbl>
+              <a:tblPr firstRow="1" bandRow="1">
+                <a:effectLst/>
+              </a:tblPr>
+              <a:tblGrid>
+                <a:gridCol w="2188008">
+                  <a:extLst>
+                    <a:ext uri="{9D8B030D-6E8A-4147-A177-3AD203B41FA5}">
+                      <a16:colId xmlns:a16="http://schemas.microsoft.com/office/drawing/2014/main" val="1831167460"/>
+                    </a:ext>
+                  </a:extLst>
+                </a:gridCol>
+                <a:gridCol w="2188008">
+                  <a:extLst>
+                    <a:ext uri="{9D8B030D-6E8A-4147-A177-3AD203B41FA5}">
+                      <a16:colId xmlns:a16="http://schemas.microsoft.com/office/drawing/2014/main" val="147545651"/>
+                    </a:ext>
+                  </a:extLst>
+                </a:gridCol>
+                <a:gridCol w="2188008">
+                  <a:extLst>
+                    <a:ext uri="{9D8B030D-6E8A-4147-A177-3AD203B41FA5}">
+                      <a16:colId xmlns:a16="http://schemas.microsoft.com/office/drawing/2014/main" val="3354919368"/>
+                    </a:ext>
+                  </a:extLst>
+                </a:gridCol>
+              </a:tblGrid>
+              <a:tr h="520614">
+                <a:tc>
+                  <a:txBody>
+                    <a:bodyPr/>
+                    <a:lstStyle>
+                      <a:lvl1pPr marL="0" algn="l" defTabSz="914400" rtl="0" eaLnBrk="1" latinLnBrk="0" hangingPunct="1">
+                        <a:defRPr sz="1800" b="1" kern="1200">
+                          <a:solidFill>
+                            <a:schemeClr val="tx1"/>
+                          </a:solidFill>
+                          <a:latin typeface="Arial"/>
+                        </a:defRPr>
+                      </a:lvl1pPr>
+                      <a:lvl2pPr marL="457200" algn="l" defTabSz="914400" rtl="0" eaLnBrk="1" latinLnBrk="0" hangingPunct="1">
+                        <a:defRPr sz="1800" b="1" kern="1200">
+                          <a:solidFill>
+                            <a:schemeClr val="tx1"/>
+                          </a:solidFill>
+                          <a:latin typeface="Arial"/>
+                        </a:defRPr>
+                      </a:lvl2pPr>
+                      <a:lvl3pPr marL="914400" algn="l" defTabSz="914400" rtl="0" eaLnBrk="1" latinLnBrk="0" hangingPunct="1">
+                        <a:defRPr sz="1800" b="1" kern="1200">
+                          <a:solidFill>
+                            <a:schemeClr val="tx1"/>
+                          </a:solidFill>
+                          <a:latin typeface="Arial"/>
+                        </a:defRPr>
+                      </a:lvl3pPr>
+                      <a:lvl4pPr marL="1371600" algn="l" defTabSz="914400" rtl="0" eaLnBrk="1" latinLnBrk="0" hangingPunct="1">
+                        <a:defRPr sz="1800" b="1" kern="1200">
+                          <a:solidFill>
+                            <a:schemeClr val="tx1"/>
+                          </a:solidFill>
+                          <a:latin typeface="Arial"/>
+                        </a:defRPr>
+                      </a:lvl4pPr>
+                      <a:lvl5pPr marL="1828800" algn="l" defTabSz="914400" rtl="0" eaLnBrk="1" latinLnBrk="0" hangingPunct="1">
+                        <a:defRPr sz="1800" b="1" kern="1200">
+                          <a:solidFill>
+                            <a:schemeClr val="tx1"/>
+                          </a:solidFill>
+                          <a:latin typeface="Arial"/>
+                        </a:defRPr>
+                      </a:lvl5pPr>
+                      <a:lvl6pPr marL="2286000" algn="l" defTabSz="914400" rtl="0" eaLnBrk="1" latinLnBrk="0" hangingPunct="1">
+                        <a:defRPr sz="1800" b="1" kern="1200">
+                          <a:solidFill>
+                            <a:schemeClr val="tx1"/>
+                          </a:solidFill>
+                          <a:latin typeface="Arial"/>
+                        </a:defRPr>
+                      </a:lvl6pPr>
+                      <a:lvl7pPr marL="2743200" algn="l" defTabSz="914400" rtl="0" eaLnBrk="1" latinLnBrk="0" hangingPunct="1">
+                        <a:defRPr sz="1800" b="1" kern="1200">
+                          <a:solidFill>
+                            <a:schemeClr val="tx1"/>
+                          </a:solidFill>
+                          <a:latin typeface="Arial"/>
+                        </a:defRPr>
+                      </a:lvl7pPr>
+                      <a:lvl8pPr marL="3200400" algn="l" defTabSz="914400" rtl="0" eaLnBrk="1" latinLnBrk="0" hangingPunct="1">
+                        <a:defRPr sz="1800" b="1" kern="1200">
+                          <a:solidFill>
+                            <a:schemeClr val="tx1"/>
+                          </a:solidFill>
+                          <a:latin typeface="Arial"/>
+                        </a:defRPr>
+                      </a:lvl8pPr>
+                      <a:lvl9pPr marL="3657600" algn="l" defTabSz="914400" rtl="0" eaLnBrk="1" latinLnBrk="0" hangingPunct="1">
+                        <a:defRPr sz="1800" b="1" kern="1200">
+                          <a:solidFill>
+                            <a:schemeClr val="tx1"/>
+                          </a:solidFill>
+                          <a:latin typeface="Arial"/>
+                        </a:defRPr>
+                      </a:lvl9pPr>
+                    </a:lstStyle>
+                    <a:p>
+                      <a:pPr marL="0" marR="0" algn="ctr">
+                        <a:lnSpc>
+                          <a:spcPct val="200000"/>
+                        </a:lnSpc>
+                        <a:spcBef>
+                          <a:spcPts val="0"/>
+                        </a:spcBef>
+                        <a:spcAft>
+                          <a:spcPts val="0"/>
+                        </a:spcAft>
+                      </a:pPr>
+                      <a:r>
+                        <a:rPr lang="en-US" sz="1600" kern="100" dirty="0">
+                          <a:effectLst/>
+                          <a:latin typeface="Arial MT"/>
+                          <a:ea typeface="Arial MT"/>
+                          <a:cs typeface="Arial MT"/>
+                        </a:rPr>
+                        <a:t>Algorithm</a:t>
+                      </a:r>
+                    </a:p>
+                  </a:txBody>
+                  <a:tcPr marL="68580" marR="68580" marT="0" marB="0">
+                    <a:lnL w="12700" cap="flat" cmpd="sng" algn="ctr">
+                      <a:solidFill>
+                        <a:srgbClr val="00284E"/>
+                      </a:solidFill>
+                      <a:prstDash val="solid"/>
+                      <a:round/>
+                      <a:headEnd type="none" w="med" len="med"/>
+                      <a:tailEnd type="none" w="med" len="med"/>
+                    </a:lnL>
+                    <a:lnR w="12700" cap="flat" cmpd="sng" algn="ctr">
+                      <a:solidFill>
+                        <a:srgbClr val="00284E"/>
+                      </a:solidFill>
+                      <a:prstDash val="solid"/>
+                      <a:round/>
+                      <a:headEnd type="none" w="med" len="med"/>
+                      <a:tailEnd type="none" w="med" len="med"/>
+                    </a:lnR>
+                    <a:lnT w="12700" cap="flat" cmpd="sng" algn="ctr">
+                      <a:solidFill>
+                        <a:srgbClr val="00284E"/>
+                      </a:solidFill>
+                      <a:prstDash val="solid"/>
+                      <a:round/>
+                      <a:headEnd type="none" w="med" len="med"/>
+                      <a:tailEnd type="none" w="med" len="med"/>
+                    </a:lnT>
+                    <a:lnB w="12700" cap="flat" cmpd="sng" algn="ctr">
+                      <a:solidFill>
+                        <a:srgbClr val="00284E"/>
+                      </a:solidFill>
+                      <a:prstDash val="solid"/>
+                      <a:round/>
+                      <a:headEnd type="none" w="med" len="med"/>
+                      <a:tailEnd type="none" w="med" len="med"/>
+                    </a:lnB>
+                    <a:lnTlToBr w="12700" cmpd="sng">
+                      <a:noFill/>
+                      <a:prstDash val="solid"/>
+                    </a:lnTlToBr>
+                    <a:lnBlToTr w="12700" cmpd="sng">
+                      <a:noFill/>
+                      <a:prstDash val="solid"/>
+                    </a:lnBlToTr>
+                    <a:solidFill>
+                      <a:srgbClr val="FFFFFF">
+                        <a:lumMod val="95000"/>
+                      </a:srgbClr>
+                    </a:solidFill>
+                  </a:tcPr>
+                </a:tc>
+                <a:tc>
+                  <a:txBody>
+                    <a:bodyPr/>
+                    <a:lstStyle>
+                      <a:lvl1pPr marL="0" algn="l" defTabSz="914400" rtl="0" eaLnBrk="1" latinLnBrk="0" hangingPunct="1">
+                        <a:defRPr sz="1800" b="1" kern="1200">
+                          <a:solidFill>
+                            <a:schemeClr val="tx1"/>
+                          </a:solidFill>
+                          <a:latin typeface="Arial"/>
+                        </a:defRPr>
+                      </a:lvl1pPr>
+                      <a:lvl2pPr marL="457200" algn="l" defTabSz="914400" rtl="0" eaLnBrk="1" latinLnBrk="0" hangingPunct="1">
+                        <a:defRPr sz="1800" b="1" kern="1200">
+                          <a:solidFill>
+                            <a:schemeClr val="tx1"/>
+                          </a:solidFill>
+                          <a:latin typeface="Arial"/>
+                        </a:defRPr>
+                      </a:lvl2pPr>
+                      <a:lvl3pPr marL="914400" algn="l" defTabSz="914400" rtl="0" eaLnBrk="1" latinLnBrk="0" hangingPunct="1">
+                        <a:defRPr sz="1800" b="1" kern="1200">
+                          <a:solidFill>
+                            <a:schemeClr val="tx1"/>
+                          </a:solidFill>
+                          <a:latin typeface="Arial"/>
+                        </a:defRPr>
+                      </a:lvl3pPr>
+                      <a:lvl4pPr marL="1371600" algn="l" defTabSz="914400" rtl="0" eaLnBrk="1" latinLnBrk="0" hangingPunct="1">
+                        <a:defRPr sz="1800" b="1" kern="1200">
+                          <a:solidFill>
+                            <a:schemeClr val="tx1"/>
+                          </a:solidFill>
+                          <a:latin typeface="Arial"/>
+                        </a:defRPr>
+                      </a:lvl4pPr>
+                      <a:lvl5pPr marL="1828800" algn="l" defTabSz="914400" rtl="0" eaLnBrk="1" latinLnBrk="0" hangingPunct="1">
+                        <a:defRPr sz="1800" b="1" kern="1200">
+                          <a:solidFill>
+                            <a:schemeClr val="tx1"/>
+                          </a:solidFill>
+                          <a:latin typeface="Arial"/>
+                        </a:defRPr>
+                      </a:lvl5pPr>
+                      <a:lvl6pPr marL="2286000" algn="l" defTabSz="914400" rtl="0" eaLnBrk="1" latinLnBrk="0" hangingPunct="1">
+                        <a:defRPr sz="1800" b="1" kern="1200">
+                          <a:solidFill>
+                            <a:schemeClr val="tx1"/>
+                          </a:solidFill>
+                          <a:latin typeface="Arial"/>
+                        </a:defRPr>
+                      </a:lvl6pPr>
+                      <a:lvl7pPr marL="2743200" algn="l" defTabSz="914400" rtl="0" eaLnBrk="1" latinLnBrk="0" hangingPunct="1">
+                        <a:defRPr sz="1800" b="1" kern="1200">
+                          <a:solidFill>
+                            <a:schemeClr val="tx1"/>
+                          </a:solidFill>
+                          <a:latin typeface="Arial"/>
+                        </a:defRPr>
+                      </a:lvl7pPr>
+                      <a:lvl8pPr marL="3200400" algn="l" defTabSz="914400" rtl="0" eaLnBrk="1" latinLnBrk="0" hangingPunct="1">
+                        <a:defRPr sz="1800" b="1" kern="1200">
+                          <a:solidFill>
+                            <a:schemeClr val="tx1"/>
+                          </a:solidFill>
+                          <a:latin typeface="Arial"/>
+                        </a:defRPr>
+                      </a:lvl8pPr>
+                      <a:lvl9pPr marL="3657600" algn="l" defTabSz="914400" rtl="0" eaLnBrk="1" latinLnBrk="0" hangingPunct="1">
+                        <a:defRPr sz="1800" b="1" kern="1200">
+                          <a:solidFill>
+                            <a:schemeClr val="tx1"/>
+                          </a:solidFill>
+                          <a:latin typeface="Arial"/>
+                        </a:defRPr>
+                      </a:lvl9pPr>
+                    </a:lstStyle>
+                    <a:p>
+                      <a:pPr marL="0" marR="0" algn="ctr">
+                        <a:lnSpc>
+                          <a:spcPct val="200000"/>
+                        </a:lnSpc>
+                        <a:spcBef>
+                          <a:spcPts val="0"/>
+                        </a:spcBef>
+                        <a:spcAft>
+                          <a:spcPts val="0"/>
+                        </a:spcAft>
+                      </a:pPr>
+                      <a:r>
+                        <a:rPr lang="en-US" sz="1600" kern="100" dirty="0">
+                          <a:effectLst/>
+                          <a:latin typeface="Arial MT"/>
+                          <a:ea typeface="Arial MT"/>
+                          <a:cs typeface="Arial MT"/>
+                        </a:rPr>
+                        <a:t>R2 of model</a:t>
+                      </a:r>
+                    </a:p>
+                  </a:txBody>
+                  <a:tcPr marL="68580" marR="68580" marT="0" marB="0">
+                    <a:lnL w="12700" cap="flat" cmpd="sng" algn="ctr">
+                      <a:solidFill>
+                        <a:srgbClr val="00284E"/>
+                      </a:solidFill>
+                      <a:prstDash val="solid"/>
+                      <a:round/>
+                      <a:headEnd type="none" w="med" len="med"/>
+                      <a:tailEnd type="none" w="med" len="med"/>
+                    </a:lnL>
+                    <a:lnR w="12700" cap="flat" cmpd="sng" algn="ctr">
+                      <a:solidFill>
+                        <a:srgbClr val="00284E"/>
+                      </a:solidFill>
+                      <a:prstDash val="solid"/>
+                      <a:round/>
+                      <a:headEnd type="none" w="med" len="med"/>
+                      <a:tailEnd type="none" w="med" len="med"/>
+                    </a:lnR>
+                    <a:lnT w="12700" cap="flat" cmpd="sng" algn="ctr">
+                      <a:solidFill>
+                        <a:srgbClr val="00284E"/>
+                      </a:solidFill>
+                      <a:prstDash val="solid"/>
+                      <a:round/>
+                      <a:headEnd type="none" w="med" len="med"/>
+                      <a:tailEnd type="none" w="med" len="med"/>
+                    </a:lnT>
+                    <a:lnB w="12700" cap="flat" cmpd="sng" algn="ctr">
+                      <a:solidFill>
+                        <a:srgbClr val="00284E"/>
+                      </a:solidFill>
+                      <a:prstDash val="solid"/>
+                      <a:round/>
+                      <a:headEnd type="none" w="med" len="med"/>
+                      <a:tailEnd type="none" w="med" len="med"/>
+                    </a:lnB>
+                    <a:lnTlToBr w="12700" cmpd="sng">
+                      <a:noFill/>
+                      <a:prstDash val="solid"/>
+                    </a:lnTlToBr>
+                    <a:lnBlToTr w="12700" cmpd="sng">
+                      <a:noFill/>
+                      <a:prstDash val="solid"/>
+                    </a:lnBlToTr>
+                    <a:solidFill>
+                      <a:srgbClr val="FFFFFF">
+                        <a:lumMod val="95000"/>
+                      </a:srgbClr>
+                    </a:solidFill>
+                  </a:tcPr>
+                </a:tc>
+                <a:tc>
+                  <a:txBody>
+                    <a:bodyPr/>
+                    <a:lstStyle>
+                      <a:lvl1pPr marL="0" algn="l" defTabSz="914400" rtl="0" eaLnBrk="1" latinLnBrk="0" hangingPunct="1">
+                        <a:defRPr sz="1800" b="1" kern="1200">
+                          <a:solidFill>
+                            <a:schemeClr val="tx1"/>
+                          </a:solidFill>
+                          <a:latin typeface="Arial"/>
+                        </a:defRPr>
+                      </a:lvl1pPr>
+                      <a:lvl2pPr marL="457200" algn="l" defTabSz="914400" rtl="0" eaLnBrk="1" latinLnBrk="0" hangingPunct="1">
+                        <a:defRPr sz="1800" b="1" kern="1200">
+                          <a:solidFill>
+                            <a:schemeClr val="tx1"/>
+                          </a:solidFill>
+                          <a:latin typeface="Arial"/>
+                        </a:defRPr>
+                      </a:lvl2pPr>
+                      <a:lvl3pPr marL="914400" algn="l" defTabSz="914400" rtl="0" eaLnBrk="1" latinLnBrk="0" hangingPunct="1">
+                        <a:defRPr sz="1800" b="1" kern="1200">
+                          <a:solidFill>
+                            <a:schemeClr val="tx1"/>
+                          </a:solidFill>
+                          <a:latin typeface="Arial"/>
+                        </a:defRPr>
+                      </a:lvl3pPr>
+                      <a:lvl4pPr marL="1371600" algn="l" defTabSz="914400" rtl="0" eaLnBrk="1" latinLnBrk="0" hangingPunct="1">
+                        <a:defRPr sz="1800" b="1" kern="1200">
+                          <a:solidFill>
+                            <a:schemeClr val="tx1"/>
+                          </a:solidFill>
+                          <a:latin typeface="Arial"/>
+                        </a:defRPr>
+                      </a:lvl4pPr>
+                      <a:lvl5pPr marL="1828800" algn="l" defTabSz="914400" rtl="0" eaLnBrk="1" latinLnBrk="0" hangingPunct="1">
+                        <a:defRPr sz="1800" b="1" kern="1200">
+                          <a:solidFill>
+                            <a:schemeClr val="tx1"/>
+                          </a:solidFill>
+                          <a:latin typeface="Arial"/>
+                        </a:defRPr>
+                      </a:lvl5pPr>
+                      <a:lvl6pPr marL="2286000" algn="l" defTabSz="914400" rtl="0" eaLnBrk="1" latinLnBrk="0" hangingPunct="1">
+                        <a:defRPr sz="1800" b="1" kern="1200">
+                          <a:solidFill>
+                            <a:schemeClr val="tx1"/>
+                          </a:solidFill>
+                          <a:latin typeface="Arial"/>
+                        </a:defRPr>
+                      </a:lvl6pPr>
+                      <a:lvl7pPr marL="2743200" algn="l" defTabSz="914400" rtl="0" eaLnBrk="1" latinLnBrk="0" hangingPunct="1">
+                        <a:defRPr sz="1800" b="1" kern="1200">
+                          <a:solidFill>
+                            <a:schemeClr val="tx1"/>
+                          </a:solidFill>
+                          <a:latin typeface="Arial"/>
+                        </a:defRPr>
+                      </a:lvl7pPr>
+                      <a:lvl8pPr marL="3200400" algn="l" defTabSz="914400" rtl="0" eaLnBrk="1" latinLnBrk="0" hangingPunct="1">
+                        <a:defRPr sz="1800" b="1" kern="1200">
+                          <a:solidFill>
+                            <a:schemeClr val="tx1"/>
+                          </a:solidFill>
+                          <a:latin typeface="Arial"/>
+                        </a:defRPr>
+                      </a:lvl8pPr>
+                      <a:lvl9pPr marL="3657600" algn="l" defTabSz="914400" rtl="0" eaLnBrk="1" latinLnBrk="0" hangingPunct="1">
+                        <a:defRPr sz="1800" b="1" kern="1200">
+                          <a:solidFill>
+                            <a:schemeClr val="tx1"/>
+                          </a:solidFill>
+                          <a:latin typeface="Arial"/>
+                        </a:defRPr>
+                      </a:lvl9pPr>
+                    </a:lstStyle>
+                    <a:p>
+                      <a:pPr marL="0" marR="0" algn="ctr">
+                        <a:lnSpc>
+                          <a:spcPct val="200000"/>
+                        </a:lnSpc>
+                        <a:spcBef>
+                          <a:spcPts val="0"/>
+                        </a:spcBef>
+                        <a:spcAft>
+                          <a:spcPts val="0"/>
+                        </a:spcAft>
+                      </a:pPr>
+                      <a:r>
+                        <a:rPr lang="en-US" sz="1600" kern="100" dirty="0">
+                          <a:effectLst/>
+                          <a:latin typeface="Arial MT"/>
+                          <a:ea typeface="Arial MT"/>
+                          <a:cs typeface="Arial MT"/>
+                        </a:rPr>
+                        <a:t>R2 of Desktop App</a:t>
+                      </a:r>
+                    </a:p>
+                  </a:txBody>
+                  <a:tcPr marL="68580" marR="68580" marT="0" marB="0">
+                    <a:lnL w="12700" cap="flat" cmpd="sng" algn="ctr">
+                      <a:solidFill>
+                        <a:srgbClr val="00284E"/>
+                      </a:solidFill>
+                      <a:prstDash val="solid"/>
+                      <a:round/>
+                      <a:headEnd type="none" w="med" len="med"/>
+                      <a:tailEnd type="none" w="med" len="med"/>
+                    </a:lnL>
+                    <a:lnR w="12700" cap="flat" cmpd="sng" algn="ctr">
+                      <a:solidFill>
+                        <a:srgbClr val="00284E"/>
+                      </a:solidFill>
+                      <a:prstDash val="solid"/>
+                      <a:round/>
+                      <a:headEnd type="none" w="med" len="med"/>
+                      <a:tailEnd type="none" w="med" len="med"/>
+                    </a:lnR>
+                    <a:lnT w="12700" cap="flat" cmpd="sng" algn="ctr">
+                      <a:solidFill>
+                        <a:srgbClr val="00284E"/>
+                      </a:solidFill>
+                      <a:prstDash val="solid"/>
+                      <a:round/>
+                      <a:headEnd type="none" w="med" len="med"/>
+                      <a:tailEnd type="none" w="med" len="med"/>
+                    </a:lnT>
+                    <a:lnB w="12700" cap="flat" cmpd="sng" algn="ctr">
+                      <a:solidFill>
+                        <a:srgbClr val="00284E"/>
+                      </a:solidFill>
+                      <a:prstDash val="solid"/>
+                      <a:round/>
+                      <a:headEnd type="none" w="med" len="med"/>
+                      <a:tailEnd type="none" w="med" len="med"/>
+                    </a:lnB>
+                    <a:lnTlToBr w="12700" cmpd="sng">
+                      <a:noFill/>
+                      <a:prstDash val="solid"/>
+                    </a:lnTlToBr>
+                    <a:lnBlToTr w="12700" cmpd="sng">
+                      <a:noFill/>
+                      <a:prstDash val="solid"/>
+                    </a:lnBlToTr>
+                    <a:solidFill>
+                      <a:srgbClr val="FFFFFF">
+                        <a:lumMod val="95000"/>
+                      </a:srgbClr>
+                    </a:solidFill>
+                  </a:tcPr>
+                </a:tc>
+                <a:extLst>
+                  <a:ext uri="{0D108BD9-81ED-4DB2-BD59-A6C34878D82A}">
+                    <a16:rowId xmlns:a16="http://schemas.microsoft.com/office/drawing/2014/main" val="2604658856"/>
+                  </a:ext>
+                </a:extLst>
+              </a:tr>
+              <a:tr h="520614">
+                <a:tc>
+                  <a:txBody>
+                    <a:bodyPr/>
+                    <a:lstStyle>
+                      <a:lvl1pPr marL="0" algn="l" defTabSz="914400" rtl="0" eaLnBrk="1" latinLnBrk="0" hangingPunct="1">
+                        <a:defRPr sz="1800" kern="1200">
+                          <a:solidFill>
+                            <a:schemeClr val="tx1"/>
+                          </a:solidFill>
+                          <a:latin typeface="Arial"/>
+                        </a:defRPr>
+                      </a:lvl1pPr>
+                      <a:lvl2pPr marL="457200" algn="l" defTabSz="914400" rtl="0" eaLnBrk="1" latinLnBrk="0" hangingPunct="1">
+                        <a:defRPr sz="1800" kern="1200">
+                          <a:solidFill>
+                            <a:schemeClr val="tx1"/>
+                          </a:solidFill>
+                          <a:latin typeface="Arial"/>
+                        </a:defRPr>
+                      </a:lvl2pPr>
+                      <a:lvl3pPr marL="914400" algn="l" defTabSz="914400" rtl="0" eaLnBrk="1" latinLnBrk="0" hangingPunct="1">
+                        <a:defRPr sz="1800" kern="1200">
+                          <a:solidFill>
+                            <a:schemeClr val="tx1"/>
+                          </a:solidFill>
+                          <a:latin typeface="Arial"/>
+                        </a:defRPr>
+                      </a:lvl3pPr>
+                      <a:lvl4pPr marL="1371600" algn="l" defTabSz="914400" rtl="0" eaLnBrk="1" latinLnBrk="0" hangingPunct="1">
+                        <a:defRPr sz="1800" kern="1200">
+                          <a:solidFill>
+                            <a:schemeClr val="tx1"/>
+                          </a:solidFill>
+                          <a:latin typeface="Arial"/>
+                        </a:defRPr>
+                      </a:lvl4pPr>
+                      <a:lvl5pPr marL="1828800" algn="l" defTabSz="914400" rtl="0" eaLnBrk="1" latinLnBrk="0" hangingPunct="1">
+                        <a:defRPr sz="1800" kern="1200">
+                          <a:solidFill>
+                            <a:schemeClr val="tx1"/>
+                          </a:solidFill>
+                          <a:latin typeface="Arial"/>
+                        </a:defRPr>
+                      </a:lvl5pPr>
+                      <a:lvl6pPr marL="2286000" algn="l" defTabSz="914400" rtl="0" eaLnBrk="1" latinLnBrk="0" hangingPunct="1">
+                        <a:defRPr sz="1800" kern="1200">
+                          <a:solidFill>
+                            <a:schemeClr val="tx1"/>
+                          </a:solidFill>
+                          <a:latin typeface="Arial"/>
+                        </a:defRPr>
+                      </a:lvl6pPr>
+                      <a:lvl7pPr marL="2743200" algn="l" defTabSz="914400" rtl="0" eaLnBrk="1" latinLnBrk="0" hangingPunct="1">
+                        <a:defRPr sz="1800" kern="1200">
+                          <a:solidFill>
+                            <a:schemeClr val="tx1"/>
+                          </a:solidFill>
+                          <a:latin typeface="Arial"/>
+                        </a:defRPr>
+                      </a:lvl7pPr>
+                      <a:lvl8pPr marL="3200400" algn="l" defTabSz="914400" rtl="0" eaLnBrk="1" latinLnBrk="0" hangingPunct="1">
+                        <a:defRPr sz="1800" kern="1200">
+                          <a:solidFill>
+                            <a:schemeClr val="tx1"/>
+                          </a:solidFill>
+                          <a:latin typeface="Arial"/>
+                        </a:defRPr>
+                      </a:lvl8pPr>
+                      <a:lvl9pPr marL="3657600" algn="l" defTabSz="914400" rtl="0" eaLnBrk="1" latinLnBrk="0" hangingPunct="1">
+                        <a:defRPr sz="1800" kern="1200">
+                          <a:solidFill>
+                            <a:schemeClr val="tx1"/>
+                          </a:solidFill>
+                          <a:latin typeface="Arial"/>
+                        </a:defRPr>
+                      </a:lvl9pPr>
+                    </a:lstStyle>
+                    <a:p>
+                      <a:pPr marL="0" marR="0" algn="ctr">
+                        <a:lnSpc>
+                          <a:spcPct val="200000"/>
+                        </a:lnSpc>
+                        <a:spcBef>
+                          <a:spcPts val="0"/>
+                        </a:spcBef>
+                        <a:spcAft>
+                          <a:spcPts val="0"/>
+                        </a:spcAft>
+                      </a:pPr>
+                      <a:r>
+                        <a:rPr lang="en-US" sz="1100" b="0" kern="100" dirty="0">
+                          <a:effectLst/>
+                          <a:latin typeface="Arial MT"/>
+                          <a:ea typeface="Arial MT"/>
+                          <a:cs typeface="Arial MT"/>
+                        </a:rPr>
+                        <a:t>Linear regression</a:t>
+                      </a:r>
+                    </a:p>
+                  </a:txBody>
+                  <a:tcPr marL="68580" marR="68580" marT="0" marB="0">
+                    <a:lnL w="12700" cap="flat" cmpd="sng" algn="ctr">
+                      <a:solidFill>
+                        <a:srgbClr val="00284E"/>
+                      </a:solidFill>
+                      <a:prstDash val="solid"/>
+                      <a:round/>
+                      <a:headEnd type="none" w="med" len="med"/>
+                      <a:tailEnd type="none" w="med" len="med"/>
+                    </a:lnL>
+                    <a:lnR w="12700" cap="flat" cmpd="sng" algn="ctr">
+                      <a:solidFill>
+                        <a:srgbClr val="00284E"/>
+                      </a:solidFill>
+                      <a:prstDash val="solid"/>
+                      <a:round/>
+                      <a:headEnd type="none" w="med" len="med"/>
+                      <a:tailEnd type="none" w="med" len="med"/>
+                    </a:lnR>
+                    <a:lnT w="12700" cap="flat" cmpd="sng" algn="ctr">
+                      <a:solidFill>
+                        <a:srgbClr val="00284E"/>
+                      </a:solidFill>
+                      <a:prstDash val="solid"/>
+                      <a:round/>
+                      <a:headEnd type="none" w="med" len="med"/>
+                      <a:tailEnd type="none" w="med" len="med"/>
+                    </a:lnT>
+                    <a:lnB w="12700" cap="flat" cmpd="sng" algn="ctr">
+                      <a:solidFill>
+                        <a:srgbClr val="00284E"/>
+                      </a:solidFill>
+                      <a:prstDash val="solid"/>
+                      <a:round/>
+                      <a:headEnd type="none" w="med" len="med"/>
+                      <a:tailEnd type="none" w="med" len="med"/>
+                    </a:lnB>
+                    <a:lnTlToBr w="12700" cmpd="sng">
+                      <a:noFill/>
+                      <a:prstDash val="solid"/>
+                    </a:lnTlToBr>
+                    <a:lnBlToTr w="12700" cmpd="sng">
+                      <a:noFill/>
+                      <a:prstDash val="solid"/>
+                    </a:lnBlToTr>
+                    <a:solidFill>
+                      <a:srgbClr val="FFFFFF">
+                        <a:lumMod val="95000"/>
+                      </a:srgbClr>
+                    </a:solidFill>
+                  </a:tcPr>
+                </a:tc>
+                <a:tc>
+                  <a:txBody>
+                    <a:bodyPr/>
+                    <a:lstStyle>
+                      <a:lvl1pPr marL="0" algn="l" defTabSz="914400" rtl="0" eaLnBrk="1" latinLnBrk="0" hangingPunct="1">
+                        <a:defRPr sz="1800" kern="1200">
+                          <a:solidFill>
+                            <a:schemeClr val="tx1"/>
+                          </a:solidFill>
+                          <a:latin typeface="Arial"/>
+                        </a:defRPr>
+                      </a:lvl1pPr>
+                      <a:lvl2pPr marL="457200" algn="l" defTabSz="914400" rtl="0" eaLnBrk="1" latinLnBrk="0" hangingPunct="1">
+                        <a:defRPr sz="1800" kern="1200">
+                          <a:solidFill>
+                            <a:schemeClr val="tx1"/>
+                          </a:solidFill>
+                          <a:latin typeface="Arial"/>
+                        </a:defRPr>
+                      </a:lvl2pPr>
+                      <a:lvl3pPr marL="914400" algn="l" defTabSz="914400" rtl="0" eaLnBrk="1" latinLnBrk="0" hangingPunct="1">
+                        <a:defRPr sz="1800" kern="1200">
+                          <a:solidFill>
+                            <a:schemeClr val="tx1"/>
+                          </a:solidFill>
+                          <a:latin typeface="Arial"/>
+                        </a:defRPr>
+                      </a:lvl3pPr>
+                      <a:lvl4pPr marL="1371600" algn="l" defTabSz="914400" rtl="0" eaLnBrk="1" latinLnBrk="0" hangingPunct="1">
+                        <a:defRPr sz="1800" kern="1200">
+                          <a:solidFill>
+                            <a:schemeClr val="tx1"/>
+                          </a:solidFill>
+                          <a:latin typeface="Arial"/>
+                        </a:defRPr>
+                      </a:lvl4pPr>
+                      <a:lvl5pPr marL="1828800" algn="l" defTabSz="914400" rtl="0" eaLnBrk="1" latinLnBrk="0" hangingPunct="1">
+                        <a:defRPr sz="1800" kern="1200">
+                          <a:solidFill>
+                            <a:schemeClr val="tx1"/>
+                          </a:solidFill>
+                          <a:latin typeface="Arial"/>
+                        </a:defRPr>
+                      </a:lvl5pPr>
+                      <a:lvl6pPr marL="2286000" algn="l" defTabSz="914400" rtl="0" eaLnBrk="1" latinLnBrk="0" hangingPunct="1">
+                        <a:defRPr sz="1800" kern="1200">
+                          <a:solidFill>
+                            <a:schemeClr val="tx1"/>
+                          </a:solidFill>
+                          <a:latin typeface="Arial"/>
+                        </a:defRPr>
+                      </a:lvl6pPr>
+                      <a:lvl7pPr marL="2743200" algn="l" defTabSz="914400" rtl="0" eaLnBrk="1" latinLnBrk="0" hangingPunct="1">
+                        <a:defRPr sz="1800" kern="1200">
+                          <a:solidFill>
+                            <a:schemeClr val="tx1"/>
+                          </a:solidFill>
+                          <a:latin typeface="Arial"/>
+                        </a:defRPr>
+                      </a:lvl7pPr>
+                      <a:lvl8pPr marL="3200400" algn="l" defTabSz="914400" rtl="0" eaLnBrk="1" latinLnBrk="0" hangingPunct="1">
+                        <a:defRPr sz="1800" kern="1200">
+                          <a:solidFill>
+                            <a:schemeClr val="tx1"/>
+                          </a:solidFill>
+                          <a:latin typeface="Arial"/>
+                        </a:defRPr>
+                      </a:lvl8pPr>
+                      <a:lvl9pPr marL="3657600" algn="l" defTabSz="914400" rtl="0" eaLnBrk="1" latinLnBrk="0" hangingPunct="1">
+                        <a:defRPr sz="1800" kern="1200">
+                          <a:solidFill>
+                            <a:schemeClr val="tx1"/>
+                          </a:solidFill>
+                          <a:latin typeface="Arial"/>
+                        </a:defRPr>
+                      </a:lvl9pPr>
+                    </a:lstStyle>
+                    <a:p>
+                      <a:pPr marL="0" marR="0" algn="ctr">
+                        <a:lnSpc>
+                          <a:spcPct val="200000"/>
+                        </a:lnSpc>
+                        <a:spcBef>
+                          <a:spcPts val="0"/>
+                        </a:spcBef>
+                        <a:spcAft>
+                          <a:spcPts val="0"/>
+                        </a:spcAft>
+                      </a:pPr>
+                      <a:r>
+                        <a:rPr lang="en-US" sz="1100" b="0" kern="100" dirty="0">
+                          <a:effectLst/>
+                          <a:latin typeface="Arial MT"/>
+                          <a:ea typeface="Arial MT"/>
+                          <a:cs typeface="Arial MT"/>
+                        </a:rPr>
+                        <a:t>1</a:t>
+                      </a:r>
+                    </a:p>
+                  </a:txBody>
+                  <a:tcPr marL="68580" marR="68580" marT="0" marB="0">
+                    <a:lnL w="12700" cap="flat" cmpd="sng" algn="ctr">
+                      <a:solidFill>
+                        <a:srgbClr val="00284E"/>
+                      </a:solidFill>
+                      <a:prstDash val="solid"/>
+                      <a:round/>
+                      <a:headEnd type="none" w="med" len="med"/>
+                      <a:tailEnd type="none" w="med" len="med"/>
+                    </a:lnL>
+                    <a:lnR w="12700" cap="flat" cmpd="sng" algn="ctr">
+                      <a:solidFill>
+                        <a:srgbClr val="00284E"/>
+                      </a:solidFill>
+                      <a:prstDash val="solid"/>
+                      <a:round/>
+                      <a:headEnd type="none" w="med" len="med"/>
+                      <a:tailEnd type="none" w="med" len="med"/>
+                    </a:lnR>
+                    <a:lnT w="12700" cap="flat" cmpd="sng" algn="ctr">
+                      <a:solidFill>
+                        <a:srgbClr val="00284E"/>
+                      </a:solidFill>
+                      <a:prstDash val="solid"/>
+                      <a:round/>
+                      <a:headEnd type="none" w="med" len="med"/>
+                      <a:tailEnd type="none" w="med" len="med"/>
+                    </a:lnT>
+                    <a:lnB w="12700" cap="flat" cmpd="sng" algn="ctr">
+                      <a:solidFill>
+                        <a:srgbClr val="00284E"/>
+                      </a:solidFill>
+                      <a:prstDash val="solid"/>
+                      <a:round/>
+                      <a:headEnd type="none" w="med" len="med"/>
+                      <a:tailEnd type="none" w="med" len="med"/>
+                    </a:lnB>
+                    <a:lnTlToBr w="12700" cmpd="sng">
+                      <a:noFill/>
+                      <a:prstDash val="solid"/>
+                    </a:lnTlToBr>
+                    <a:lnBlToTr w="12700" cmpd="sng">
+                      <a:noFill/>
+                      <a:prstDash val="solid"/>
+                    </a:lnBlToTr>
+                    <a:solidFill>
+                      <a:srgbClr val="FFFFFF">
+                        <a:lumMod val="95000"/>
+                      </a:srgbClr>
+                    </a:solidFill>
+                  </a:tcPr>
+                </a:tc>
+                <a:tc>
+                  <a:txBody>
+                    <a:bodyPr/>
+                    <a:lstStyle>
+                      <a:lvl1pPr marL="0" algn="l" defTabSz="914400" rtl="0" eaLnBrk="1" latinLnBrk="0" hangingPunct="1">
+                        <a:defRPr sz="1800" kern="1200">
+                          <a:solidFill>
+                            <a:schemeClr val="tx1"/>
+                          </a:solidFill>
+                          <a:latin typeface="Arial"/>
+                        </a:defRPr>
+                      </a:lvl1pPr>
+                      <a:lvl2pPr marL="457200" algn="l" defTabSz="914400" rtl="0" eaLnBrk="1" latinLnBrk="0" hangingPunct="1">
+                        <a:defRPr sz="1800" kern="1200">
+                          <a:solidFill>
+                            <a:schemeClr val="tx1"/>
+                          </a:solidFill>
+                          <a:latin typeface="Arial"/>
+                        </a:defRPr>
+                      </a:lvl2pPr>
+                      <a:lvl3pPr marL="914400" algn="l" defTabSz="914400" rtl="0" eaLnBrk="1" latinLnBrk="0" hangingPunct="1">
+                        <a:defRPr sz="1800" kern="1200">
+                          <a:solidFill>
+                            <a:schemeClr val="tx1"/>
+                          </a:solidFill>
+                          <a:latin typeface="Arial"/>
+                        </a:defRPr>
+                      </a:lvl3pPr>
+                      <a:lvl4pPr marL="1371600" algn="l" defTabSz="914400" rtl="0" eaLnBrk="1" latinLnBrk="0" hangingPunct="1">
+                        <a:defRPr sz="1800" kern="1200">
+                          <a:solidFill>
+                            <a:schemeClr val="tx1"/>
+                          </a:solidFill>
+                          <a:latin typeface="Arial"/>
+                        </a:defRPr>
+                      </a:lvl4pPr>
+                      <a:lvl5pPr marL="1828800" algn="l" defTabSz="914400" rtl="0" eaLnBrk="1" latinLnBrk="0" hangingPunct="1">
+                        <a:defRPr sz="1800" kern="1200">
+                          <a:solidFill>
+                            <a:schemeClr val="tx1"/>
+                          </a:solidFill>
+                          <a:latin typeface="Arial"/>
+                        </a:defRPr>
+                      </a:lvl5pPr>
+                      <a:lvl6pPr marL="2286000" algn="l" defTabSz="914400" rtl="0" eaLnBrk="1" latinLnBrk="0" hangingPunct="1">
+                        <a:defRPr sz="1800" kern="1200">
+                          <a:solidFill>
+                            <a:schemeClr val="tx1"/>
+                          </a:solidFill>
+                          <a:latin typeface="Arial"/>
+                        </a:defRPr>
+                      </a:lvl6pPr>
+                      <a:lvl7pPr marL="2743200" algn="l" defTabSz="914400" rtl="0" eaLnBrk="1" latinLnBrk="0" hangingPunct="1">
+                        <a:defRPr sz="1800" kern="1200">
+                          <a:solidFill>
+                            <a:schemeClr val="tx1"/>
+                          </a:solidFill>
+                          <a:latin typeface="Arial"/>
+                        </a:defRPr>
+                      </a:lvl7pPr>
+                      <a:lvl8pPr marL="3200400" algn="l" defTabSz="914400" rtl="0" eaLnBrk="1" latinLnBrk="0" hangingPunct="1">
+                        <a:defRPr sz="1800" kern="1200">
+                          <a:solidFill>
+                            <a:schemeClr val="tx1"/>
+                          </a:solidFill>
+                          <a:latin typeface="Arial"/>
+                        </a:defRPr>
+                      </a:lvl8pPr>
+                      <a:lvl9pPr marL="3657600" algn="l" defTabSz="914400" rtl="0" eaLnBrk="1" latinLnBrk="0" hangingPunct="1">
+                        <a:defRPr sz="1800" kern="1200">
+                          <a:solidFill>
+                            <a:schemeClr val="tx1"/>
+                          </a:solidFill>
+                          <a:latin typeface="Arial"/>
+                        </a:defRPr>
+                      </a:lvl9pPr>
+                    </a:lstStyle>
+                    <a:p>
+                      <a:pPr marL="0" marR="0" algn="ctr">
+                        <a:lnSpc>
+                          <a:spcPct val="200000"/>
+                        </a:lnSpc>
+                        <a:spcBef>
+                          <a:spcPts val="0"/>
+                        </a:spcBef>
+                        <a:spcAft>
+                          <a:spcPts val="0"/>
+                        </a:spcAft>
+                      </a:pPr>
+                      <a:r>
+                        <a:rPr lang="en-US" sz="1100" b="0" kern="100" dirty="0">
+                          <a:effectLst/>
+                          <a:latin typeface="Arial MT"/>
+                          <a:ea typeface="Arial MT"/>
+                          <a:cs typeface="Arial MT"/>
+                        </a:rPr>
+                        <a:t>0.9999996484192344</a:t>
+                      </a:r>
+                    </a:p>
+                  </a:txBody>
+                  <a:tcPr marL="68580" marR="68580" marT="0" marB="0">
+                    <a:lnL w="12700" cap="flat" cmpd="sng" algn="ctr">
+                      <a:solidFill>
+                        <a:srgbClr val="00284E"/>
+                      </a:solidFill>
+                      <a:prstDash val="solid"/>
+                      <a:round/>
+                      <a:headEnd type="none" w="med" len="med"/>
+                      <a:tailEnd type="none" w="med" len="med"/>
+                    </a:lnL>
+                    <a:lnR w="12700" cap="flat" cmpd="sng" algn="ctr">
+                      <a:solidFill>
+                        <a:srgbClr val="00284E"/>
+                      </a:solidFill>
+                      <a:prstDash val="solid"/>
+                      <a:round/>
+                      <a:headEnd type="none" w="med" len="med"/>
+                      <a:tailEnd type="none" w="med" len="med"/>
+                    </a:lnR>
+                    <a:lnT w="12700" cap="flat" cmpd="sng" algn="ctr">
+                      <a:solidFill>
+                        <a:srgbClr val="00284E"/>
+                      </a:solidFill>
+                      <a:prstDash val="solid"/>
+                      <a:round/>
+                      <a:headEnd type="none" w="med" len="med"/>
+                      <a:tailEnd type="none" w="med" len="med"/>
+                    </a:lnT>
+                    <a:lnB w="12700" cap="flat" cmpd="sng" algn="ctr">
+                      <a:solidFill>
+                        <a:srgbClr val="00284E"/>
+                      </a:solidFill>
+                      <a:prstDash val="solid"/>
+                      <a:round/>
+                      <a:headEnd type="none" w="med" len="med"/>
+                      <a:tailEnd type="none" w="med" len="med"/>
+                    </a:lnB>
+                    <a:lnTlToBr w="12700" cmpd="sng">
+                      <a:noFill/>
+                      <a:prstDash val="solid"/>
+                    </a:lnTlToBr>
+                    <a:lnBlToTr w="12700" cmpd="sng">
+                      <a:noFill/>
+                      <a:prstDash val="solid"/>
+                    </a:lnBlToTr>
+                    <a:solidFill>
+                      <a:srgbClr val="FFFFFF">
+                        <a:lumMod val="95000"/>
+                      </a:srgbClr>
+                    </a:solidFill>
+                  </a:tcPr>
+                </a:tc>
+                <a:extLst>
+                  <a:ext uri="{0D108BD9-81ED-4DB2-BD59-A6C34878D82A}">
+                    <a16:rowId xmlns:a16="http://schemas.microsoft.com/office/drawing/2014/main" val="3525754034"/>
+                  </a:ext>
+                </a:extLst>
+              </a:tr>
+              <a:tr h="520614">
+                <a:tc>
+                  <a:txBody>
+                    <a:bodyPr/>
+                    <a:lstStyle>
+                      <a:lvl1pPr marL="0" algn="l" defTabSz="914400" rtl="0" eaLnBrk="1" latinLnBrk="0" hangingPunct="1">
+                        <a:defRPr sz="1800" kern="1200">
+                          <a:solidFill>
+                            <a:schemeClr val="tx1"/>
+                          </a:solidFill>
+                          <a:latin typeface="Arial"/>
+                        </a:defRPr>
+                      </a:lvl1pPr>
+                      <a:lvl2pPr marL="457200" algn="l" defTabSz="914400" rtl="0" eaLnBrk="1" latinLnBrk="0" hangingPunct="1">
+                        <a:defRPr sz="1800" kern="1200">
+                          <a:solidFill>
+                            <a:schemeClr val="tx1"/>
+                          </a:solidFill>
+                          <a:latin typeface="Arial"/>
+                        </a:defRPr>
+                      </a:lvl2pPr>
+                      <a:lvl3pPr marL="914400" algn="l" defTabSz="914400" rtl="0" eaLnBrk="1" latinLnBrk="0" hangingPunct="1">
+                        <a:defRPr sz="1800" kern="1200">
+                          <a:solidFill>
+                            <a:schemeClr val="tx1"/>
+                          </a:solidFill>
+                          <a:latin typeface="Arial"/>
+                        </a:defRPr>
+                      </a:lvl3pPr>
+                      <a:lvl4pPr marL="1371600" algn="l" defTabSz="914400" rtl="0" eaLnBrk="1" latinLnBrk="0" hangingPunct="1">
+                        <a:defRPr sz="1800" kern="1200">
+                          <a:solidFill>
+                            <a:schemeClr val="tx1"/>
+                          </a:solidFill>
+                          <a:latin typeface="Arial"/>
+                        </a:defRPr>
+                      </a:lvl4pPr>
+                      <a:lvl5pPr marL="1828800" algn="l" defTabSz="914400" rtl="0" eaLnBrk="1" latinLnBrk="0" hangingPunct="1">
+                        <a:defRPr sz="1800" kern="1200">
+                          <a:solidFill>
+                            <a:schemeClr val="tx1"/>
+                          </a:solidFill>
+                          <a:latin typeface="Arial"/>
+                        </a:defRPr>
+                      </a:lvl5pPr>
+                      <a:lvl6pPr marL="2286000" algn="l" defTabSz="914400" rtl="0" eaLnBrk="1" latinLnBrk="0" hangingPunct="1">
+                        <a:defRPr sz="1800" kern="1200">
+                          <a:solidFill>
+                            <a:schemeClr val="tx1"/>
+                          </a:solidFill>
+                          <a:latin typeface="Arial"/>
+                        </a:defRPr>
+                      </a:lvl6pPr>
+                      <a:lvl7pPr marL="2743200" algn="l" defTabSz="914400" rtl="0" eaLnBrk="1" latinLnBrk="0" hangingPunct="1">
+                        <a:defRPr sz="1800" kern="1200">
+                          <a:solidFill>
+                            <a:schemeClr val="tx1"/>
+                          </a:solidFill>
+                          <a:latin typeface="Arial"/>
+                        </a:defRPr>
+                      </a:lvl7pPr>
+                      <a:lvl8pPr marL="3200400" algn="l" defTabSz="914400" rtl="0" eaLnBrk="1" latinLnBrk="0" hangingPunct="1">
+                        <a:defRPr sz="1800" kern="1200">
+                          <a:solidFill>
+                            <a:schemeClr val="tx1"/>
+                          </a:solidFill>
+                          <a:latin typeface="Arial"/>
+                        </a:defRPr>
+                      </a:lvl8pPr>
+                      <a:lvl9pPr marL="3657600" algn="l" defTabSz="914400" rtl="0" eaLnBrk="1" latinLnBrk="0" hangingPunct="1">
+                        <a:defRPr sz="1800" kern="1200">
+                          <a:solidFill>
+                            <a:schemeClr val="tx1"/>
+                          </a:solidFill>
+                          <a:latin typeface="Arial"/>
+                        </a:defRPr>
+                      </a:lvl9pPr>
+                    </a:lstStyle>
+                    <a:p>
+                      <a:pPr marL="0" marR="0" algn="ctr">
+                        <a:lnSpc>
+                          <a:spcPct val="200000"/>
+                        </a:lnSpc>
+                        <a:spcBef>
+                          <a:spcPts val="0"/>
+                        </a:spcBef>
+                        <a:spcAft>
+                          <a:spcPts val="0"/>
+                        </a:spcAft>
+                      </a:pPr>
+                      <a:r>
+                        <a:rPr lang="en-US" sz="1100" kern="100" dirty="0">
+                          <a:effectLst/>
+                          <a:latin typeface="Arial MT"/>
+                          <a:ea typeface="Arial MT"/>
+                          <a:cs typeface="Arial MT"/>
+                        </a:rPr>
+                        <a:t>Random Forest Regression</a:t>
+                      </a:r>
+                    </a:p>
+                  </a:txBody>
+                  <a:tcPr marL="68580" marR="68580" marT="0" marB="0">
+                    <a:lnL w="12700" cap="flat" cmpd="sng" algn="ctr">
+                      <a:solidFill>
+                        <a:srgbClr val="00284E"/>
+                      </a:solidFill>
+                      <a:prstDash val="solid"/>
+                      <a:round/>
+                      <a:headEnd type="none" w="med" len="med"/>
+                      <a:tailEnd type="none" w="med" len="med"/>
+                    </a:lnL>
+                    <a:lnR w="12700" cap="flat" cmpd="sng" algn="ctr">
+                      <a:solidFill>
+                        <a:srgbClr val="00284E"/>
+                      </a:solidFill>
+                      <a:prstDash val="solid"/>
+                      <a:round/>
+                      <a:headEnd type="none" w="med" len="med"/>
+                      <a:tailEnd type="none" w="med" len="med"/>
+                    </a:lnR>
+                    <a:lnT w="12700" cap="flat" cmpd="sng" algn="ctr">
+                      <a:solidFill>
+                        <a:srgbClr val="00284E"/>
+                      </a:solidFill>
+                      <a:prstDash val="solid"/>
+                      <a:round/>
+                      <a:headEnd type="none" w="med" len="med"/>
+                      <a:tailEnd type="none" w="med" len="med"/>
+                    </a:lnT>
+                    <a:lnB w="12700" cap="flat" cmpd="sng" algn="ctr">
+                      <a:solidFill>
+                        <a:srgbClr val="00284E"/>
+                      </a:solidFill>
+                      <a:prstDash val="solid"/>
+                      <a:round/>
+                      <a:headEnd type="none" w="med" len="med"/>
+                      <a:tailEnd type="none" w="med" len="med"/>
+                    </a:lnB>
+                    <a:lnTlToBr w="12700" cmpd="sng">
+                      <a:noFill/>
+                      <a:prstDash val="solid"/>
+                    </a:lnTlToBr>
+                    <a:lnBlToTr w="12700" cmpd="sng">
+                      <a:noFill/>
+                      <a:prstDash val="solid"/>
+                    </a:lnBlToTr>
+                    <a:solidFill>
+                      <a:srgbClr val="FFFFFF">
+                        <a:lumMod val="95000"/>
+                      </a:srgbClr>
+                    </a:solidFill>
+                  </a:tcPr>
+                </a:tc>
+                <a:tc>
+                  <a:txBody>
+                    <a:bodyPr/>
+                    <a:lstStyle>
+                      <a:lvl1pPr marL="0" algn="l" defTabSz="914400" rtl="0" eaLnBrk="1" latinLnBrk="0" hangingPunct="1">
+                        <a:defRPr sz="1800" kern="1200">
+                          <a:solidFill>
+                            <a:schemeClr val="tx1"/>
+                          </a:solidFill>
+                          <a:latin typeface="Arial"/>
+                        </a:defRPr>
+                      </a:lvl1pPr>
+                      <a:lvl2pPr marL="457200" algn="l" defTabSz="914400" rtl="0" eaLnBrk="1" latinLnBrk="0" hangingPunct="1">
+                        <a:defRPr sz="1800" kern="1200">
+                          <a:solidFill>
+                            <a:schemeClr val="tx1"/>
+                          </a:solidFill>
+                          <a:latin typeface="Arial"/>
+                        </a:defRPr>
+                      </a:lvl2pPr>
+                      <a:lvl3pPr marL="914400" algn="l" defTabSz="914400" rtl="0" eaLnBrk="1" latinLnBrk="0" hangingPunct="1">
+                        <a:defRPr sz="1800" kern="1200">
+                          <a:solidFill>
+                            <a:schemeClr val="tx1"/>
+                          </a:solidFill>
+                          <a:latin typeface="Arial"/>
+                        </a:defRPr>
+                      </a:lvl3pPr>
+                      <a:lvl4pPr marL="1371600" algn="l" defTabSz="914400" rtl="0" eaLnBrk="1" latinLnBrk="0" hangingPunct="1">
+                        <a:defRPr sz="1800" kern="1200">
+                          <a:solidFill>
+                            <a:schemeClr val="tx1"/>
+                          </a:solidFill>
+                          <a:latin typeface="Arial"/>
+                        </a:defRPr>
+                      </a:lvl4pPr>
+                      <a:lvl5pPr marL="1828800" algn="l" defTabSz="914400" rtl="0" eaLnBrk="1" latinLnBrk="0" hangingPunct="1">
+                        <a:defRPr sz="1800" kern="1200">
+                          <a:solidFill>
+                            <a:schemeClr val="tx1"/>
+                          </a:solidFill>
+                          <a:latin typeface="Arial"/>
+                        </a:defRPr>
+                      </a:lvl5pPr>
+                      <a:lvl6pPr marL="2286000" algn="l" defTabSz="914400" rtl="0" eaLnBrk="1" latinLnBrk="0" hangingPunct="1">
+                        <a:defRPr sz="1800" kern="1200">
+                          <a:solidFill>
+                            <a:schemeClr val="tx1"/>
+                          </a:solidFill>
+                          <a:latin typeface="Arial"/>
+                        </a:defRPr>
+                      </a:lvl6pPr>
+                      <a:lvl7pPr marL="2743200" algn="l" defTabSz="914400" rtl="0" eaLnBrk="1" latinLnBrk="0" hangingPunct="1">
+                        <a:defRPr sz="1800" kern="1200">
+                          <a:solidFill>
+                            <a:schemeClr val="tx1"/>
+                          </a:solidFill>
+                          <a:latin typeface="Arial"/>
+                        </a:defRPr>
+                      </a:lvl7pPr>
+                      <a:lvl8pPr marL="3200400" algn="l" defTabSz="914400" rtl="0" eaLnBrk="1" latinLnBrk="0" hangingPunct="1">
+                        <a:defRPr sz="1800" kern="1200">
+                          <a:solidFill>
+                            <a:schemeClr val="tx1"/>
+                          </a:solidFill>
+                          <a:latin typeface="Arial"/>
+                        </a:defRPr>
+                      </a:lvl8pPr>
+                      <a:lvl9pPr marL="3657600" algn="l" defTabSz="914400" rtl="0" eaLnBrk="1" latinLnBrk="0" hangingPunct="1">
+                        <a:defRPr sz="1800" kern="1200">
+                          <a:solidFill>
+                            <a:schemeClr val="tx1"/>
+                          </a:solidFill>
+                          <a:latin typeface="Arial"/>
+                        </a:defRPr>
+                      </a:lvl9pPr>
+                    </a:lstStyle>
+                    <a:p>
+                      <a:pPr marL="0" marR="0" algn="ctr">
+                        <a:lnSpc>
+                          <a:spcPct val="200000"/>
+                        </a:lnSpc>
+                        <a:spcBef>
+                          <a:spcPts val="0"/>
+                        </a:spcBef>
+                        <a:spcAft>
+                          <a:spcPts val="0"/>
+                        </a:spcAft>
+                      </a:pPr>
+                      <a:r>
+                        <a:rPr lang="en-US" sz="1100" kern="100" dirty="0">
+                          <a:effectLst/>
+                          <a:latin typeface="Arial MT"/>
+                          <a:ea typeface="Arial MT"/>
+                          <a:cs typeface="Arial MT"/>
+                        </a:rPr>
+                        <a:t>0.999876368586016</a:t>
+                      </a:r>
+                    </a:p>
+                  </a:txBody>
+                  <a:tcPr marL="68580" marR="68580" marT="0" marB="0">
+                    <a:lnL w="12700" cap="flat" cmpd="sng" algn="ctr">
+                      <a:solidFill>
+                        <a:srgbClr val="00284E"/>
+                      </a:solidFill>
+                      <a:prstDash val="solid"/>
+                      <a:round/>
+                      <a:headEnd type="none" w="med" len="med"/>
+                      <a:tailEnd type="none" w="med" len="med"/>
+                    </a:lnL>
+                    <a:lnR w="12700" cap="flat" cmpd="sng" algn="ctr">
+                      <a:solidFill>
+                        <a:srgbClr val="00284E"/>
+                      </a:solidFill>
+                      <a:prstDash val="solid"/>
+                      <a:round/>
+                      <a:headEnd type="none" w="med" len="med"/>
+                      <a:tailEnd type="none" w="med" len="med"/>
+                    </a:lnR>
+                    <a:lnT w="12700" cap="flat" cmpd="sng" algn="ctr">
+                      <a:solidFill>
+                        <a:srgbClr val="00284E"/>
+                      </a:solidFill>
+                      <a:prstDash val="solid"/>
+                      <a:round/>
+                      <a:headEnd type="none" w="med" len="med"/>
+                      <a:tailEnd type="none" w="med" len="med"/>
+                    </a:lnT>
+                    <a:lnB w="12700" cap="flat" cmpd="sng" algn="ctr">
+                      <a:solidFill>
+                        <a:srgbClr val="00284E"/>
+                      </a:solidFill>
+                      <a:prstDash val="solid"/>
+                      <a:round/>
+                      <a:headEnd type="none" w="med" len="med"/>
+                      <a:tailEnd type="none" w="med" len="med"/>
+                    </a:lnB>
+                    <a:lnTlToBr w="12700" cmpd="sng">
+                      <a:noFill/>
+                      <a:prstDash val="solid"/>
+                    </a:lnTlToBr>
+                    <a:lnBlToTr w="12700" cmpd="sng">
+                      <a:noFill/>
+                      <a:prstDash val="solid"/>
+                    </a:lnBlToTr>
+                    <a:solidFill>
+                      <a:srgbClr val="FFFFFF">
+                        <a:lumMod val="95000"/>
+                      </a:srgbClr>
+                    </a:solidFill>
+                  </a:tcPr>
+                </a:tc>
+                <a:tc>
+                  <a:txBody>
+                    <a:bodyPr/>
+                    <a:lstStyle>
+                      <a:lvl1pPr marL="0" algn="l" defTabSz="914400" rtl="0" eaLnBrk="1" latinLnBrk="0" hangingPunct="1">
+                        <a:defRPr sz="1800" kern="1200">
+                          <a:solidFill>
+                            <a:schemeClr val="tx1"/>
+                          </a:solidFill>
+                          <a:latin typeface="Arial"/>
+                        </a:defRPr>
+                      </a:lvl1pPr>
+                      <a:lvl2pPr marL="457200" algn="l" defTabSz="914400" rtl="0" eaLnBrk="1" latinLnBrk="0" hangingPunct="1">
+                        <a:defRPr sz="1800" kern="1200">
+                          <a:solidFill>
+                            <a:schemeClr val="tx1"/>
+                          </a:solidFill>
+                          <a:latin typeface="Arial"/>
+                        </a:defRPr>
+                      </a:lvl2pPr>
+                      <a:lvl3pPr marL="914400" algn="l" defTabSz="914400" rtl="0" eaLnBrk="1" latinLnBrk="0" hangingPunct="1">
+                        <a:defRPr sz="1800" kern="1200">
+                          <a:solidFill>
+                            <a:schemeClr val="tx1"/>
+                          </a:solidFill>
+                          <a:latin typeface="Arial"/>
+                        </a:defRPr>
+                      </a:lvl3pPr>
+                      <a:lvl4pPr marL="1371600" algn="l" defTabSz="914400" rtl="0" eaLnBrk="1" latinLnBrk="0" hangingPunct="1">
+                        <a:defRPr sz="1800" kern="1200">
+                          <a:solidFill>
+                            <a:schemeClr val="tx1"/>
+                          </a:solidFill>
+                          <a:latin typeface="Arial"/>
+                        </a:defRPr>
+                      </a:lvl4pPr>
+                      <a:lvl5pPr marL="1828800" algn="l" defTabSz="914400" rtl="0" eaLnBrk="1" latinLnBrk="0" hangingPunct="1">
+                        <a:defRPr sz="1800" kern="1200">
+                          <a:solidFill>
+                            <a:schemeClr val="tx1"/>
+                          </a:solidFill>
+                          <a:latin typeface="Arial"/>
+                        </a:defRPr>
+                      </a:lvl5pPr>
+                      <a:lvl6pPr marL="2286000" algn="l" defTabSz="914400" rtl="0" eaLnBrk="1" latinLnBrk="0" hangingPunct="1">
+                        <a:defRPr sz="1800" kern="1200">
+                          <a:solidFill>
+                            <a:schemeClr val="tx1"/>
+                          </a:solidFill>
+                          <a:latin typeface="Arial"/>
+                        </a:defRPr>
+                      </a:lvl6pPr>
+                      <a:lvl7pPr marL="2743200" algn="l" defTabSz="914400" rtl="0" eaLnBrk="1" latinLnBrk="0" hangingPunct="1">
+                        <a:defRPr sz="1800" kern="1200">
+                          <a:solidFill>
+                            <a:schemeClr val="tx1"/>
+                          </a:solidFill>
+                          <a:latin typeface="Arial"/>
+                        </a:defRPr>
+                      </a:lvl7pPr>
+                      <a:lvl8pPr marL="3200400" algn="l" defTabSz="914400" rtl="0" eaLnBrk="1" latinLnBrk="0" hangingPunct="1">
+                        <a:defRPr sz="1800" kern="1200">
+                          <a:solidFill>
+                            <a:schemeClr val="tx1"/>
+                          </a:solidFill>
+                          <a:latin typeface="Arial"/>
+                        </a:defRPr>
+                      </a:lvl8pPr>
+                      <a:lvl9pPr marL="3657600" algn="l" defTabSz="914400" rtl="0" eaLnBrk="1" latinLnBrk="0" hangingPunct="1">
+                        <a:defRPr sz="1800" kern="1200">
+                          <a:solidFill>
+                            <a:schemeClr val="tx1"/>
+                          </a:solidFill>
+                          <a:latin typeface="Arial"/>
+                        </a:defRPr>
+                      </a:lvl9pPr>
+                    </a:lstStyle>
+                    <a:p>
+                      <a:pPr marL="0" marR="0" algn="ctr">
+                        <a:lnSpc>
+                          <a:spcPct val="200000"/>
+                        </a:lnSpc>
+                        <a:spcBef>
+                          <a:spcPts val="0"/>
+                        </a:spcBef>
+                        <a:spcAft>
+                          <a:spcPts val="0"/>
+                        </a:spcAft>
+                      </a:pPr>
+                      <a:r>
+                        <a:rPr lang="en-US" sz="1100" kern="100" dirty="0">
+                          <a:effectLst/>
+                          <a:latin typeface="Arial MT"/>
+                          <a:ea typeface="Arial MT"/>
+                          <a:cs typeface="Arial MT"/>
+                        </a:rPr>
+                        <a:t>0.9996361459330564</a:t>
+                      </a:r>
+                    </a:p>
+                  </a:txBody>
+                  <a:tcPr marL="68580" marR="68580" marT="0" marB="0">
+                    <a:lnL w="12700" cap="flat" cmpd="sng" algn="ctr">
+                      <a:solidFill>
+                        <a:srgbClr val="00284E"/>
+                      </a:solidFill>
+                      <a:prstDash val="solid"/>
+                      <a:round/>
+                      <a:headEnd type="none" w="med" len="med"/>
+                      <a:tailEnd type="none" w="med" len="med"/>
+                    </a:lnL>
+                    <a:lnR w="12700" cap="flat" cmpd="sng" algn="ctr">
+                      <a:solidFill>
+                        <a:srgbClr val="00284E"/>
+                      </a:solidFill>
+                      <a:prstDash val="solid"/>
+                      <a:round/>
+                      <a:headEnd type="none" w="med" len="med"/>
+                      <a:tailEnd type="none" w="med" len="med"/>
+                    </a:lnR>
+                    <a:lnT w="12700" cap="flat" cmpd="sng" algn="ctr">
+                      <a:solidFill>
+                        <a:srgbClr val="00284E"/>
+                      </a:solidFill>
+                      <a:prstDash val="solid"/>
+                      <a:round/>
+                      <a:headEnd type="none" w="med" len="med"/>
+                      <a:tailEnd type="none" w="med" len="med"/>
+                    </a:lnT>
+                    <a:lnB w="12700" cap="flat" cmpd="sng" algn="ctr">
+                      <a:solidFill>
+                        <a:srgbClr val="00284E"/>
+                      </a:solidFill>
+                      <a:prstDash val="solid"/>
+                      <a:round/>
+                      <a:headEnd type="none" w="med" len="med"/>
+                      <a:tailEnd type="none" w="med" len="med"/>
+                    </a:lnB>
+                    <a:lnTlToBr w="12700" cmpd="sng">
+                      <a:noFill/>
+                      <a:prstDash val="solid"/>
+                    </a:lnTlToBr>
+                    <a:lnBlToTr w="12700" cmpd="sng">
+                      <a:noFill/>
+                      <a:prstDash val="solid"/>
+                    </a:lnBlToTr>
+                    <a:solidFill>
+                      <a:srgbClr val="FFFFFF">
+                        <a:lumMod val="95000"/>
+                      </a:srgbClr>
+                    </a:solidFill>
+                  </a:tcPr>
+                </a:tc>
+                <a:extLst>
+                  <a:ext uri="{0D108BD9-81ED-4DB2-BD59-A6C34878D82A}">
+                    <a16:rowId xmlns:a16="http://schemas.microsoft.com/office/drawing/2014/main" val="436117722"/>
+                  </a:ext>
+                </a:extLst>
+              </a:tr>
+              <a:tr h="520614">
+                <a:tc>
+                  <a:txBody>
+                    <a:bodyPr/>
+                    <a:lstStyle>
+                      <a:lvl1pPr marL="0" algn="l" defTabSz="914400" rtl="0" eaLnBrk="1" latinLnBrk="0" hangingPunct="1">
+                        <a:defRPr sz="1800" kern="1200">
+                          <a:solidFill>
+                            <a:schemeClr val="tx1"/>
+                          </a:solidFill>
+                          <a:latin typeface="Arial"/>
+                        </a:defRPr>
+                      </a:lvl1pPr>
+                      <a:lvl2pPr marL="457200" algn="l" defTabSz="914400" rtl="0" eaLnBrk="1" latinLnBrk="0" hangingPunct="1">
+                        <a:defRPr sz="1800" kern="1200">
+                          <a:solidFill>
+                            <a:schemeClr val="tx1"/>
+                          </a:solidFill>
+                          <a:latin typeface="Arial"/>
+                        </a:defRPr>
+                      </a:lvl2pPr>
+                      <a:lvl3pPr marL="914400" algn="l" defTabSz="914400" rtl="0" eaLnBrk="1" latinLnBrk="0" hangingPunct="1">
+                        <a:defRPr sz="1800" kern="1200">
+                          <a:solidFill>
+                            <a:schemeClr val="tx1"/>
+                          </a:solidFill>
+                          <a:latin typeface="Arial"/>
+                        </a:defRPr>
+                      </a:lvl3pPr>
+                      <a:lvl4pPr marL="1371600" algn="l" defTabSz="914400" rtl="0" eaLnBrk="1" latinLnBrk="0" hangingPunct="1">
+                        <a:defRPr sz="1800" kern="1200">
+                          <a:solidFill>
+                            <a:schemeClr val="tx1"/>
+                          </a:solidFill>
+                          <a:latin typeface="Arial"/>
+                        </a:defRPr>
+                      </a:lvl4pPr>
+                      <a:lvl5pPr marL="1828800" algn="l" defTabSz="914400" rtl="0" eaLnBrk="1" latinLnBrk="0" hangingPunct="1">
+                        <a:defRPr sz="1800" kern="1200">
+                          <a:solidFill>
+                            <a:schemeClr val="tx1"/>
+                          </a:solidFill>
+                          <a:latin typeface="Arial"/>
+                        </a:defRPr>
+                      </a:lvl5pPr>
+                      <a:lvl6pPr marL="2286000" algn="l" defTabSz="914400" rtl="0" eaLnBrk="1" latinLnBrk="0" hangingPunct="1">
+                        <a:defRPr sz="1800" kern="1200">
+                          <a:solidFill>
+                            <a:schemeClr val="tx1"/>
+                          </a:solidFill>
+                          <a:latin typeface="Arial"/>
+                        </a:defRPr>
+                      </a:lvl6pPr>
+                      <a:lvl7pPr marL="2743200" algn="l" defTabSz="914400" rtl="0" eaLnBrk="1" latinLnBrk="0" hangingPunct="1">
+                        <a:defRPr sz="1800" kern="1200">
+                          <a:solidFill>
+                            <a:schemeClr val="tx1"/>
+                          </a:solidFill>
+                          <a:latin typeface="Arial"/>
+                        </a:defRPr>
+                      </a:lvl7pPr>
+                      <a:lvl8pPr marL="3200400" algn="l" defTabSz="914400" rtl="0" eaLnBrk="1" latinLnBrk="0" hangingPunct="1">
+                        <a:defRPr sz="1800" kern="1200">
+                          <a:solidFill>
+                            <a:schemeClr val="tx1"/>
+                          </a:solidFill>
+                          <a:latin typeface="Arial"/>
+                        </a:defRPr>
+                      </a:lvl8pPr>
+                      <a:lvl9pPr marL="3657600" algn="l" defTabSz="914400" rtl="0" eaLnBrk="1" latinLnBrk="0" hangingPunct="1">
+                        <a:defRPr sz="1800" kern="1200">
+                          <a:solidFill>
+                            <a:schemeClr val="tx1"/>
+                          </a:solidFill>
+                          <a:latin typeface="Arial"/>
+                        </a:defRPr>
+                      </a:lvl9pPr>
+                    </a:lstStyle>
+                    <a:p>
+                      <a:pPr marL="0" marR="0" algn="ctr">
+                        <a:lnSpc>
+                          <a:spcPct val="200000"/>
+                        </a:lnSpc>
+                        <a:spcBef>
+                          <a:spcPts val="0"/>
+                        </a:spcBef>
+                        <a:spcAft>
+                          <a:spcPts val="0"/>
+                        </a:spcAft>
+                      </a:pPr>
+                      <a:r>
+                        <a:rPr lang="en-US" sz="1100" kern="100" dirty="0">
+                          <a:effectLst/>
+                          <a:latin typeface="Arial MT"/>
+                          <a:ea typeface="Arial MT"/>
+                          <a:cs typeface="Arial MT"/>
+                        </a:rPr>
+                        <a:t>Decision tree Regression</a:t>
+                      </a:r>
+                    </a:p>
+                  </a:txBody>
+                  <a:tcPr marL="68580" marR="68580" marT="0" marB="0">
+                    <a:lnL w="12700" cap="flat" cmpd="sng" algn="ctr">
+                      <a:solidFill>
+                        <a:srgbClr val="00284E"/>
+                      </a:solidFill>
+                      <a:prstDash val="solid"/>
+                      <a:round/>
+                      <a:headEnd type="none" w="med" len="med"/>
+                      <a:tailEnd type="none" w="med" len="med"/>
+                    </a:lnL>
+                    <a:lnR w="12700" cap="flat" cmpd="sng" algn="ctr">
+                      <a:solidFill>
+                        <a:srgbClr val="00284E"/>
+                      </a:solidFill>
+                      <a:prstDash val="solid"/>
+                      <a:round/>
+                      <a:headEnd type="none" w="med" len="med"/>
+                      <a:tailEnd type="none" w="med" len="med"/>
+                    </a:lnR>
+                    <a:lnT w="12700" cap="flat" cmpd="sng" algn="ctr">
+                      <a:solidFill>
+                        <a:srgbClr val="00284E"/>
+                      </a:solidFill>
+                      <a:prstDash val="solid"/>
+                      <a:round/>
+                      <a:headEnd type="none" w="med" len="med"/>
+                      <a:tailEnd type="none" w="med" len="med"/>
+                    </a:lnT>
+                    <a:lnB w="12700" cap="flat" cmpd="sng" algn="ctr">
+                      <a:solidFill>
+                        <a:srgbClr val="00284E"/>
+                      </a:solidFill>
+                      <a:prstDash val="solid"/>
+                      <a:round/>
+                      <a:headEnd type="none" w="med" len="med"/>
+                      <a:tailEnd type="none" w="med" len="med"/>
+                    </a:lnB>
+                    <a:lnTlToBr w="12700" cmpd="sng">
+                      <a:noFill/>
+                      <a:prstDash val="solid"/>
+                    </a:lnTlToBr>
+                    <a:lnBlToTr w="12700" cmpd="sng">
+                      <a:noFill/>
+                      <a:prstDash val="solid"/>
+                    </a:lnBlToTr>
+                    <a:solidFill>
+                      <a:srgbClr val="FFFFFF">
+                        <a:lumMod val="95000"/>
+                      </a:srgbClr>
+                    </a:solidFill>
+                  </a:tcPr>
+                </a:tc>
+                <a:tc>
+                  <a:txBody>
+                    <a:bodyPr/>
+                    <a:lstStyle>
+                      <a:lvl1pPr marL="0" algn="l" defTabSz="914400" rtl="0" eaLnBrk="1" latinLnBrk="0" hangingPunct="1">
+                        <a:defRPr sz="1800" kern="1200">
+                          <a:solidFill>
+                            <a:schemeClr val="tx1"/>
+                          </a:solidFill>
+                          <a:latin typeface="Arial"/>
+                        </a:defRPr>
+                      </a:lvl1pPr>
+                      <a:lvl2pPr marL="457200" algn="l" defTabSz="914400" rtl="0" eaLnBrk="1" latinLnBrk="0" hangingPunct="1">
+                        <a:defRPr sz="1800" kern="1200">
+                          <a:solidFill>
+                            <a:schemeClr val="tx1"/>
+                          </a:solidFill>
+                          <a:latin typeface="Arial"/>
+                        </a:defRPr>
+                      </a:lvl2pPr>
+                      <a:lvl3pPr marL="914400" algn="l" defTabSz="914400" rtl="0" eaLnBrk="1" latinLnBrk="0" hangingPunct="1">
+                        <a:defRPr sz="1800" kern="1200">
+                          <a:solidFill>
+                            <a:schemeClr val="tx1"/>
+                          </a:solidFill>
+                          <a:latin typeface="Arial"/>
+                        </a:defRPr>
+                      </a:lvl3pPr>
+                      <a:lvl4pPr marL="1371600" algn="l" defTabSz="914400" rtl="0" eaLnBrk="1" latinLnBrk="0" hangingPunct="1">
+                        <a:defRPr sz="1800" kern="1200">
+                          <a:solidFill>
+                            <a:schemeClr val="tx1"/>
+                          </a:solidFill>
+                          <a:latin typeface="Arial"/>
+                        </a:defRPr>
+                      </a:lvl4pPr>
+                      <a:lvl5pPr marL="1828800" algn="l" defTabSz="914400" rtl="0" eaLnBrk="1" latinLnBrk="0" hangingPunct="1">
+                        <a:defRPr sz="1800" kern="1200">
+                          <a:solidFill>
+                            <a:schemeClr val="tx1"/>
+                          </a:solidFill>
+                          <a:latin typeface="Arial"/>
+                        </a:defRPr>
+                      </a:lvl5pPr>
+                      <a:lvl6pPr marL="2286000" algn="l" defTabSz="914400" rtl="0" eaLnBrk="1" latinLnBrk="0" hangingPunct="1">
+                        <a:defRPr sz="1800" kern="1200">
+                          <a:solidFill>
+                            <a:schemeClr val="tx1"/>
+                          </a:solidFill>
+                          <a:latin typeface="Arial"/>
+                        </a:defRPr>
+                      </a:lvl6pPr>
+                      <a:lvl7pPr marL="2743200" algn="l" defTabSz="914400" rtl="0" eaLnBrk="1" latinLnBrk="0" hangingPunct="1">
+                        <a:defRPr sz="1800" kern="1200">
+                          <a:solidFill>
+                            <a:schemeClr val="tx1"/>
+                          </a:solidFill>
+                          <a:latin typeface="Arial"/>
+                        </a:defRPr>
+                      </a:lvl7pPr>
+                      <a:lvl8pPr marL="3200400" algn="l" defTabSz="914400" rtl="0" eaLnBrk="1" latinLnBrk="0" hangingPunct="1">
+                        <a:defRPr sz="1800" kern="1200">
+                          <a:solidFill>
+                            <a:schemeClr val="tx1"/>
+                          </a:solidFill>
+                          <a:latin typeface="Arial"/>
+                        </a:defRPr>
+                      </a:lvl8pPr>
+                      <a:lvl9pPr marL="3657600" algn="l" defTabSz="914400" rtl="0" eaLnBrk="1" latinLnBrk="0" hangingPunct="1">
+                        <a:defRPr sz="1800" kern="1200">
+                          <a:solidFill>
+                            <a:schemeClr val="tx1"/>
+                          </a:solidFill>
+                          <a:latin typeface="Arial"/>
+                        </a:defRPr>
+                      </a:lvl9pPr>
+                    </a:lstStyle>
+                    <a:p>
+                      <a:pPr marL="0" marR="0" algn="ctr">
+                        <a:lnSpc>
+                          <a:spcPct val="200000"/>
+                        </a:lnSpc>
+                        <a:spcBef>
+                          <a:spcPts val="0"/>
+                        </a:spcBef>
+                        <a:spcAft>
+                          <a:spcPts val="0"/>
+                        </a:spcAft>
+                      </a:pPr>
+                      <a:r>
+                        <a:rPr lang="en-US" sz="1100" kern="100" dirty="0">
+                          <a:effectLst/>
+                          <a:latin typeface="Arial MT"/>
+                          <a:ea typeface="Arial MT"/>
+                          <a:cs typeface="Arial MT"/>
+                        </a:rPr>
+                        <a:t>0.999819133279735</a:t>
+                      </a:r>
+                    </a:p>
+                  </a:txBody>
+                  <a:tcPr marL="68580" marR="68580" marT="0" marB="0">
+                    <a:lnL w="12700" cap="flat" cmpd="sng" algn="ctr">
+                      <a:solidFill>
+                        <a:srgbClr val="00284E"/>
+                      </a:solidFill>
+                      <a:prstDash val="solid"/>
+                      <a:round/>
+                      <a:headEnd type="none" w="med" len="med"/>
+                      <a:tailEnd type="none" w="med" len="med"/>
+                    </a:lnL>
+                    <a:lnR w="12700" cap="flat" cmpd="sng" algn="ctr">
+                      <a:solidFill>
+                        <a:srgbClr val="00284E"/>
+                      </a:solidFill>
+                      <a:prstDash val="solid"/>
+                      <a:round/>
+                      <a:headEnd type="none" w="med" len="med"/>
+                      <a:tailEnd type="none" w="med" len="med"/>
+                    </a:lnR>
+                    <a:lnT w="12700" cap="flat" cmpd="sng" algn="ctr">
+                      <a:solidFill>
+                        <a:srgbClr val="00284E"/>
+                      </a:solidFill>
+                      <a:prstDash val="solid"/>
+                      <a:round/>
+                      <a:headEnd type="none" w="med" len="med"/>
+                      <a:tailEnd type="none" w="med" len="med"/>
+                    </a:lnT>
+                    <a:lnB w="12700" cap="flat" cmpd="sng" algn="ctr">
+                      <a:solidFill>
+                        <a:srgbClr val="00284E"/>
+                      </a:solidFill>
+                      <a:prstDash val="solid"/>
+                      <a:round/>
+                      <a:headEnd type="none" w="med" len="med"/>
+                      <a:tailEnd type="none" w="med" len="med"/>
+                    </a:lnB>
+                    <a:lnTlToBr w="12700" cmpd="sng">
+                      <a:noFill/>
+                      <a:prstDash val="solid"/>
+                    </a:lnTlToBr>
+                    <a:lnBlToTr w="12700" cmpd="sng">
+                      <a:noFill/>
+                      <a:prstDash val="solid"/>
+                    </a:lnBlToTr>
+                    <a:solidFill>
+                      <a:srgbClr val="FFFFFF">
+                        <a:lumMod val="95000"/>
+                      </a:srgbClr>
+                    </a:solidFill>
+                  </a:tcPr>
+                </a:tc>
+                <a:tc>
+                  <a:txBody>
+                    <a:bodyPr/>
+                    <a:lstStyle>
+                      <a:lvl1pPr marL="0" algn="l" defTabSz="914400" rtl="0" eaLnBrk="1" latinLnBrk="0" hangingPunct="1">
+                        <a:defRPr sz="1800" kern="1200">
+                          <a:solidFill>
+                            <a:schemeClr val="tx1"/>
+                          </a:solidFill>
+                          <a:latin typeface="Arial"/>
+                        </a:defRPr>
+                      </a:lvl1pPr>
+                      <a:lvl2pPr marL="457200" algn="l" defTabSz="914400" rtl="0" eaLnBrk="1" latinLnBrk="0" hangingPunct="1">
+                        <a:defRPr sz="1800" kern="1200">
+                          <a:solidFill>
+                            <a:schemeClr val="tx1"/>
+                          </a:solidFill>
+                          <a:latin typeface="Arial"/>
+                        </a:defRPr>
+                      </a:lvl2pPr>
+                      <a:lvl3pPr marL="914400" algn="l" defTabSz="914400" rtl="0" eaLnBrk="1" latinLnBrk="0" hangingPunct="1">
+                        <a:defRPr sz="1800" kern="1200">
+                          <a:solidFill>
+                            <a:schemeClr val="tx1"/>
+                          </a:solidFill>
+                          <a:latin typeface="Arial"/>
+                        </a:defRPr>
+                      </a:lvl3pPr>
+                      <a:lvl4pPr marL="1371600" algn="l" defTabSz="914400" rtl="0" eaLnBrk="1" latinLnBrk="0" hangingPunct="1">
+                        <a:defRPr sz="1800" kern="1200">
+                          <a:solidFill>
+                            <a:schemeClr val="tx1"/>
+                          </a:solidFill>
+                          <a:latin typeface="Arial"/>
+                        </a:defRPr>
+                      </a:lvl4pPr>
+                      <a:lvl5pPr marL="1828800" algn="l" defTabSz="914400" rtl="0" eaLnBrk="1" latinLnBrk="0" hangingPunct="1">
+                        <a:defRPr sz="1800" kern="1200">
+                          <a:solidFill>
+                            <a:schemeClr val="tx1"/>
+                          </a:solidFill>
+                          <a:latin typeface="Arial"/>
+                        </a:defRPr>
+                      </a:lvl5pPr>
+                      <a:lvl6pPr marL="2286000" algn="l" defTabSz="914400" rtl="0" eaLnBrk="1" latinLnBrk="0" hangingPunct="1">
+                        <a:defRPr sz="1800" kern="1200">
+                          <a:solidFill>
+                            <a:schemeClr val="tx1"/>
+                          </a:solidFill>
+                          <a:latin typeface="Arial"/>
+                        </a:defRPr>
+                      </a:lvl6pPr>
+                      <a:lvl7pPr marL="2743200" algn="l" defTabSz="914400" rtl="0" eaLnBrk="1" latinLnBrk="0" hangingPunct="1">
+                        <a:defRPr sz="1800" kern="1200">
+                          <a:solidFill>
+                            <a:schemeClr val="tx1"/>
+                          </a:solidFill>
+                          <a:latin typeface="Arial"/>
+                        </a:defRPr>
+                      </a:lvl7pPr>
+                      <a:lvl8pPr marL="3200400" algn="l" defTabSz="914400" rtl="0" eaLnBrk="1" latinLnBrk="0" hangingPunct="1">
+                        <a:defRPr sz="1800" kern="1200">
+                          <a:solidFill>
+                            <a:schemeClr val="tx1"/>
+                          </a:solidFill>
+                          <a:latin typeface="Arial"/>
+                        </a:defRPr>
+                      </a:lvl8pPr>
+                      <a:lvl9pPr marL="3657600" algn="l" defTabSz="914400" rtl="0" eaLnBrk="1" latinLnBrk="0" hangingPunct="1">
+                        <a:defRPr sz="1800" kern="1200">
+                          <a:solidFill>
+                            <a:schemeClr val="tx1"/>
+                          </a:solidFill>
+                          <a:latin typeface="Arial"/>
+                        </a:defRPr>
+                      </a:lvl9pPr>
+                    </a:lstStyle>
+                    <a:p>
+                      <a:pPr marL="0" marR="0" algn="ctr">
+                        <a:lnSpc>
+                          <a:spcPct val="200000"/>
+                        </a:lnSpc>
+                        <a:spcBef>
+                          <a:spcPts val="0"/>
+                        </a:spcBef>
+                        <a:spcAft>
+                          <a:spcPts val="0"/>
+                        </a:spcAft>
+                      </a:pPr>
+                      <a:r>
+                        <a:rPr lang="en-US" sz="1100" kern="100" dirty="0">
+                          <a:effectLst/>
+                          <a:latin typeface="Arial MT"/>
+                          <a:ea typeface="Arial MT"/>
+                          <a:cs typeface="Arial MT"/>
+                        </a:rPr>
+                        <a:t>0.9995900629364399</a:t>
+                      </a:r>
+                    </a:p>
+                  </a:txBody>
+                  <a:tcPr marL="68580" marR="68580" marT="0" marB="0">
+                    <a:lnL w="12700" cap="flat" cmpd="sng" algn="ctr">
+                      <a:solidFill>
+                        <a:srgbClr val="00284E"/>
+                      </a:solidFill>
+                      <a:prstDash val="solid"/>
+                      <a:round/>
+                      <a:headEnd type="none" w="med" len="med"/>
+                      <a:tailEnd type="none" w="med" len="med"/>
+                    </a:lnL>
+                    <a:lnR w="12700" cap="flat" cmpd="sng" algn="ctr">
+                      <a:solidFill>
+                        <a:srgbClr val="00284E"/>
+                      </a:solidFill>
+                      <a:prstDash val="solid"/>
+                      <a:round/>
+                      <a:headEnd type="none" w="med" len="med"/>
+                      <a:tailEnd type="none" w="med" len="med"/>
+                    </a:lnR>
+                    <a:lnT w="12700" cap="flat" cmpd="sng" algn="ctr">
+                      <a:solidFill>
+                        <a:srgbClr val="00284E"/>
+                      </a:solidFill>
+                      <a:prstDash val="solid"/>
+                      <a:round/>
+                      <a:headEnd type="none" w="med" len="med"/>
+                      <a:tailEnd type="none" w="med" len="med"/>
+                    </a:lnT>
+                    <a:lnB w="12700" cap="flat" cmpd="sng" algn="ctr">
+                      <a:solidFill>
+                        <a:srgbClr val="00284E"/>
+                      </a:solidFill>
+                      <a:prstDash val="solid"/>
+                      <a:round/>
+                      <a:headEnd type="none" w="med" len="med"/>
+                      <a:tailEnd type="none" w="med" len="med"/>
+                    </a:lnB>
+                    <a:lnTlToBr w="12700" cmpd="sng">
+                      <a:noFill/>
+                      <a:prstDash val="solid"/>
+                    </a:lnTlToBr>
+                    <a:lnBlToTr w="12700" cmpd="sng">
+                      <a:noFill/>
+                      <a:prstDash val="solid"/>
+                    </a:lnBlToTr>
+                    <a:solidFill>
+                      <a:srgbClr val="FFFFFF">
+                        <a:lumMod val="95000"/>
+                      </a:srgbClr>
+                    </a:solidFill>
+                  </a:tcPr>
+                </a:tc>
+                <a:extLst>
+                  <a:ext uri="{0D108BD9-81ED-4DB2-BD59-A6C34878D82A}">
+                    <a16:rowId xmlns:a16="http://schemas.microsoft.com/office/drawing/2014/main" val="2037312400"/>
+                  </a:ext>
+                </a:extLst>
+              </a:tr>
+              <a:tr h="753558">
+                <a:tc>
+                  <a:txBody>
+                    <a:bodyPr/>
+                    <a:lstStyle>
+                      <a:lvl1pPr marL="0" algn="l" defTabSz="914400" rtl="0" eaLnBrk="1" latinLnBrk="0" hangingPunct="1">
+                        <a:defRPr sz="1800" kern="1200">
+                          <a:solidFill>
+                            <a:schemeClr val="tx1"/>
+                          </a:solidFill>
+                          <a:latin typeface="Arial"/>
+                        </a:defRPr>
+                      </a:lvl1pPr>
+                      <a:lvl2pPr marL="457200" algn="l" defTabSz="914400" rtl="0" eaLnBrk="1" latinLnBrk="0" hangingPunct="1">
+                        <a:defRPr sz="1800" kern="1200">
+                          <a:solidFill>
+                            <a:schemeClr val="tx1"/>
+                          </a:solidFill>
+                          <a:latin typeface="Arial"/>
+                        </a:defRPr>
+                      </a:lvl2pPr>
+                      <a:lvl3pPr marL="914400" algn="l" defTabSz="914400" rtl="0" eaLnBrk="1" latinLnBrk="0" hangingPunct="1">
+                        <a:defRPr sz="1800" kern="1200">
+                          <a:solidFill>
+                            <a:schemeClr val="tx1"/>
+                          </a:solidFill>
+                          <a:latin typeface="Arial"/>
+                        </a:defRPr>
+                      </a:lvl3pPr>
+                      <a:lvl4pPr marL="1371600" algn="l" defTabSz="914400" rtl="0" eaLnBrk="1" latinLnBrk="0" hangingPunct="1">
+                        <a:defRPr sz="1800" kern="1200">
+                          <a:solidFill>
+                            <a:schemeClr val="tx1"/>
+                          </a:solidFill>
+                          <a:latin typeface="Arial"/>
+                        </a:defRPr>
+                      </a:lvl4pPr>
+                      <a:lvl5pPr marL="1828800" algn="l" defTabSz="914400" rtl="0" eaLnBrk="1" latinLnBrk="0" hangingPunct="1">
+                        <a:defRPr sz="1800" kern="1200">
+                          <a:solidFill>
+                            <a:schemeClr val="tx1"/>
+                          </a:solidFill>
+                          <a:latin typeface="Arial"/>
+                        </a:defRPr>
+                      </a:lvl5pPr>
+                      <a:lvl6pPr marL="2286000" algn="l" defTabSz="914400" rtl="0" eaLnBrk="1" latinLnBrk="0" hangingPunct="1">
+                        <a:defRPr sz="1800" kern="1200">
+                          <a:solidFill>
+                            <a:schemeClr val="tx1"/>
+                          </a:solidFill>
+                          <a:latin typeface="Arial"/>
+                        </a:defRPr>
+                      </a:lvl6pPr>
+                      <a:lvl7pPr marL="2743200" algn="l" defTabSz="914400" rtl="0" eaLnBrk="1" latinLnBrk="0" hangingPunct="1">
+                        <a:defRPr sz="1800" kern="1200">
+                          <a:solidFill>
+                            <a:schemeClr val="tx1"/>
+                          </a:solidFill>
+                          <a:latin typeface="Arial"/>
+                        </a:defRPr>
+                      </a:lvl7pPr>
+                      <a:lvl8pPr marL="3200400" algn="l" defTabSz="914400" rtl="0" eaLnBrk="1" latinLnBrk="0" hangingPunct="1">
+                        <a:defRPr sz="1800" kern="1200">
+                          <a:solidFill>
+                            <a:schemeClr val="tx1"/>
+                          </a:solidFill>
+                          <a:latin typeface="Arial"/>
+                        </a:defRPr>
+                      </a:lvl8pPr>
+                      <a:lvl9pPr marL="3657600" algn="l" defTabSz="914400" rtl="0" eaLnBrk="1" latinLnBrk="0" hangingPunct="1">
+                        <a:defRPr sz="1800" kern="1200">
+                          <a:solidFill>
+                            <a:schemeClr val="tx1"/>
+                          </a:solidFill>
+                          <a:latin typeface="Arial"/>
+                        </a:defRPr>
+                      </a:lvl9pPr>
+                    </a:lstStyle>
+                    <a:p>
+                      <a:pPr marL="0" marR="0" algn="ctr">
+                        <a:lnSpc>
+                          <a:spcPct val="200000"/>
+                        </a:lnSpc>
+                        <a:spcBef>
+                          <a:spcPts val="0"/>
+                        </a:spcBef>
+                        <a:spcAft>
+                          <a:spcPts val="0"/>
+                        </a:spcAft>
+                      </a:pPr>
+                      <a:r>
+                        <a:rPr lang="en-US" sz="1200" kern="100" dirty="0">
+                          <a:effectLst/>
+                          <a:latin typeface="Arial MT"/>
+                          <a:ea typeface="Arial MT"/>
+                          <a:cs typeface="Arial MT"/>
+                        </a:rPr>
+                        <a:t>K-Nearest Neighbors Regression</a:t>
+                      </a:r>
+                      <a:endParaRPr lang="en-US" sz="1100" kern="100" dirty="0">
+                        <a:effectLst/>
+                        <a:latin typeface="Arial MT"/>
+                        <a:ea typeface="Arial MT"/>
+                        <a:cs typeface="Arial MT"/>
+                      </a:endParaRPr>
+                    </a:p>
+                  </a:txBody>
+                  <a:tcPr marL="68580" marR="68580" marT="0" marB="0">
+                    <a:lnL w="12700" cap="flat" cmpd="sng" algn="ctr">
+                      <a:solidFill>
+                        <a:srgbClr val="00284E"/>
+                      </a:solidFill>
+                      <a:prstDash val="solid"/>
+                      <a:round/>
+                      <a:headEnd type="none" w="med" len="med"/>
+                      <a:tailEnd type="none" w="med" len="med"/>
+                    </a:lnL>
+                    <a:lnR w="12700" cap="flat" cmpd="sng" algn="ctr">
+                      <a:solidFill>
+                        <a:srgbClr val="00284E"/>
+                      </a:solidFill>
+                      <a:prstDash val="solid"/>
+                      <a:round/>
+                      <a:headEnd type="none" w="med" len="med"/>
+                      <a:tailEnd type="none" w="med" len="med"/>
+                    </a:lnR>
+                    <a:lnT w="12700" cap="flat" cmpd="sng" algn="ctr">
+                      <a:solidFill>
+                        <a:srgbClr val="00284E"/>
+                      </a:solidFill>
+                      <a:prstDash val="solid"/>
+                      <a:round/>
+                      <a:headEnd type="none" w="med" len="med"/>
+                      <a:tailEnd type="none" w="med" len="med"/>
+                    </a:lnT>
+                    <a:lnB w="12700" cap="flat" cmpd="sng" algn="ctr">
+                      <a:solidFill>
+                        <a:srgbClr val="00284E"/>
+                      </a:solidFill>
+                      <a:prstDash val="solid"/>
+                      <a:round/>
+                      <a:headEnd type="none" w="med" len="med"/>
+                      <a:tailEnd type="none" w="med" len="med"/>
+                    </a:lnB>
+                    <a:lnTlToBr w="12700" cmpd="sng">
+                      <a:noFill/>
+                      <a:prstDash val="solid"/>
+                    </a:lnTlToBr>
+                    <a:lnBlToTr w="12700" cmpd="sng">
+                      <a:noFill/>
+                      <a:prstDash val="solid"/>
+                    </a:lnBlToTr>
+                    <a:solidFill>
+                      <a:srgbClr val="FFFFFF">
+                        <a:lumMod val="95000"/>
+                      </a:srgbClr>
+                    </a:solidFill>
+                  </a:tcPr>
+                </a:tc>
+                <a:tc>
+                  <a:txBody>
+                    <a:bodyPr/>
+                    <a:lstStyle>
+                      <a:lvl1pPr marL="0" algn="l" defTabSz="914400" rtl="0" eaLnBrk="1" latinLnBrk="0" hangingPunct="1">
+                        <a:defRPr sz="1800" kern="1200">
+                          <a:solidFill>
+                            <a:schemeClr val="tx1"/>
+                          </a:solidFill>
+                          <a:latin typeface="Arial"/>
+                        </a:defRPr>
+                      </a:lvl1pPr>
+                      <a:lvl2pPr marL="457200" algn="l" defTabSz="914400" rtl="0" eaLnBrk="1" latinLnBrk="0" hangingPunct="1">
+                        <a:defRPr sz="1800" kern="1200">
+                          <a:solidFill>
+                            <a:schemeClr val="tx1"/>
+                          </a:solidFill>
+                          <a:latin typeface="Arial"/>
+                        </a:defRPr>
+                      </a:lvl2pPr>
+                      <a:lvl3pPr marL="914400" algn="l" defTabSz="914400" rtl="0" eaLnBrk="1" latinLnBrk="0" hangingPunct="1">
+                        <a:defRPr sz="1800" kern="1200">
+                          <a:solidFill>
+                            <a:schemeClr val="tx1"/>
+                          </a:solidFill>
+                          <a:latin typeface="Arial"/>
+                        </a:defRPr>
+                      </a:lvl3pPr>
+                      <a:lvl4pPr marL="1371600" algn="l" defTabSz="914400" rtl="0" eaLnBrk="1" latinLnBrk="0" hangingPunct="1">
+                        <a:defRPr sz="1800" kern="1200">
+                          <a:solidFill>
+                            <a:schemeClr val="tx1"/>
+                          </a:solidFill>
+                          <a:latin typeface="Arial"/>
+                        </a:defRPr>
+                      </a:lvl4pPr>
+                      <a:lvl5pPr marL="1828800" algn="l" defTabSz="914400" rtl="0" eaLnBrk="1" latinLnBrk="0" hangingPunct="1">
+                        <a:defRPr sz="1800" kern="1200">
+                          <a:solidFill>
+                            <a:schemeClr val="tx1"/>
+                          </a:solidFill>
+                          <a:latin typeface="Arial"/>
+                        </a:defRPr>
+                      </a:lvl5pPr>
+                      <a:lvl6pPr marL="2286000" algn="l" defTabSz="914400" rtl="0" eaLnBrk="1" latinLnBrk="0" hangingPunct="1">
+                        <a:defRPr sz="1800" kern="1200">
+                          <a:solidFill>
+                            <a:schemeClr val="tx1"/>
+                          </a:solidFill>
+                          <a:latin typeface="Arial"/>
+                        </a:defRPr>
+                      </a:lvl6pPr>
+                      <a:lvl7pPr marL="2743200" algn="l" defTabSz="914400" rtl="0" eaLnBrk="1" latinLnBrk="0" hangingPunct="1">
+                        <a:defRPr sz="1800" kern="1200">
+                          <a:solidFill>
+                            <a:schemeClr val="tx1"/>
+                          </a:solidFill>
+                          <a:latin typeface="Arial"/>
+                        </a:defRPr>
+                      </a:lvl7pPr>
+                      <a:lvl8pPr marL="3200400" algn="l" defTabSz="914400" rtl="0" eaLnBrk="1" latinLnBrk="0" hangingPunct="1">
+                        <a:defRPr sz="1800" kern="1200">
+                          <a:solidFill>
+                            <a:schemeClr val="tx1"/>
+                          </a:solidFill>
+                          <a:latin typeface="Arial"/>
+                        </a:defRPr>
+                      </a:lvl8pPr>
+                      <a:lvl9pPr marL="3657600" algn="l" defTabSz="914400" rtl="0" eaLnBrk="1" latinLnBrk="0" hangingPunct="1">
+                        <a:defRPr sz="1800" kern="1200">
+                          <a:solidFill>
+                            <a:schemeClr val="tx1"/>
+                          </a:solidFill>
+                          <a:latin typeface="Arial"/>
+                        </a:defRPr>
+                      </a:lvl9pPr>
+                    </a:lstStyle>
+                    <a:p>
+                      <a:pPr marL="0" marR="0" algn="ctr">
+                        <a:lnSpc>
+                          <a:spcPct val="200000"/>
+                        </a:lnSpc>
+                        <a:spcBef>
+                          <a:spcPts val="0"/>
+                        </a:spcBef>
+                        <a:spcAft>
+                          <a:spcPts val="0"/>
+                        </a:spcAft>
+                      </a:pPr>
+                      <a:r>
+                        <a:rPr lang="en-US" sz="1100" kern="100" dirty="0">
+                          <a:effectLst/>
+                          <a:latin typeface="Arial MT"/>
+                          <a:ea typeface="Arial MT"/>
+                          <a:cs typeface="Arial MT"/>
+                        </a:rPr>
+                        <a:t>0.6031750520857</a:t>
+                      </a:r>
+                    </a:p>
+                  </a:txBody>
+                  <a:tcPr marL="68580" marR="68580" marT="0" marB="0">
+                    <a:lnL w="12700" cap="flat" cmpd="sng" algn="ctr">
+                      <a:solidFill>
+                        <a:srgbClr val="00284E"/>
+                      </a:solidFill>
+                      <a:prstDash val="solid"/>
+                      <a:round/>
+                      <a:headEnd type="none" w="med" len="med"/>
+                      <a:tailEnd type="none" w="med" len="med"/>
+                    </a:lnL>
+                    <a:lnR w="12700" cap="flat" cmpd="sng" algn="ctr">
+                      <a:solidFill>
+                        <a:srgbClr val="00284E"/>
+                      </a:solidFill>
+                      <a:prstDash val="solid"/>
+                      <a:round/>
+                      <a:headEnd type="none" w="med" len="med"/>
+                      <a:tailEnd type="none" w="med" len="med"/>
+                    </a:lnR>
+                    <a:lnT w="12700" cap="flat" cmpd="sng" algn="ctr">
+                      <a:solidFill>
+                        <a:srgbClr val="00284E"/>
+                      </a:solidFill>
+                      <a:prstDash val="solid"/>
+                      <a:round/>
+                      <a:headEnd type="none" w="med" len="med"/>
+                      <a:tailEnd type="none" w="med" len="med"/>
+                    </a:lnT>
+                    <a:lnB w="12700" cap="flat" cmpd="sng" algn="ctr">
+                      <a:solidFill>
+                        <a:srgbClr val="00284E"/>
+                      </a:solidFill>
+                      <a:prstDash val="solid"/>
+                      <a:round/>
+                      <a:headEnd type="none" w="med" len="med"/>
+                      <a:tailEnd type="none" w="med" len="med"/>
+                    </a:lnB>
+                    <a:lnTlToBr w="12700" cmpd="sng">
+                      <a:noFill/>
+                      <a:prstDash val="solid"/>
+                    </a:lnTlToBr>
+                    <a:lnBlToTr w="12700" cmpd="sng">
+                      <a:noFill/>
+                      <a:prstDash val="solid"/>
+                    </a:lnBlToTr>
+                    <a:solidFill>
+                      <a:srgbClr val="FFFFFF">
+                        <a:lumMod val="95000"/>
+                      </a:srgbClr>
+                    </a:solidFill>
+                  </a:tcPr>
+                </a:tc>
+                <a:tc>
+                  <a:txBody>
+                    <a:bodyPr/>
+                    <a:lstStyle>
+                      <a:lvl1pPr marL="0" algn="l" defTabSz="914400" rtl="0" eaLnBrk="1" latinLnBrk="0" hangingPunct="1">
+                        <a:defRPr sz="1800" kern="1200">
+                          <a:solidFill>
+                            <a:schemeClr val="tx1"/>
+                          </a:solidFill>
+                          <a:latin typeface="Arial"/>
+                        </a:defRPr>
+                      </a:lvl1pPr>
+                      <a:lvl2pPr marL="457200" algn="l" defTabSz="914400" rtl="0" eaLnBrk="1" latinLnBrk="0" hangingPunct="1">
+                        <a:defRPr sz="1800" kern="1200">
+                          <a:solidFill>
+                            <a:schemeClr val="tx1"/>
+                          </a:solidFill>
+                          <a:latin typeface="Arial"/>
+                        </a:defRPr>
+                      </a:lvl2pPr>
+                      <a:lvl3pPr marL="914400" algn="l" defTabSz="914400" rtl="0" eaLnBrk="1" latinLnBrk="0" hangingPunct="1">
+                        <a:defRPr sz="1800" kern="1200">
+                          <a:solidFill>
+                            <a:schemeClr val="tx1"/>
+                          </a:solidFill>
+                          <a:latin typeface="Arial"/>
+                        </a:defRPr>
+                      </a:lvl3pPr>
+                      <a:lvl4pPr marL="1371600" algn="l" defTabSz="914400" rtl="0" eaLnBrk="1" latinLnBrk="0" hangingPunct="1">
+                        <a:defRPr sz="1800" kern="1200">
+                          <a:solidFill>
+                            <a:schemeClr val="tx1"/>
+                          </a:solidFill>
+                          <a:latin typeface="Arial"/>
+                        </a:defRPr>
+                      </a:lvl4pPr>
+                      <a:lvl5pPr marL="1828800" algn="l" defTabSz="914400" rtl="0" eaLnBrk="1" latinLnBrk="0" hangingPunct="1">
+                        <a:defRPr sz="1800" kern="1200">
+                          <a:solidFill>
+                            <a:schemeClr val="tx1"/>
+                          </a:solidFill>
+                          <a:latin typeface="Arial"/>
+                        </a:defRPr>
+                      </a:lvl5pPr>
+                      <a:lvl6pPr marL="2286000" algn="l" defTabSz="914400" rtl="0" eaLnBrk="1" latinLnBrk="0" hangingPunct="1">
+                        <a:defRPr sz="1800" kern="1200">
+                          <a:solidFill>
+                            <a:schemeClr val="tx1"/>
+                          </a:solidFill>
+                          <a:latin typeface="Arial"/>
+                        </a:defRPr>
+                      </a:lvl6pPr>
+                      <a:lvl7pPr marL="2743200" algn="l" defTabSz="914400" rtl="0" eaLnBrk="1" latinLnBrk="0" hangingPunct="1">
+                        <a:defRPr sz="1800" kern="1200">
+                          <a:solidFill>
+                            <a:schemeClr val="tx1"/>
+                          </a:solidFill>
+                          <a:latin typeface="Arial"/>
+                        </a:defRPr>
+                      </a:lvl7pPr>
+                      <a:lvl8pPr marL="3200400" algn="l" defTabSz="914400" rtl="0" eaLnBrk="1" latinLnBrk="0" hangingPunct="1">
+                        <a:defRPr sz="1800" kern="1200">
+                          <a:solidFill>
+                            <a:schemeClr val="tx1"/>
+                          </a:solidFill>
+                          <a:latin typeface="Arial"/>
+                        </a:defRPr>
+                      </a:lvl8pPr>
+                      <a:lvl9pPr marL="3657600" algn="l" defTabSz="914400" rtl="0" eaLnBrk="1" latinLnBrk="0" hangingPunct="1">
+                        <a:defRPr sz="1800" kern="1200">
+                          <a:solidFill>
+                            <a:schemeClr val="tx1"/>
+                          </a:solidFill>
+                          <a:latin typeface="Arial"/>
+                        </a:defRPr>
+                      </a:lvl9pPr>
+                    </a:lstStyle>
+                    <a:p>
+                      <a:pPr marL="0" marR="0" algn="ctr">
+                        <a:lnSpc>
+                          <a:spcPct val="200000"/>
+                        </a:lnSpc>
+                        <a:spcBef>
+                          <a:spcPts val="0"/>
+                        </a:spcBef>
+                        <a:spcAft>
+                          <a:spcPts val="0"/>
+                        </a:spcAft>
+                      </a:pPr>
+                      <a:r>
+                        <a:rPr lang="en-US" sz="1100" kern="100" dirty="0">
+                          <a:effectLst/>
+                          <a:latin typeface="Arial MT"/>
+                          <a:ea typeface="Arial MT"/>
+                          <a:cs typeface="Arial MT"/>
+                        </a:rPr>
+                        <a:t>0.58007973023154</a:t>
+                      </a:r>
+                    </a:p>
+                  </a:txBody>
+                  <a:tcPr marL="68580" marR="68580" marT="0" marB="0">
+                    <a:lnL w="12700" cap="flat" cmpd="sng" algn="ctr">
+                      <a:solidFill>
+                        <a:srgbClr val="00284E"/>
+                      </a:solidFill>
+                      <a:prstDash val="solid"/>
+                      <a:round/>
+                      <a:headEnd type="none" w="med" len="med"/>
+                      <a:tailEnd type="none" w="med" len="med"/>
+                    </a:lnL>
+                    <a:lnR w="12700" cap="flat" cmpd="sng" algn="ctr">
+                      <a:solidFill>
+                        <a:srgbClr val="00284E"/>
+                      </a:solidFill>
+                      <a:prstDash val="solid"/>
+                      <a:round/>
+                      <a:headEnd type="none" w="med" len="med"/>
+                      <a:tailEnd type="none" w="med" len="med"/>
+                    </a:lnR>
+                    <a:lnT w="12700" cap="flat" cmpd="sng" algn="ctr">
+                      <a:solidFill>
+                        <a:srgbClr val="00284E"/>
+                      </a:solidFill>
+                      <a:prstDash val="solid"/>
+                      <a:round/>
+                      <a:headEnd type="none" w="med" len="med"/>
+                      <a:tailEnd type="none" w="med" len="med"/>
+                    </a:lnT>
+                    <a:lnB w="12700" cap="flat" cmpd="sng" algn="ctr">
+                      <a:solidFill>
+                        <a:srgbClr val="00284E"/>
+                      </a:solidFill>
+                      <a:prstDash val="solid"/>
+                      <a:round/>
+                      <a:headEnd type="none" w="med" len="med"/>
+                      <a:tailEnd type="none" w="med" len="med"/>
+                    </a:lnB>
+                    <a:lnTlToBr w="12700" cmpd="sng">
+                      <a:noFill/>
+                      <a:prstDash val="solid"/>
+                    </a:lnTlToBr>
+                    <a:lnBlToTr w="12700" cmpd="sng">
+                      <a:noFill/>
+                      <a:prstDash val="solid"/>
+                    </a:lnBlToTr>
+                    <a:solidFill>
+                      <a:srgbClr val="FFFFFF">
+                        <a:lumMod val="95000"/>
+                      </a:srgbClr>
+                    </a:solidFill>
+                  </a:tcPr>
+                </a:tc>
+                <a:extLst>
+                  <a:ext uri="{0D108BD9-81ED-4DB2-BD59-A6C34878D82A}">
+                    <a16:rowId xmlns:a16="http://schemas.microsoft.com/office/drawing/2014/main" val="2602853439"/>
+                  </a:ext>
+                </a:extLst>
+              </a:tr>
+              <a:tr h="520614">
+                <a:tc>
+                  <a:txBody>
+                    <a:bodyPr/>
+                    <a:lstStyle>
+                      <a:lvl1pPr marL="0" algn="l" defTabSz="914400" rtl="0" eaLnBrk="1" latinLnBrk="0" hangingPunct="1">
+                        <a:defRPr sz="1800" kern="1200">
+                          <a:solidFill>
+                            <a:schemeClr val="tx1"/>
+                          </a:solidFill>
+                          <a:latin typeface="Arial"/>
+                        </a:defRPr>
+                      </a:lvl1pPr>
+                      <a:lvl2pPr marL="457200" algn="l" defTabSz="914400" rtl="0" eaLnBrk="1" latinLnBrk="0" hangingPunct="1">
+                        <a:defRPr sz="1800" kern="1200">
+                          <a:solidFill>
+                            <a:schemeClr val="tx1"/>
+                          </a:solidFill>
+                          <a:latin typeface="Arial"/>
+                        </a:defRPr>
+                      </a:lvl2pPr>
+                      <a:lvl3pPr marL="914400" algn="l" defTabSz="914400" rtl="0" eaLnBrk="1" latinLnBrk="0" hangingPunct="1">
+                        <a:defRPr sz="1800" kern="1200">
+                          <a:solidFill>
+                            <a:schemeClr val="tx1"/>
+                          </a:solidFill>
+                          <a:latin typeface="Arial"/>
+                        </a:defRPr>
+                      </a:lvl3pPr>
+                      <a:lvl4pPr marL="1371600" algn="l" defTabSz="914400" rtl="0" eaLnBrk="1" latinLnBrk="0" hangingPunct="1">
+                        <a:defRPr sz="1800" kern="1200">
+                          <a:solidFill>
+                            <a:schemeClr val="tx1"/>
+                          </a:solidFill>
+                          <a:latin typeface="Arial"/>
+                        </a:defRPr>
+                      </a:lvl4pPr>
+                      <a:lvl5pPr marL="1828800" algn="l" defTabSz="914400" rtl="0" eaLnBrk="1" latinLnBrk="0" hangingPunct="1">
+                        <a:defRPr sz="1800" kern="1200">
+                          <a:solidFill>
+                            <a:schemeClr val="tx1"/>
+                          </a:solidFill>
+                          <a:latin typeface="Arial"/>
+                        </a:defRPr>
+                      </a:lvl5pPr>
+                      <a:lvl6pPr marL="2286000" algn="l" defTabSz="914400" rtl="0" eaLnBrk="1" latinLnBrk="0" hangingPunct="1">
+                        <a:defRPr sz="1800" kern="1200">
+                          <a:solidFill>
+                            <a:schemeClr val="tx1"/>
+                          </a:solidFill>
+                          <a:latin typeface="Arial"/>
+                        </a:defRPr>
+                      </a:lvl6pPr>
+                      <a:lvl7pPr marL="2743200" algn="l" defTabSz="914400" rtl="0" eaLnBrk="1" latinLnBrk="0" hangingPunct="1">
+                        <a:defRPr sz="1800" kern="1200">
+                          <a:solidFill>
+                            <a:schemeClr val="tx1"/>
+                          </a:solidFill>
+                          <a:latin typeface="Arial"/>
+                        </a:defRPr>
+                      </a:lvl7pPr>
+                      <a:lvl8pPr marL="3200400" algn="l" defTabSz="914400" rtl="0" eaLnBrk="1" latinLnBrk="0" hangingPunct="1">
+                        <a:defRPr sz="1800" kern="1200">
+                          <a:solidFill>
+                            <a:schemeClr val="tx1"/>
+                          </a:solidFill>
+                          <a:latin typeface="Arial"/>
+                        </a:defRPr>
+                      </a:lvl8pPr>
+                      <a:lvl9pPr marL="3657600" algn="l" defTabSz="914400" rtl="0" eaLnBrk="1" latinLnBrk="0" hangingPunct="1">
+                        <a:defRPr sz="1800" kern="1200">
+                          <a:solidFill>
+                            <a:schemeClr val="tx1"/>
+                          </a:solidFill>
+                          <a:latin typeface="Arial"/>
+                        </a:defRPr>
+                      </a:lvl9pPr>
+                    </a:lstStyle>
+                    <a:p>
+                      <a:pPr marL="0" marR="0" algn="ctr">
+                        <a:lnSpc>
+                          <a:spcPct val="200000"/>
+                        </a:lnSpc>
+                        <a:spcBef>
+                          <a:spcPts val="0"/>
+                        </a:spcBef>
+                        <a:spcAft>
+                          <a:spcPts val="0"/>
+                        </a:spcAft>
+                      </a:pPr>
+                      <a:r>
+                        <a:rPr lang="en-US" sz="1100" kern="100">
+                          <a:effectLst/>
+                          <a:latin typeface="Arial MT"/>
+                          <a:ea typeface="Arial MT"/>
+                          <a:cs typeface="Arial MT"/>
+                        </a:rPr>
+                        <a:t>Ridge Regression</a:t>
+                      </a:r>
+                    </a:p>
+                  </a:txBody>
+                  <a:tcPr marL="68580" marR="68580" marT="0" marB="0">
+                    <a:lnL w="12700" cap="flat" cmpd="sng" algn="ctr">
+                      <a:solidFill>
+                        <a:srgbClr val="00284E"/>
+                      </a:solidFill>
+                      <a:prstDash val="solid"/>
+                      <a:round/>
+                      <a:headEnd type="none" w="med" len="med"/>
+                      <a:tailEnd type="none" w="med" len="med"/>
+                    </a:lnL>
+                    <a:lnR w="12700" cap="flat" cmpd="sng" algn="ctr">
+                      <a:solidFill>
+                        <a:srgbClr val="00284E"/>
+                      </a:solidFill>
+                      <a:prstDash val="solid"/>
+                      <a:round/>
+                      <a:headEnd type="none" w="med" len="med"/>
+                      <a:tailEnd type="none" w="med" len="med"/>
+                    </a:lnR>
+                    <a:lnT w="12700" cap="flat" cmpd="sng" algn="ctr">
+                      <a:solidFill>
+                        <a:srgbClr val="00284E"/>
+                      </a:solidFill>
+                      <a:prstDash val="solid"/>
+                      <a:round/>
+                      <a:headEnd type="none" w="med" len="med"/>
+                      <a:tailEnd type="none" w="med" len="med"/>
+                    </a:lnT>
+                    <a:lnB w="12700" cap="flat" cmpd="sng" algn="ctr">
+                      <a:solidFill>
+                        <a:srgbClr val="00284E"/>
+                      </a:solidFill>
+                      <a:prstDash val="solid"/>
+                      <a:round/>
+                      <a:headEnd type="none" w="med" len="med"/>
+                      <a:tailEnd type="none" w="med" len="med"/>
+                    </a:lnB>
+                    <a:lnTlToBr w="12700" cmpd="sng">
+                      <a:noFill/>
+                      <a:prstDash val="solid"/>
+                    </a:lnTlToBr>
+                    <a:lnBlToTr w="12700" cmpd="sng">
+                      <a:noFill/>
+                      <a:prstDash val="solid"/>
+                    </a:lnBlToTr>
+                    <a:solidFill>
+                      <a:srgbClr val="FFFFFF">
+                        <a:lumMod val="95000"/>
+                      </a:srgbClr>
+                    </a:solidFill>
+                  </a:tcPr>
+                </a:tc>
+                <a:tc>
+                  <a:txBody>
+                    <a:bodyPr/>
+                    <a:lstStyle>
+                      <a:lvl1pPr marL="0" algn="l" defTabSz="914400" rtl="0" eaLnBrk="1" latinLnBrk="0" hangingPunct="1">
+                        <a:defRPr sz="1800" kern="1200">
+                          <a:solidFill>
+                            <a:schemeClr val="tx1"/>
+                          </a:solidFill>
+                          <a:latin typeface="Arial"/>
+                        </a:defRPr>
+                      </a:lvl1pPr>
+                      <a:lvl2pPr marL="457200" algn="l" defTabSz="914400" rtl="0" eaLnBrk="1" latinLnBrk="0" hangingPunct="1">
+                        <a:defRPr sz="1800" kern="1200">
+                          <a:solidFill>
+                            <a:schemeClr val="tx1"/>
+                          </a:solidFill>
+                          <a:latin typeface="Arial"/>
+                        </a:defRPr>
+                      </a:lvl2pPr>
+                      <a:lvl3pPr marL="914400" algn="l" defTabSz="914400" rtl="0" eaLnBrk="1" latinLnBrk="0" hangingPunct="1">
+                        <a:defRPr sz="1800" kern="1200">
+                          <a:solidFill>
+                            <a:schemeClr val="tx1"/>
+                          </a:solidFill>
+                          <a:latin typeface="Arial"/>
+                        </a:defRPr>
+                      </a:lvl3pPr>
+                      <a:lvl4pPr marL="1371600" algn="l" defTabSz="914400" rtl="0" eaLnBrk="1" latinLnBrk="0" hangingPunct="1">
+                        <a:defRPr sz="1800" kern="1200">
+                          <a:solidFill>
+                            <a:schemeClr val="tx1"/>
+                          </a:solidFill>
+                          <a:latin typeface="Arial"/>
+                        </a:defRPr>
+                      </a:lvl4pPr>
+                      <a:lvl5pPr marL="1828800" algn="l" defTabSz="914400" rtl="0" eaLnBrk="1" latinLnBrk="0" hangingPunct="1">
+                        <a:defRPr sz="1800" kern="1200">
+                          <a:solidFill>
+                            <a:schemeClr val="tx1"/>
+                          </a:solidFill>
+                          <a:latin typeface="Arial"/>
+                        </a:defRPr>
+                      </a:lvl5pPr>
+                      <a:lvl6pPr marL="2286000" algn="l" defTabSz="914400" rtl="0" eaLnBrk="1" latinLnBrk="0" hangingPunct="1">
+                        <a:defRPr sz="1800" kern="1200">
+                          <a:solidFill>
+                            <a:schemeClr val="tx1"/>
+                          </a:solidFill>
+                          <a:latin typeface="Arial"/>
+                        </a:defRPr>
+                      </a:lvl6pPr>
+                      <a:lvl7pPr marL="2743200" algn="l" defTabSz="914400" rtl="0" eaLnBrk="1" latinLnBrk="0" hangingPunct="1">
+                        <a:defRPr sz="1800" kern="1200">
+                          <a:solidFill>
+                            <a:schemeClr val="tx1"/>
+                          </a:solidFill>
+                          <a:latin typeface="Arial"/>
+                        </a:defRPr>
+                      </a:lvl7pPr>
+                      <a:lvl8pPr marL="3200400" algn="l" defTabSz="914400" rtl="0" eaLnBrk="1" latinLnBrk="0" hangingPunct="1">
+                        <a:defRPr sz="1800" kern="1200">
+                          <a:solidFill>
+                            <a:schemeClr val="tx1"/>
+                          </a:solidFill>
+                          <a:latin typeface="Arial"/>
+                        </a:defRPr>
+                      </a:lvl8pPr>
+                      <a:lvl9pPr marL="3657600" algn="l" defTabSz="914400" rtl="0" eaLnBrk="1" latinLnBrk="0" hangingPunct="1">
+                        <a:defRPr sz="1800" kern="1200">
+                          <a:solidFill>
+                            <a:schemeClr val="tx1"/>
+                          </a:solidFill>
+                          <a:latin typeface="Arial"/>
+                        </a:defRPr>
+                      </a:lvl9pPr>
+                    </a:lstStyle>
+                    <a:p>
+                      <a:pPr marL="0" marR="0" algn="ctr">
+                        <a:lnSpc>
+                          <a:spcPct val="200000"/>
+                        </a:lnSpc>
+                        <a:spcBef>
+                          <a:spcPts val="0"/>
+                        </a:spcBef>
+                        <a:spcAft>
+                          <a:spcPts val="0"/>
+                        </a:spcAft>
+                      </a:pPr>
+                      <a:r>
+                        <a:rPr lang="en-US" sz="1100" kern="100" dirty="0">
+                          <a:solidFill>
+                            <a:srgbClr val="3C4043"/>
+                          </a:solidFill>
+                          <a:effectLst/>
+                          <a:latin typeface="Roboto Mono" panose="00000009000000000000" pitchFamily="49" charset="0"/>
+                          <a:cs typeface="Arial" panose="020B0604020202020204" pitchFamily="34" charset="0"/>
+                        </a:rPr>
+                        <a:t>0.999999619497318</a:t>
+                      </a:r>
+                      <a:r>
+                        <a:rPr lang="en-US" sz="1100" kern="100" dirty="0">
+                          <a:effectLst/>
+                          <a:latin typeface="Calibri" panose="020F0502020204030204" pitchFamily="34" charset="0"/>
+                          <a:cs typeface="Arial" panose="020B0604020202020204" pitchFamily="34" charset="0"/>
+                        </a:rPr>
+                        <a:t> </a:t>
+                      </a:r>
+                      <a:r>
+                        <a:rPr lang="en-US" sz="1100" kern="100" dirty="0">
+                          <a:effectLst/>
+                          <a:latin typeface="Arial MT"/>
+                          <a:ea typeface="Arial MT"/>
+                          <a:cs typeface="Arial MT"/>
+                        </a:rPr>
+                        <a:t> </a:t>
+                      </a:r>
+                    </a:p>
+                  </a:txBody>
+                  <a:tcPr marL="68580" marR="68580" marT="0" marB="0">
+                    <a:lnL w="12700" cap="flat" cmpd="sng" algn="ctr">
+                      <a:solidFill>
+                        <a:srgbClr val="00284E"/>
+                      </a:solidFill>
+                      <a:prstDash val="solid"/>
+                      <a:round/>
+                      <a:headEnd type="none" w="med" len="med"/>
+                      <a:tailEnd type="none" w="med" len="med"/>
+                    </a:lnL>
+                    <a:lnR w="12700" cap="flat" cmpd="sng" algn="ctr">
+                      <a:solidFill>
+                        <a:srgbClr val="00284E"/>
+                      </a:solidFill>
+                      <a:prstDash val="solid"/>
+                      <a:round/>
+                      <a:headEnd type="none" w="med" len="med"/>
+                      <a:tailEnd type="none" w="med" len="med"/>
+                    </a:lnR>
+                    <a:lnT w="12700" cap="flat" cmpd="sng" algn="ctr">
+                      <a:solidFill>
+                        <a:srgbClr val="00284E"/>
+                      </a:solidFill>
+                      <a:prstDash val="solid"/>
+                      <a:round/>
+                      <a:headEnd type="none" w="med" len="med"/>
+                      <a:tailEnd type="none" w="med" len="med"/>
+                    </a:lnT>
+                    <a:lnB w="12700" cap="flat" cmpd="sng" algn="ctr">
+                      <a:solidFill>
+                        <a:srgbClr val="00284E"/>
+                      </a:solidFill>
+                      <a:prstDash val="solid"/>
+                      <a:round/>
+                      <a:headEnd type="none" w="med" len="med"/>
+                      <a:tailEnd type="none" w="med" len="med"/>
+                    </a:lnB>
+                    <a:lnTlToBr w="12700" cmpd="sng">
+                      <a:noFill/>
+                      <a:prstDash val="solid"/>
+                    </a:lnTlToBr>
+                    <a:lnBlToTr w="12700" cmpd="sng">
+                      <a:noFill/>
+                      <a:prstDash val="solid"/>
+                    </a:lnBlToTr>
+                    <a:solidFill>
+                      <a:srgbClr val="FFFFFF">
+                        <a:lumMod val="95000"/>
+                      </a:srgbClr>
+                    </a:solidFill>
+                  </a:tcPr>
+                </a:tc>
+                <a:tc>
+                  <a:txBody>
+                    <a:bodyPr/>
+                    <a:lstStyle>
+                      <a:lvl1pPr marL="0" algn="l" defTabSz="914400" rtl="0" eaLnBrk="1" latinLnBrk="0" hangingPunct="1">
+                        <a:defRPr sz="1800" kern="1200">
+                          <a:solidFill>
+                            <a:schemeClr val="tx1"/>
+                          </a:solidFill>
+                          <a:latin typeface="Arial"/>
+                        </a:defRPr>
+                      </a:lvl1pPr>
+                      <a:lvl2pPr marL="457200" algn="l" defTabSz="914400" rtl="0" eaLnBrk="1" latinLnBrk="0" hangingPunct="1">
+                        <a:defRPr sz="1800" kern="1200">
+                          <a:solidFill>
+                            <a:schemeClr val="tx1"/>
+                          </a:solidFill>
+                          <a:latin typeface="Arial"/>
+                        </a:defRPr>
+                      </a:lvl2pPr>
+                      <a:lvl3pPr marL="914400" algn="l" defTabSz="914400" rtl="0" eaLnBrk="1" latinLnBrk="0" hangingPunct="1">
+                        <a:defRPr sz="1800" kern="1200">
+                          <a:solidFill>
+                            <a:schemeClr val="tx1"/>
+                          </a:solidFill>
+                          <a:latin typeface="Arial"/>
+                        </a:defRPr>
+                      </a:lvl3pPr>
+                      <a:lvl4pPr marL="1371600" algn="l" defTabSz="914400" rtl="0" eaLnBrk="1" latinLnBrk="0" hangingPunct="1">
+                        <a:defRPr sz="1800" kern="1200">
+                          <a:solidFill>
+                            <a:schemeClr val="tx1"/>
+                          </a:solidFill>
+                          <a:latin typeface="Arial"/>
+                        </a:defRPr>
+                      </a:lvl4pPr>
+                      <a:lvl5pPr marL="1828800" algn="l" defTabSz="914400" rtl="0" eaLnBrk="1" latinLnBrk="0" hangingPunct="1">
+                        <a:defRPr sz="1800" kern="1200">
+                          <a:solidFill>
+                            <a:schemeClr val="tx1"/>
+                          </a:solidFill>
+                          <a:latin typeface="Arial"/>
+                        </a:defRPr>
+                      </a:lvl5pPr>
+                      <a:lvl6pPr marL="2286000" algn="l" defTabSz="914400" rtl="0" eaLnBrk="1" latinLnBrk="0" hangingPunct="1">
+                        <a:defRPr sz="1800" kern="1200">
+                          <a:solidFill>
+                            <a:schemeClr val="tx1"/>
+                          </a:solidFill>
+                          <a:latin typeface="Arial"/>
+                        </a:defRPr>
+                      </a:lvl6pPr>
+                      <a:lvl7pPr marL="2743200" algn="l" defTabSz="914400" rtl="0" eaLnBrk="1" latinLnBrk="0" hangingPunct="1">
+                        <a:defRPr sz="1800" kern="1200">
+                          <a:solidFill>
+                            <a:schemeClr val="tx1"/>
+                          </a:solidFill>
+                          <a:latin typeface="Arial"/>
+                        </a:defRPr>
+                      </a:lvl7pPr>
+                      <a:lvl8pPr marL="3200400" algn="l" defTabSz="914400" rtl="0" eaLnBrk="1" latinLnBrk="0" hangingPunct="1">
+                        <a:defRPr sz="1800" kern="1200">
+                          <a:solidFill>
+                            <a:schemeClr val="tx1"/>
+                          </a:solidFill>
+                          <a:latin typeface="Arial"/>
+                        </a:defRPr>
+                      </a:lvl8pPr>
+                      <a:lvl9pPr marL="3657600" algn="l" defTabSz="914400" rtl="0" eaLnBrk="1" latinLnBrk="0" hangingPunct="1">
+                        <a:defRPr sz="1800" kern="1200">
+                          <a:solidFill>
+                            <a:schemeClr val="tx1"/>
+                          </a:solidFill>
+                          <a:latin typeface="Arial"/>
+                        </a:defRPr>
+                      </a:lvl9pPr>
+                    </a:lstStyle>
+                    <a:p>
+                      <a:pPr marL="0" marR="0" algn="ctr">
+                        <a:lnSpc>
+                          <a:spcPct val="200000"/>
+                        </a:lnSpc>
+                        <a:spcBef>
+                          <a:spcPts val="0"/>
+                        </a:spcBef>
+                        <a:spcAft>
+                          <a:spcPts val="0"/>
+                        </a:spcAft>
+                      </a:pPr>
+                      <a:r>
+                        <a:rPr lang="en-US" sz="1100" kern="100" dirty="0">
+                          <a:effectLst/>
+                          <a:latin typeface="Arial MT"/>
+                          <a:ea typeface="Arial MT"/>
+                          <a:cs typeface="Arial MT"/>
+                        </a:rPr>
+                        <a:t>0.9999996194973179</a:t>
+                      </a:r>
+                    </a:p>
+                  </a:txBody>
+                  <a:tcPr marL="68580" marR="68580" marT="0" marB="0">
+                    <a:lnL w="12700" cap="flat" cmpd="sng" algn="ctr">
+                      <a:solidFill>
+                        <a:srgbClr val="00284E"/>
+                      </a:solidFill>
+                      <a:prstDash val="solid"/>
+                      <a:round/>
+                      <a:headEnd type="none" w="med" len="med"/>
+                      <a:tailEnd type="none" w="med" len="med"/>
+                    </a:lnL>
+                    <a:lnR w="12700" cap="flat" cmpd="sng" algn="ctr">
+                      <a:solidFill>
+                        <a:srgbClr val="00284E"/>
+                      </a:solidFill>
+                      <a:prstDash val="solid"/>
+                      <a:round/>
+                      <a:headEnd type="none" w="med" len="med"/>
+                      <a:tailEnd type="none" w="med" len="med"/>
+                    </a:lnR>
+                    <a:lnT w="12700" cap="flat" cmpd="sng" algn="ctr">
+                      <a:solidFill>
+                        <a:srgbClr val="00284E"/>
+                      </a:solidFill>
+                      <a:prstDash val="solid"/>
+                      <a:round/>
+                      <a:headEnd type="none" w="med" len="med"/>
+                      <a:tailEnd type="none" w="med" len="med"/>
+                    </a:lnT>
+                    <a:lnB w="12700" cap="flat" cmpd="sng" algn="ctr">
+                      <a:solidFill>
+                        <a:srgbClr val="00284E"/>
+                      </a:solidFill>
+                      <a:prstDash val="solid"/>
+                      <a:round/>
+                      <a:headEnd type="none" w="med" len="med"/>
+                      <a:tailEnd type="none" w="med" len="med"/>
+                    </a:lnB>
+                    <a:lnTlToBr w="12700" cmpd="sng">
+                      <a:noFill/>
+                      <a:prstDash val="solid"/>
+                    </a:lnTlToBr>
+                    <a:lnBlToTr w="12700" cmpd="sng">
+                      <a:noFill/>
+                      <a:prstDash val="solid"/>
+                    </a:lnBlToTr>
+                    <a:solidFill>
+                      <a:srgbClr val="FFFFFF">
+                        <a:lumMod val="95000"/>
+                      </a:srgbClr>
+                    </a:solidFill>
+                  </a:tcPr>
+                </a:tc>
+                <a:extLst>
+                  <a:ext uri="{0D108BD9-81ED-4DB2-BD59-A6C34878D82A}">
+                    <a16:rowId xmlns:a16="http://schemas.microsoft.com/office/drawing/2014/main" val="3704049193"/>
+                  </a:ext>
+                </a:extLst>
+              </a:tr>
+              <a:tr h="690732">
+                <a:tc>
+                  <a:txBody>
+                    <a:bodyPr/>
+                    <a:lstStyle>
+                      <a:lvl1pPr marL="0" algn="l" defTabSz="914400" rtl="0" eaLnBrk="1" latinLnBrk="0" hangingPunct="1">
+                        <a:defRPr sz="1800" kern="1200">
+                          <a:solidFill>
+                            <a:schemeClr val="tx1"/>
+                          </a:solidFill>
+                          <a:latin typeface="Arial"/>
+                        </a:defRPr>
+                      </a:lvl1pPr>
+                      <a:lvl2pPr marL="457200" algn="l" defTabSz="914400" rtl="0" eaLnBrk="1" latinLnBrk="0" hangingPunct="1">
+                        <a:defRPr sz="1800" kern="1200">
+                          <a:solidFill>
+                            <a:schemeClr val="tx1"/>
+                          </a:solidFill>
+                          <a:latin typeface="Arial"/>
+                        </a:defRPr>
+                      </a:lvl2pPr>
+                      <a:lvl3pPr marL="914400" algn="l" defTabSz="914400" rtl="0" eaLnBrk="1" latinLnBrk="0" hangingPunct="1">
+                        <a:defRPr sz="1800" kern="1200">
+                          <a:solidFill>
+                            <a:schemeClr val="tx1"/>
+                          </a:solidFill>
+                          <a:latin typeface="Arial"/>
+                        </a:defRPr>
+                      </a:lvl3pPr>
+                      <a:lvl4pPr marL="1371600" algn="l" defTabSz="914400" rtl="0" eaLnBrk="1" latinLnBrk="0" hangingPunct="1">
+                        <a:defRPr sz="1800" kern="1200">
+                          <a:solidFill>
+                            <a:schemeClr val="tx1"/>
+                          </a:solidFill>
+                          <a:latin typeface="Arial"/>
+                        </a:defRPr>
+                      </a:lvl4pPr>
+                      <a:lvl5pPr marL="1828800" algn="l" defTabSz="914400" rtl="0" eaLnBrk="1" latinLnBrk="0" hangingPunct="1">
+                        <a:defRPr sz="1800" kern="1200">
+                          <a:solidFill>
+                            <a:schemeClr val="tx1"/>
+                          </a:solidFill>
+                          <a:latin typeface="Arial"/>
+                        </a:defRPr>
+                      </a:lvl5pPr>
+                      <a:lvl6pPr marL="2286000" algn="l" defTabSz="914400" rtl="0" eaLnBrk="1" latinLnBrk="0" hangingPunct="1">
+                        <a:defRPr sz="1800" kern="1200">
+                          <a:solidFill>
+                            <a:schemeClr val="tx1"/>
+                          </a:solidFill>
+                          <a:latin typeface="Arial"/>
+                        </a:defRPr>
+                      </a:lvl6pPr>
+                      <a:lvl7pPr marL="2743200" algn="l" defTabSz="914400" rtl="0" eaLnBrk="1" latinLnBrk="0" hangingPunct="1">
+                        <a:defRPr sz="1800" kern="1200">
+                          <a:solidFill>
+                            <a:schemeClr val="tx1"/>
+                          </a:solidFill>
+                          <a:latin typeface="Arial"/>
+                        </a:defRPr>
+                      </a:lvl7pPr>
+                      <a:lvl8pPr marL="3200400" algn="l" defTabSz="914400" rtl="0" eaLnBrk="1" latinLnBrk="0" hangingPunct="1">
+                        <a:defRPr sz="1800" kern="1200">
+                          <a:solidFill>
+                            <a:schemeClr val="tx1"/>
+                          </a:solidFill>
+                          <a:latin typeface="Arial"/>
+                        </a:defRPr>
+                      </a:lvl8pPr>
+                      <a:lvl9pPr marL="3657600" algn="l" defTabSz="914400" rtl="0" eaLnBrk="1" latinLnBrk="0" hangingPunct="1">
+                        <a:defRPr sz="1800" kern="1200">
+                          <a:solidFill>
+                            <a:schemeClr val="tx1"/>
+                          </a:solidFill>
+                          <a:latin typeface="Arial"/>
+                        </a:defRPr>
+                      </a:lvl9pPr>
+                    </a:lstStyle>
+                    <a:p>
+                      <a:pPr marL="0" marR="0" algn="ctr">
+                        <a:lnSpc>
+                          <a:spcPct val="200000"/>
+                        </a:lnSpc>
+                        <a:spcBef>
+                          <a:spcPts val="0"/>
+                        </a:spcBef>
+                        <a:spcAft>
+                          <a:spcPts val="0"/>
+                        </a:spcAft>
+                      </a:pPr>
+                      <a:r>
+                        <a:rPr lang="en-US" sz="1100" kern="100" dirty="0">
+                          <a:effectLst/>
+                          <a:latin typeface="Arial MT"/>
+                          <a:ea typeface="Arial MT"/>
+                          <a:cs typeface="Arial MT"/>
+                        </a:rPr>
+                        <a:t>Lasso Regression</a:t>
+                      </a:r>
+                    </a:p>
+                  </a:txBody>
+                  <a:tcPr marL="68580" marR="68580" marT="0" marB="0">
+                    <a:lnL w="12700" cap="flat" cmpd="sng" algn="ctr">
+                      <a:solidFill>
+                        <a:srgbClr val="00284E"/>
+                      </a:solidFill>
+                      <a:prstDash val="solid"/>
+                      <a:round/>
+                      <a:headEnd type="none" w="med" len="med"/>
+                      <a:tailEnd type="none" w="med" len="med"/>
+                    </a:lnL>
+                    <a:lnR w="12700" cap="flat" cmpd="sng" algn="ctr">
+                      <a:solidFill>
+                        <a:srgbClr val="00284E"/>
+                      </a:solidFill>
+                      <a:prstDash val="solid"/>
+                      <a:round/>
+                      <a:headEnd type="none" w="med" len="med"/>
+                      <a:tailEnd type="none" w="med" len="med"/>
+                    </a:lnR>
+                    <a:lnT w="12700" cap="flat" cmpd="sng" algn="ctr">
+                      <a:solidFill>
+                        <a:srgbClr val="00284E"/>
+                      </a:solidFill>
+                      <a:prstDash val="solid"/>
+                      <a:round/>
+                      <a:headEnd type="none" w="med" len="med"/>
+                      <a:tailEnd type="none" w="med" len="med"/>
+                    </a:lnT>
+                    <a:lnB w="12700" cap="flat" cmpd="sng" algn="ctr">
+                      <a:solidFill>
+                        <a:srgbClr val="00284E"/>
+                      </a:solidFill>
+                      <a:prstDash val="solid"/>
+                      <a:round/>
+                      <a:headEnd type="none" w="med" len="med"/>
+                      <a:tailEnd type="none" w="med" len="med"/>
+                    </a:lnB>
+                    <a:lnTlToBr w="12700" cmpd="sng">
+                      <a:noFill/>
+                      <a:prstDash val="solid"/>
+                    </a:lnTlToBr>
+                    <a:lnBlToTr w="12700" cmpd="sng">
+                      <a:noFill/>
+                      <a:prstDash val="solid"/>
+                    </a:lnBlToTr>
+                    <a:solidFill>
+                      <a:srgbClr val="FFFFFF">
+                        <a:lumMod val="95000"/>
+                      </a:srgbClr>
+                    </a:solidFill>
+                  </a:tcPr>
+                </a:tc>
+                <a:tc>
+                  <a:txBody>
+                    <a:bodyPr/>
+                    <a:lstStyle>
+                      <a:lvl1pPr marL="0" algn="l" defTabSz="914400" rtl="0" eaLnBrk="1" latinLnBrk="0" hangingPunct="1">
+                        <a:defRPr sz="1800" kern="1200">
+                          <a:solidFill>
+                            <a:schemeClr val="tx1"/>
+                          </a:solidFill>
+                          <a:latin typeface="Arial"/>
+                        </a:defRPr>
+                      </a:lvl1pPr>
+                      <a:lvl2pPr marL="457200" algn="l" defTabSz="914400" rtl="0" eaLnBrk="1" latinLnBrk="0" hangingPunct="1">
+                        <a:defRPr sz="1800" kern="1200">
+                          <a:solidFill>
+                            <a:schemeClr val="tx1"/>
+                          </a:solidFill>
+                          <a:latin typeface="Arial"/>
+                        </a:defRPr>
+                      </a:lvl2pPr>
+                      <a:lvl3pPr marL="914400" algn="l" defTabSz="914400" rtl="0" eaLnBrk="1" latinLnBrk="0" hangingPunct="1">
+                        <a:defRPr sz="1800" kern="1200">
+                          <a:solidFill>
+                            <a:schemeClr val="tx1"/>
+                          </a:solidFill>
+                          <a:latin typeface="Arial"/>
+                        </a:defRPr>
+                      </a:lvl3pPr>
+                      <a:lvl4pPr marL="1371600" algn="l" defTabSz="914400" rtl="0" eaLnBrk="1" latinLnBrk="0" hangingPunct="1">
+                        <a:defRPr sz="1800" kern="1200">
+                          <a:solidFill>
+                            <a:schemeClr val="tx1"/>
+                          </a:solidFill>
+                          <a:latin typeface="Arial"/>
+                        </a:defRPr>
+                      </a:lvl4pPr>
+                      <a:lvl5pPr marL="1828800" algn="l" defTabSz="914400" rtl="0" eaLnBrk="1" latinLnBrk="0" hangingPunct="1">
+                        <a:defRPr sz="1800" kern="1200">
+                          <a:solidFill>
+                            <a:schemeClr val="tx1"/>
+                          </a:solidFill>
+                          <a:latin typeface="Arial"/>
+                        </a:defRPr>
+                      </a:lvl5pPr>
+                      <a:lvl6pPr marL="2286000" algn="l" defTabSz="914400" rtl="0" eaLnBrk="1" latinLnBrk="0" hangingPunct="1">
+                        <a:defRPr sz="1800" kern="1200">
+                          <a:solidFill>
+                            <a:schemeClr val="tx1"/>
+                          </a:solidFill>
+                          <a:latin typeface="Arial"/>
+                        </a:defRPr>
+                      </a:lvl6pPr>
+                      <a:lvl7pPr marL="2743200" algn="l" defTabSz="914400" rtl="0" eaLnBrk="1" latinLnBrk="0" hangingPunct="1">
+                        <a:defRPr sz="1800" kern="1200">
+                          <a:solidFill>
+                            <a:schemeClr val="tx1"/>
+                          </a:solidFill>
+                          <a:latin typeface="Arial"/>
+                        </a:defRPr>
+                      </a:lvl7pPr>
+                      <a:lvl8pPr marL="3200400" algn="l" defTabSz="914400" rtl="0" eaLnBrk="1" latinLnBrk="0" hangingPunct="1">
+                        <a:defRPr sz="1800" kern="1200">
+                          <a:solidFill>
+                            <a:schemeClr val="tx1"/>
+                          </a:solidFill>
+                          <a:latin typeface="Arial"/>
+                        </a:defRPr>
+                      </a:lvl8pPr>
+                      <a:lvl9pPr marL="3657600" algn="l" defTabSz="914400" rtl="0" eaLnBrk="1" latinLnBrk="0" hangingPunct="1">
+                        <a:defRPr sz="1800" kern="1200">
+                          <a:solidFill>
+                            <a:schemeClr val="tx1"/>
+                          </a:solidFill>
+                          <a:latin typeface="Arial"/>
+                        </a:defRPr>
+                      </a:lvl9pPr>
+                    </a:lstStyle>
+                    <a:p>
+                      <a:pPr marL="0" marR="0" algn="ctr">
+                        <a:lnSpc>
+                          <a:spcPct val="200000"/>
+                        </a:lnSpc>
+                        <a:spcBef>
+                          <a:spcPts val="0"/>
+                        </a:spcBef>
+                        <a:spcAft>
+                          <a:spcPts val="0"/>
+                        </a:spcAft>
+                      </a:pPr>
+                      <a:r>
+                        <a:rPr lang="en-US" sz="1100" kern="100" dirty="0">
+                          <a:effectLst/>
+                          <a:latin typeface="Arial MT"/>
+                          <a:ea typeface="Arial MT"/>
+                          <a:cs typeface="Arial MT"/>
+                        </a:rPr>
+                        <a:t>0.9999857184368104</a:t>
+                      </a:r>
+                    </a:p>
+                  </a:txBody>
+                  <a:tcPr marL="68580" marR="68580" marT="0" marB="0">
+                    <a:lnL w="12700" cap="flat" cmpd="sng" algn="ctr">
+                      <a:solidFill>
+                        <a:srgbClr val="00284E"/>
+                      </a:solidFill>
+                      <a:prstDash val="solid"/>
+                      <a:round/>
+                      <a:headEnd type="none" w="med" len="med"/>
+                      <a:tailEnd type="none" w="med" len="med"/>
+                    </a:lnL>
+                    <a:lnR w="12700" cap="flat" cmpd="sng" algn="ctr">
+                      <a:solidFill>
+                        <a:srgbClr val="00284E"/>
+                      </a:solidFill>
+                      <a:prstDash val="solid"/>
+                      <a:round/>
+                      <a:headEnd type="none" w="med" len="med"/>
+                      <a:tailEnd type="none" w="med" len="med"/>
+                    </a:lnR>
+                    <a:lnT w="12700" cap="flat" cmpd="sng" algn="ctr">
+                      <a:solidFill>
+                        <a:srgbClr val="00284E"/>
+                      </a:solidFill>
+                      <a:prstDash val="solid"/>
+                      <a:round/>
+                      <a:headEnd type="none" w="med" len="med"/>
+                      <a:tailEnd type="none" w="med" len="med"/>
+                    </a:lnT>
+                    <a:lnB w="12700" cap="flat" cmpd="sng" algn="ctr">
+                      <a:solidFill>
+                        <a:srgbClr val="00284E"/>
+                      </a:solidFill>
+                      <a:prstDash val="solid"/>
+                      <a:round/>
+                      <a:headEnd type="none" w="med" len="med"/>
+                      <a:tailEnd type="none" w="med" len="med"/>
+                    </a:lnB>
+                    <a:lnTlToBr w="12700" cmpd="sng">
+                      <a:noFill/>
+                      <a:prstDash val="solid"/>
+                    </a:lnTlToBr>
+                    <a:lnBlToTr w="12700" cmpd="sng">
+                      <a:noFill/>
+                      <a:prstDash val="solid"/>
+                    </a:lnBlToTr>
+                    <a:solidFill>
+                      <a:srgbClr val="FFFFFF">
+                        <a:lumMod val="95000"/>
+                      </a:srgbClr>
+                    </a:solidFill>
+                  </a:tcPr>
+                </a:tc>
+                <a:tc>
+                  <a:txBody>
+                    <a:bodyPr/>
+                    <a:lstStyle>
+                      <a:lvl1pPr marL="0" algn="l" defTabSz="914400" rtl="0" eaLnBrk="1" latinLnBrk="0" hangingPunct="1">
+                        <a:defRPr sz="1800" kern="1200">
+                          <a:solidFill>
+                            <a:schemeClr val="tx1"/>
+                          </a:solidFill>
+                          <a:latin typeface="Arial"/>
+                        </a:defRPr>
+                      </a:lvl1pPr>
+                      <a:lvl2pPr marL="457200" algn="l" defTabSz="914400" rtl="0" eaLnBrk="1" latinLnBrk="0" hangingPunct="1">
+                        <a:defRPr sz="1800" kern="1200">
+                          <a:solidFill>
+                            <a:schemeClr val="tx1"/>
+                          </a:solidFill>
+                          <a:latin typeface="Arial"/>
+                        </a:defRPr>
+                      </a:lvl2pPr>
+                      <a:lvl3pPr marL="914400" algn="l" defTabSz="914400" rtl="0" eaLnBrk="1" latinLnBrk="0" hangingPunct="1">
+                        <a:defRPr sz="1800" kern="1200">
+                          <a:solidFill>
+                            <a:schemeClr val="tx1"/>
+                          </a:solidFill>
+                          <a:latin typeface="Arial"/>
+                        </a:defRPr>
+                      </a:lvl3pPr>
+                      <a:lvl4pPr marL="1371600" algn="l" defTabSz="914400" rtl="0" eaLnBrk="1" latinLnBrk="0" hangingPunct="1">
+                        <a:defRPr sz="1800" kern="1200">
+                          <a:solidFill>
+                            <a:schemeClr val="tx1"/>
+                          </a:solidFill>
+                          <a:latin typeface="Arial"/>
+                        </a:defRPr>
+                      </a:lvl4pPr>
+                      <a:lvl5pPr marL="1828800" algn="l" defTabSz="914400" rtl="0" eaLnBrk="1" latinLnBrk="0" hangingPunct="1">
+                        <a:defRPr sz="1800" kern="1200">
+                          <a:solidFill>
+                            <a:schemeClr val="tx1"/>
+                          </a:solidFill>
+                          <a:latin typeface="Arial"/>
+                        </a:defRPr>
+                      </a:lvl5pPr>
+                      <a:lvl6pPr marL="2286000" algn="l" defTabSz="914400" rtl="0" eaLnBrk="1" latinLnBrk="0" hangingPunct="1">
+                        <a:defRPr sz="1800" kern="1200">
+                          <a:solidFill>
+                            <a:schemeClr val="tx1"/>
+                          </a:solidFill>
+                          <a:latin typeface="Arial"/>
+                        </a:defRPr>
+                      </a:lvl6pPr>
+                      <a:lvl7pPr marL="2743200" algn="l" defTabSz="914400" rtl="0" eaLnBrk="1" latinLnBrk="0" hangingPunct="1">
+                        <a:defRPr sz="1800" kern="1200">
+                          <a:solidFill>
+                            <a:schemeClr val="tx1"/>
+                          </a:solidFill>
+                          <a:latin typeface="Arial"/>
+                        </a:defRPr>
+                      </a:lvl7pPr>
+                      <a:lvl8pPr marL="3200400" algn="l" defTabSz="914400" rtl="0" eaLnBrk="1" latinLnBrk="0" hangingPunct="1">
+                        <a:defRPr sz="1800" kern="1200">
+                          <a:solidFill>
+                            <a:schemeClr val="tx1"/>
+                          </a:solidFill>
+                          <a:latin typeface="Arial"/>
+                        </a:defRPr>
+                      </a:lvl8pPr>
+                      <a:lvl9pPr marL="3657600" algn="l" defTabSz="914400" rtl="0" eaLnBrk="1" latinLnBrk="0" hangingPunct="1">
+                        <a:defRPr sz="1800" kern="1200">
+                          <a:solidFill>
+                            <a:schemeClr val="tx1"/>
+                          </a:solidFill>
+                          <a:latin typeface="Arial"/>
+                        </a:defRPr>
+                      </a:lvl9pPr>
+                    </a:lstStyle>
+                    <a:p>
+                      <a:pPr marL="0" marR="0" lvl="0" indent="0" algn="ctr" defTabSz="914400" rtl="0" eaLnBrk="1" fontAlgn="auto" latinLnBrk="0" hangingPunct="1">
+                        <a:lnSpc>
+                          <a:spcPct val="200000"/>
+                        </a:lnSpc>
+                        <a:spcBef>
+                          <a:spcPts val="0"/>
+                        </a:spcBef>
+                        <a:spcAft>
+                          <a:spcPts val="0"/>
+                        </a:spcAft>
+                        <a:buClrTx/>
+                        <a:buSzTx/>
+                        <a:buFontTx/>
+                        <a:buNone/>
+                        <a:tabLst/>
+                        <a:defRPr/>
+                      </a:pPr>
+                      <a:r>
+                        <a:rPr lang="en-US" sz="1100" kern="100" dirty="0">
+                          <a:effectLst/>
+                          <a:latin typeface="Arial MT"/>
+                          <a:ea typeface="Arial MT"/>
+                          <a:cs typeface="Arial MT"/>
+                        </a:rPr>
+                        <a:t>0.9999857184368104</a:t>
+                      </a:r>
+                    </a:p>
+                    <a:p>
+                      <a:pPr marL="0" marR="0" algn="ctr">
+                        <a:lnSpc>
+                          <a:spcPct val="200000"/>
+                        </a:lnSpc>
+                        <a:spcBef>
+                          <a:spcPts val="0"/>
+                        </a:spcBef>
+                        <a:spcAft>
+                          <a:spcPts val="0"/>
+                        </a:spcAft>
+                      </a:pPr>
+                      <a:endParaRPr lang="en-US" sz="1100" kern="100" dirty="0">
+                        <a:effectLst/>
+                        <a:latin typeface="Arial MT"/>
+                        <a:ea typeface="Arial MT"/>
+                        <a:cs typeface="Arial MT"/>
+                      </a:endParaRPr>
+                    </a:p>
+                  </a:txBody>
+                  <a:tcPr marL="68580" marR="68580" marT="0" marB="0">
+                    <a:lnL w="12700" cap="flat" cmpd="sng" algn="ctr">
+                      <a:solidFill>
+                        <a:srgbClr val="00284E"/>
+                      </a:solidFill>
+                      <a:prstDash val="solid"/>
+                      <a:round/>
+                      <a:headEnd type="none" w="med" len="med"/>
+                      <a:tailEnd type="none" w="med" len="med"/>
+                    </a:lnL>
+                    <a:lnR w="12700" cap="flat" cmpd="sng" algn="ctr">
+                      <a:solidFill>
+                        <a:srgbClr val="00284E"/>
+                      </a:solidFill>
+                      <a:prstDash val="solid"/>
+                      <a:round/>
+                      <a:headEnd type="none" w="med" len="med"/>
+                      <a:tailEnd type="none" w="med" len="med"/>
+                    </a:lnR>
+                    <a:lnT w="12700" cap="flat" cmpd="sng" algn="ctr">
+                      <a:solidFill>
+                        <a:srgbClr val="00284E"/>
+                      </a:solidFill>
+                      <a:prstDash val="solid"/>
+                      <a:round/>
+                      <a:headEnd type="none" w="med" len="med"/>
+                      <a:tailEnd type="none" w="med" len="med"/>
+                    </a:lnT>
+                    <a:lnB w="12700" cap="flat" cmpd="sng" algn="ctr">
+                      <a:solidFill>
+                        <a:srgbClr val="00284E"/>
+                      </a:solidFill>
+                      <a:prstDash val="solid"/>
+                      <a:round/>
+                      <a:headEnd type="none" w="med" len="med"/>
+                      <a:tailEnd type="none" w="med" len="med"/>
+                    </a:lnB>
+                    <a:lnTlToBr w="12700" cmpd="sng">
+                      <a:noFill/>
+                      <a:prstDash val="solid"/>
+                    </a:lnTlToBr>
+                    <a:lnBlToTr w="12700" cmpd="sng">
+                      <a:noFill/>
+                      <a:prstDash val="solid"/>
+                    </a:lnBlToTr>
+                    <a:solidFill>
+                      <a:srgbClr val="FFFFFF">
+                        <a:lumMod val="95000"/>
+                      </a:srgbClr>
+                    </a:solidFill>
+                  </a:tcPr>
+                </a:tc>
+                <a:extLst>
+                  <a:ext uri="{0D108BD9-81ED-4DB2-BD59-A6C34878D82A}">
+                    <a16:rowId xmlns:a16="http://schemas.microsoft.com/office/drawing/2014/main" val="1021747597"/>
+                  </a:ext>
+                </a:extLst>
+              </a:tr>
+            </a:tbl>
+          </a:graphicData>
+        </a:graphic>
+      </p:graphicFrame>
     </p:spTree>
     <p:extLst>
       <p:ext uri="{BB962C8B-B14F-4D97-AF65-F5344CB8AC3E}">
-        <p14:creationId xmlns:p14="http://schemas.microsoft.com/office/powerpoint/2010/main" val="2944776331"/>
+        <p14:creationId xmlns:p14="http://schemas.microsoft.com/office/powerpoint/2010/main" val="2133798635"/>
       </p:ext>
     </p:extLst>
   </p:cSld>
@@ -14884,7 +18373,7 @@
           <a:p>
             <a:r>
               <a:rPr lang="en-US" sz="2400" b="1" dirty="0"/>
-              <a:t>Conclusion</a:t>
+              <a:t>System Validation</a:t>
             </a:r>
           </a:p>
           <a:p>
@@ -14926,10 +18415,10 @@
       </p:sp>
       <p:sp>
         <p:nvSpPr>
-          <p:cNvPr id="2" name="TextBox 1">
+          <p:cNvPr id="11" name="TextBox 10">
             <a:extLst>
               <a:ext uri="{FF2B5EF4-FFF2-40B4-BE49-F238E27FC236}">
-                <a16:creationId xmlns:a16="http://schemas.microsoft.com/office/drawing/2014/main" id="{6571B1EE-C7C0-8A09-873D-427B8DBF46FB}"/>
+                <a16:creationId xmlns:a16="http://schemas.microsoft.com/office/drawing/2014/main" id="{F931FF98-627B-63F0-8483-BF42D97C2C0A}"/>
               </a:ext>
             </a:extLst>
           </p:cNvPr>
@@ -14938,8 +18427,8 @@
         </p:nvSpPr>
         <p:spPr>
           <a:xfrm>
-            <a:off x="499499" y="1374591"/>
-            <a:ext cx="8005308" cy="4108817"/>
+            <a:off x="426739" y="1222318"/>
+            <a:ext cx="7453238" cy="1711366"/>
           </a:xfrm>
           <a:prstGeom prst="rect">
             <a:avLst/>
@@ -14952,7 +18441,7 @@
           </a:bodyPr>
           <a:lstStyle/>
           <a:p>
-            <a:pPr marL="285750" indent="-285750" algn="just">
+            <a:pPr marL="285750" indent="-285750">
               <a:lnSpc>
                 <a:spcPct val="150000"/>
               </a:lnSpc>
@@ -14961,62 +18450,15 @@
             </a:pPr>
             <a:r>
               <a:rPr lang="en-US" dirty="0"/>
-              <a:t>These findings highlight the potential of machine learning algorithms in aiding our understanding of sea level rise and its impacts. </a:t>
-            </a:r>
-          </a:p>
-          <a:p>
-            <a:pPr marL="285750" indent="-285750" algn="just">
-              <a:lnSpc>
-                <a:spcPct val="150000"/>
-              </a:lnSpc>
-              <a:buFont typeface="Arial" panose="020B0604020202020204" pitchFamily="34" charset="0"/>
-              <a:buChar char="•"/>
-            </a:pPr>
-            <a:endParaRPr lang="en-US" dirty="0"/>
-          </a:p>
-          <a:p>
-            <a:pPr marL="285750" indent="-285750" algn="just">
-              <a:lnSpc>
-                <a:spcPct val="150000"/>
-              </a:lnSpc>
-              <a:buFont typeface="Arial" panose="020B0604020202020204" pitchFamily="34" charset="0"/>
-              <a:buChar char="•"/>
-            </a:pPr>
-            <a:r>
-              <a:rPr lang="en-US" dirty="0"/>
-              <a:t>The accurate prediction of sea level changes can contribute to informed decision-making and help in formulating effective adaptation and mitigation strategies.</a:t>
-            </a:r>
-          </a:p>
-          <a:p>
-            <a:pPr algn="just">
-              <a:lnSpc>
-                <a:spcPct val="150000"/>
-              </a:lnSpc>
-            </a:pPr>
-            <a:endParaRPr lang="en-US" dirty="0"/>
-          </a:p>
-          <a:p>
-            <a:pPr marL="285750" indent="-285750" algn="just">
-              <a:lnSpc>
-                <a:spcPct val="150000"/>
-              </a:lnSpc>
-              <a:buFont typeface="Arial" panose="020B0604020202020204" pitchFamily="34" charset="0"/>
-              <a:buChar char="•"/>
-            </a:pPr>
-            <a:r>
-              <a:rPr lang="en-US" dirty="0"/>
-              <a:t>We also made a Desktop application To help user to input his dataset and apply those algorithms on it.</a:t>
-            </a:r>
-          </a:p>
-          <a:p>
-            <a:endParaRPr lang="en-US" dirty="0"/>
+              <a:t>The r2 score of the model and the desktop application are close to each other for each algorithm, that indicates that our system shows reliable performance as the predictions generated by the application are consistent with the model's performance, reinforcing the reliability of the system.</a:t>
+            </a:r>
           </a:p>
         </p:txBody>
       </p:sp>
     </p:spTree>
     <p:extLst>
       <p:ext uri="{BB962C8B-B14F-4D97-AF65-F5344CB8AC3E}">
-        <p14:creationId xmlns:p14="http://schemas.microsoft.com/office/powerpoint/2010/main" val="462232166"/>
+        <p14:creationId xmlns:p14="http://schemas.microsoft.com/office/powerpoint/2010/main" val="3137000546"/>
       </p:ext>
     </p:extLst>
   </p:cSld>
@@ -15065,7 +18507,7 @@
         </p:blipFill>
         <p:spPr>
           <a:xfrm>
-            <a:off x="12609" y="6785"/>
+            <a:off x="0" y="6785"/>
             <a:ext cx="12192000" cy="6844430"/>
           </a:xfrm>
           <a:prstGeom prst="rect">
@@ -15127,7 +18569,7 @@
           <a:p>
             <a:r>
               <a:rPr lang="en-US" sz="2400" b="1" dirty="0"/>
-              <a:t>References</a:t>
+              <a:t>Conclusion</a:t>
             </a:r>
           </a:p>
           <a:p>
@@ -15181,8 +18623,8 @@
         </p:nvSpPr>
         <p:spPr>
           <a:xfrm>
-            <a:off x="357456" y="1019484"/>
-            <a:ext cx="8005308" cy="5039841"/>
+            <a:off x="419750" y="1159260"/>
+            <a:ext cx="7608371" cy="4524315"/>
           </a:xfrm>
           <a:prstGeom prst="rect">
             <a:avLst/>
@@ -15195,248 +18637,69 @@
           </a:bodyPr>
           <a:lstStyle/>
           <a:p>
-            <a:pPr marL="342900" marR="0" lvl="0" indent="-342900" algn="just" rtl="0">
+            <a:pPr marL="342900" indent="-342900" algn="just">
               <a:lnSpc>
                 <a:spcPct val="150000"/>
               </a:lnSpc>
-              <a:spcBef>
-                <a:spcPts val="0"/>
-              </a:spcBef>
-              <a:spcAft>
-                <a:spcPts val="0"/>
-              </a:spcAft>
-              <a:buFont typeface="+mj-lt"/>
-              <a:buAutoNum type="arabicPeriod"/>
+              <a:buFont typeface="Arial" panose="020B0604020202020204" pitchFamily="34" charset="0"/>
+              <a:buChar char="•"/>
             </a:pPr>
             <a:r>
-              <a:rPr lang="en-US" sz="1400" dirty="0">
-                <a:effectLst/>
-                <a:latin typeface="Times New Roman" panose="02020603050405020304" pitchFamily="18" charset="0"/>
-                <a:ea typeface="Arial MT"/>
-                <a:cs typeface="Arial MT"/>
-              </a:rPr>
-              <a:t>NASA Climate. (n.d.). Sea Level 101: Part Two - All Sea Level is Local. NASA's Global Climate Change: Vital Signs of the Planet. Retrieved from </a:t>
-            </a:r>
-            <a:r>
-              <a:rPr lang="en-US" sz="1400" u="sng" dirty="0">
-                <a:solidFill>
-                  <a:srgbClr val="0563C1"/>
-                </a:solidFill>
-                <a:effectLst/>
-                <a:latin typeface="Times New Roman" panose="02020603050405020304" pitchFamily="18" charset="0"/>
-                <a:ea typeface="Arial MT"/>
-                <a:cs typeface="Arial MT"/>
-              </a:rPr>
-              <a:t>https://climate.nasa.gov/explore/ask-nasa-climate/3002/sea-level-101-part-two-all-sea-level-is-local/</a:t>
-            </a:r>
-            <a:endParaRPr lang="en-US" sz="1400" dirty="0">
-              <a:effectLst/>
-              <a:latin typeface="Arial MT"/>
-              <a:ea typeface="Arial MT"/>
-              <a:cs typeface="Arial MT"/>
-            </a:endParaRPr>
-          </a:p>
-          <a:p>
-            <a:pPr marL="342900" marR="0" lvl="0" indent="-342900" algn="just">
+              <a:rPr lang="en-US" sz="1800" dirty="0"/>
+              <a:t>Our results demonstrate the effectiveness of machine learning in predicting sea level rise. </a:t>
+            </a:r>
+          </a:p>
+          <a:p>
+            <a:pPr algn="just">
               <a:lnSpc>
                 <a:spcPct val="150000"/>
               </a:lnSpc>
-              <a:spcBef>
-                <a:spcPts val="0"/>
-              </a:spcBef>
-              <a:spcAft>
-                <a:spcPts val="0"/>
-              </a:spcAft>
-              <a:buFont typeface="+mj-lt"/>
-              <a:buAutoNum type="arabicPeriod"/>
             </a:pPr>
-            <a:r>
-              <a:rPr lang="en-US" sz="1400" dirty="0">
-                <a:effectLst/>
-                <a:latin typeface="Times New Roman" panose="02020603050405020304" pitchFamily="18" charset="0"/>
-                <a:ea typeface="Arial MT"/>
-                <a:cs typeface="Arial MT"/>
-              </a:rPr>
-              <a:t>Guillou, N., &amp; Chapalain, G. (2021). Machine learning methods applied to sea level predictions in the upper part of a tidal estuary. Oceanologia, 63(4), 531-544.</a:t>
-            </a:r>
-            <a:endParaRPr lang="en-US" sz="1400" dirty="0">
-              <a:effectLst/>
-              <a:latin typeface="Arial MT"/>
-              <a:ea typeface="Arial MT"/>
-              <a:cs typeface="Arial MT"/>
-            </a:endParaRPr>
-          </a:p>
-          <a:p>
-            <a:pPr marL="342900" marR="0" lvl="0" indent="-342900" algn="just">
+            <a:endParaRPr lang="en-US" sz="1800" dirty="0"/>
+          </a:p>
+          <a:p>
+            <a:pPr marL="342900" indent="-342900" algn="just">
               <a:lnSpc>
                 <a:spcPct val="150000"/>
               </a:lnSpc>
-              <a:spcBef>
-                <a:spcPts val="0"/>
-              </a:spcBef>
-              <a:spcAft>
-                <a:spcPts val="0"/>
-              </a:spcAft>
-              <a:buFont typeface="+mj-lt"/>
-              <a:buAutoNum type="arabicPeriod"/>
+              <a:buFont typeface="Arial" panose="020B0604020202020204" pitchFamily="34" charset="0"/>
+              <a:buChar char="•"/>
             </a:pPr>
             <a:r>
-              <a:rPr lang="en-US" sz="1400" dirty="0">
-                <a:effectLst/>
-                <a:latin typeface="Times New Roman" panose="02020603050405020304" pitchFamily="18" charset="0"/>
-                <a:ea typeface="Arial MT"/>
-                <a:cs typeface="Arial MT"/>
-              </a:rPr>
-              <a:t>Tur, R., Tas, E., Haghighi, A. T., &amp; Mehr, A. D. (2021). Sea Level Prediction Using Machine Learning. Water, 13(24), 3566.</a:t>
-            </a:r>
-            <a:endParaRPr lang="en-US" sz="1400" dirty="0">
-              <a:effectLst/>
-              <a:latin typeface="Arial MT"/>
-              <a:ea typeface="Arial MT"/>
-              <a:cs typeface="Arial MT"/>
-            </a:endParaRPr>
-          </a:p>
-          <a:p>
-            <a:pPr marL="342900" marR="0" lvl="0" indent="-342900" algn="just">
+              <a:rPr lang="en-US" sz="1800" dirty="0"/>
+              <a:t>Linear Regression, Random Forest Regression, Decision Tree Regression, Ridge Regression, and Lasso Regression showed promising performance in capturing the underlying patterns and predicting future sea level changes. </a:t>
+            </a:r>
+          </a:p>
+          <a:p>
+            <a:pPr algn="just">
               <a:lnSpc>
                 <a:spcPct val="150000"/>
               </a:lnSpc>
-              <a:spcBef>
-                <a:spcPts val="0"/>
-              </a:spcBef>
-              <a:spcAft>
-                <a:spcPts val="0"/>
-              </a:spcAft>
-              <a:buFont typeface="+mj-lt"/>
-              <a:buAutoNum type="arabicPeriod"/>
             </a:pPr>
-            <a:r>
-              <a:rPr lang="en-US" sz="1400" dirty="0">
-                <a:effectLst/>
-                <a:latin typeface="Times New Roman" panose="02020603050405020304" pitchFamily="18" charset="0"/>
-                <a:ea typeface="Arial MT"/>
-                <a:cs typeface="Arial MT"/>
-              </a:rPr>
-              <a:t>Lai, V., Malek, M. A., Abdullah, S., Latif, S. D., &amp; Ahmed, A. N. (2020). Time-series prediction of sea level change in the east coast of Peninsular Malaysia from the supervised learning approach. Int. J. Des. Nat. Ecodyn, 15(3), 409-415.</a:t>
-            </a:r>
-            <a:endParaRPr lang="en-US" sz="1400" dirty="0">
-              <a:effectLst/>
-              <a:latin typeface="Arial MT"/>
-              <a:ea typeface="Arial MT"/>
-              <a:cs typeface="Arial MT"/>
-            </a:endParaRPr>
-          </a:p>
-          <a:p>
-            <a:pPr marL="342900" marR="0" lvl="0" indent="-342900" algn="just">
+            <a:endParaRPr lang="en-US" sz="1800" dirty="0"/>
+          </a:p>
+          <a:p>
+            <a:pPr marL="342900" indent="-342900" algn="just">
               <a:lnSpc>
                 <a:spcPct val="150000"/>
               </a:lnSpc>
-              <a:spcBef>
-                <a:spcPts val="0"/>
-              </a:spcBef>
-              <a:spcAft>
-                <a:spcPts val="0"/>
-              </a:spcAft>
-              <a:buFont typeface="+mj-lt"/>
-              <a:buAutoNum type="arabicPeriod"/>
+              <a:buFont typeface="Arial" panose="020B0604020202020204" pitchFamily="34" charset="0"/>
+              <a:buChar char="•"/>
             </a:pPr>
             <a:r>
-              <a:rPr lang="en-US" sz="1400" dirty="0">
-                <a:effectLst/>
-                <a:latin typeface="Times New Roman" panose="02020603050405020304" pitchFamily="18" charset="0"/>
-                <a:ea typeface="Arial MT"/>
-                <a:cs typeface="Arial MT"/>
-              </a:rPr>
-              <a:t>Galassi, G., &amp; Spada, G. (2014). Sea-level rise in the Mediterranean Sea by 2050: Roles of terrestrial ice melt, steric effects and glacial isostatic adjustment. Global and Planetary Change, 123, 55-66.</a:t>
-            </a:r>
-            <a:endParaRPr lang="en-US" sz="1400" dirty="0">
-              <a:effectLst/>
-              <a:latin typeface="Arial MT"/>
-              <a:ea typeface="Arial MT"/>
-              <a:cs typeface="Arial MT"/>
-            </a:endParaRPr>
-          </a:p>
-          <a:p>
-            <a:pPr marL="342900" marR="0" lvl="0" indent="-342900" algn="just">
-              <a:lnSpc>
-                <a:spcPct val="150000"/>
-              </a:lnSpc>
-              <a:spcBef>
-                <a:spcPts val="0"/>
-              </a:spcBef>
-              <a:spcAft>
-                <a:spcPts val="0"/>
-              </a:spcAft>
-              <a:buFont typeface="+mj-lt"/>
-              <a:buAutoNum type="arabicPeriod"/>
-            </a:pPr>
-            <a:r>
-              <a:rPr lang="en-US" sz="1400" dirty="0">
-                <a:solidFill>
-                  <a:srgbClr val="222222"/>
-                </a:solidFill>
-                <a:effectLst/>
-                <a:latin typeface="Times New Roman" panose="02020603050405020304" pitchFamily="18" charset="0"/>
-                <a:ea typeface="Arial MT"/>
-                <a:cs typeface="Arial MT"/>
-              </a:rPr>
-              <a:t>Jaakkola, H., &amp; Thalheim, B. (2011). Architecture-driven modelling methodologies. In </a:t>
-            </a:r>
-            <a:r>
-              <a:rPr lang="en-US" sz="1400" i="1" dirty="0">
-                <a:solidFill>
-                  <a:srgbClr val="222222"/>
-                </a:solidFill>
-                <a:effectLst/>
-                <a:latin typeface="Times New Roman" panose="02020603050405020304" pitchFamily="18" charset="0"/>
-                <a:ea typeface="Arial MT"/>
-                <a:cs typeface="Arial MT"/>
-              </a:rPr>
-              <a:t>Information Modelling and Knowledge Bases XXII</a:t>
-            </a:r>
-            <a:r>
-              <a:rPr lang="en-US" sz="1400" dirty="0">
-                <a:solidFill>
-                  <a:srgbClr val="222222"/>
-                </a:solidFill>
-                <a:effectLst/>
-                <a:latin typeface="Times New Roman" panose="02020603050405020304" pitchFamily="18" charset="0"/>
-                <a:ea typeface="Arial MT"/>
-                <a:cs typeface="Arial MT"/>
-              </a:rPr>
-              <a:t> (pp. 97-116). IOS Press.</a:t>
-            </a:r>
-          </a:p>
-          <a:p>
-            <a:pPr marL="342900" marR="0" lvl="0" indent="-342900" algn="just">
-              <a:lnSpc>
-                <a:spcPct val="150000"/>
-              </a:lnSpc>
-              <a:spcBef>
-                <a:spcPts val="0"/>
-              </a:spcBef>
-              <a:spcAft>
-                <a:spcPts val="0"/>
-              </a:spcAft>
-              <a:buFont typeface="+mj-lt"/>
-              <a:buAutoNum type="arabicPeriod"/>
-            </a:pPr>
-            <a:endParaRPr lang="en-US" sz="1100" dirty="0">
-              <a:effectLst/>
-              <a:latin typeface="Arial MT"/>
-              <a:ea typeface="Arial MT"/>
-              <a:cs typeface="Arial MT"/>
-            </a:endParaRPr>
-          </a:p>
-          <a:p>
-            <a:endParaRPr lang="en-US" sz="1100" dirty="0"/>
+              <a:rPr lang="en-US" sz="1800" dirty="0"/>
+              <a:t>Particularly, Linear Regression achieved the best performance with perfect R2 score and an extremely low MSE, indicating a close fit between the predicted and actual sea level values.</a:t>
+            </a:r>
+          </a:p>
+          <a:p>
+            <a:endParaRPr lang="en-US" dirty="0"/>
           </a:p>
         </p:txBody>
       </p:sp>
     </p:spTree>
     <p:extLst>
       <p:ext uri="{BB962C8B-B14F-4D97-AF65-F5344CB8AC3E}">
-        <p14:creationId xmlns:p14="http://schemas.microsoft.com/office/powerpoint/2010/main" val="39904365"/>
+        <p14:creationId xmlns:p14="http://schemas.microsoft.com/office/powerpoint/2010/main" val="2944776331"/>
       </p:ext>
     </p:extLst>
   </p:cSld>
@@ -15547,7 +18810,7 @@
           <a:p>
             <a:r>
               <a:rPr lang="en-US" sz="2400" b="1" dirty="0"/>
-              <a:t>References</a:t>
+              <a:t>Conclusion</a:t>
             </a:r>
           </a:p>
           <a:p>
@@ -15589,10 +18852,10 @@
       </p:sp>
       <p:sp>
         <p:nvSpPr>
-          <p:cNvPr id="4" name="TextBox 3">
+          <p:cNvPr id="2" name="TextBox 1">
             <a:extLst>
               <a:ext uri="{FF2B5EF4-FFF2-40B4-BE49-F238E27FC236}">
-                <a16:creationId xmlns:a16="http://schemas.microsoft.com/office/drawing/2014/main" id="{41641612-81ED-DF5F-0B6D-228051E5CE7E}"/>
+                <a16:creationId xmlns:a16="http://schemas.microsoft.com/office/drawing/2014/main" id="{6571B1EE-C7C0-8A09-873D-427B8DBF46FB}"/>
               </a:ext>
             </a:extLst>
           </p:cNvPr>
@@ -15601,8 +18864,8 @@
         </p:nvSpPr>
         <p:spPr>
           <a:xfrm>
-            <a:off x="426129" y="1159260"/>
-            <a:ext cx="8416030" cy="4254819"/>
+            <a:off x="481570" y="1222318"/>
+            <a:ext cx="8005308" cy="4108817"/>
           </a:xfrm>
           <a:prstGeom prst="rect">
             <a:avLst/>
@@ -15615,177 +18878,71 @@
           </a:bodyPr>
           <a:lstStyle/>
           <a:p>
-            <a:pPr marR="0" lvl="0" algn="just">
+            <a:pPr marL="285750" indent="-285750" algn="just">
               <a:lnSpc>
                 <a:spcPct val="150000"/>
               </a:lnSpc>
-              <a:spcBef>
-                <a:spcPts val="0"/>
-              </a:spcBef>
-              <a:spcAft>
-                <a:spcPts val="0"/>
-              </a:spcAft>
+              <a:buFont typeface="Arial" panose="020B0604020202020204" pitchFamily="34" charset="0"/>
+              <a:buChar char="•"/>
             </a:pPr>
             <a:r>
-              <a:rPr lang="en-US" sz="1400" dirty="0">
-                <a:effectLst/>
-                <a:latin typeface="Times New Roman" panose="02020603050405020304" pitchFamily="18" charset="0"/>
-                <a:ea typeface="Arial MT"/>
-                <a:cs typeface="Times New Roman" panose="02020603050405020304" pitchFamily="18" charset="0"/>
-              </a:rPr>
-              <a:t>7.  IBM. (n.d.). Supervised Learning. Retrieved from https://www.ibm.com/cloud/learn/supervised-learning</a:t>
-            </a:r>
-          </a:p>
-          <a:p>
-            <a:pPr marR="0" lvl="0" algn="just">
+              <a:rPr lang="en-US" dirty="0"/>
+              <a:t>These findings highlight the potential of machine learning algorithms in aiding our understanding of sea level rise and its impacts. </a:t>
+            </a:r>
+          </a:p>
+          <a:p>
+            <a:pPr marL="285750" indent="-285750" algn="just">
               <a:lnSpc>
                 <a:spcPct val="150000"/>
               </a:lnSpc>
-              <a:spcBef>
-                <a:spcPts val="0"/>
-              </a:spcBef>
-              <a:spcAft>
-                <a:spcPts val="0"/>
-              </a:spcAft>
+              <a:buFont typeface="Arial" panose="020B0604020202020204" pitchFamily="34" charset="0"/>
+              <a:buChar char="•"/>
             </a:pPr>
-            <a:r>
-              <a:rPr lang="en-US" sz="1400" dirty="0">
-                <a:effectLst/>
-                <a:latin typeface="Times New Roman" panose="02020603050405020304" pitchFamily="18" charset="0"/>
-                <a:ea typeface="Arial MT"/>
-                <a:cs typeface="Times New Roman" panose="02020603050405020304" pitchFamily="18" charset="0"/>
-              </a:rPr>
-              <a:t>8. Towards Data Science. (n.d.). Linear Regression: Detailed View. Retrieved from https://towardsdatascience.com/linear-regression-detailed-view-ea73175f6e86</a:t>
-            </a:r>
-          </a:p>
-          <a:p>
-            <a:pPr marR="0" lvl="0" algn="just">
+            <a:endParaRPr lang="en-US" dirty="0"/>
+          </a:p>
+          <a:p>
+            <a:pPr marL="285750" indent="-285750" algn="just">
               <a:lnSpc>
                 <a:spcPct val="150000"/>
               </a:lnSpc>
-              <a:spcBef>
-                <a:spcPts val="0"/>
-              </a:spcBef>
-              <a:spcAft>
-                <a:spcPts val="0"/>
-              </a:spcAft>
+              <a:buFont typeface="Arial" panose="020B0604020202020204" pitchFamily="34" charset="0"/>
+              <a:buChar char="•"/>
             </a:pPr>
             <a:r>
-              <a:rPr lang="en-US" sz="1400" dirty="0">
-                <a:effectLst/>
-                <a:latin typeface="Times New Roman" panose="02020603050405020304" pitchFamily="18" charset="0"/>
-                <a:ea typeface="Arial MT"/>
-                <a:cs typeface="Times New Roman" panose="02020603050405020304" pitchFamily="18" charset="0"/>
-              </a:rPr>
-              <a:t>9. Towards Data Science. (n.d.). Understanding Random Forest. Retrieved from https://towardsdatascience.com/understanding-random-forest-58381e0602d2</a:t>
-            </a:r>
-          </a:p>
-          <a:p>
-            <a:pPr marR="0" lvl="0" algn="just">
+              <a:rPr lang="en-US" dirty="0"/>
+              <a:t>The accurate prediction of sea level changes can contribute to informed decision-making and help in formulating effective adaptation and mitigation strategies.</a:t>
+            </a:r>
+          </a:p>
+          <a:p>
+            <a:pPr algn="just">
               <a:lnSpc>
                 <a:spcPct val="150000"/>
               </a:lnSpc>
-              <a:spcBef>
-                <a:spcPts val="0"/>
-              </a:spcBef>
-              <a:spcAft>
-                <a:spcPts val="0"/>
-              </a:spcAft>
             </a:pPr>
-            <a:r>
-              <a:rPr lang="en-US" sz="1400" dirty="0">
-                <a:effectLst/>
-                <a:latin typeface="Times New Roman" panose="02020603050405020304" pitchFamily="18" charset="0"/>
-                <a:ea typeface="Arial MT"/>
-                <a:cs typeface="Times New Roman" panose="02020603050405020304" pitchFamily="18" charset="0"/>
-              </a:rPr>
-              <a:t>10.   Towards Data Science. (n.d.). Machine Learning Basics: Decision Tree Regression. Retrieved from https://towardsdatascience.com/machine-learning-basics-decision-tree-regression-1d73ea003fda</a:t>
-            </a:r>
-          </a:p>
-          <a:p>
-            <a:pPr marR="0" lvl="0" algn="just">
+            <a:endParaRPr lang="en-US" dirty="0"/>
+          </a:p>
+          <a:p>
+            <a:pPr marL="285750" indent="-285750" algn="just">
               <a:lnSpc>
                 <a:spcPct val="150000"/>
               </a:lnSpc>
-              <a:spcBef>
-                <a:spcPts val="0"/>
-              </a:spcBef>
-              <a:spcAft>
-                <a:spcPts val="0"/>
-              </a:spcAft>
+              <a:buFont typeface="Arial" panose="020B0604020202020204" pitchFamily="34" charset="0"/>
+              <a:buChar char="•"/>
             </a:pPr>
             <a:r>
-              <a:rPr lang="en-US" sz="1400" dirty="0">
-                <a:effectLst/>
-                <a:latin typeface="Times New Roman" panose="02020603050405020304" pitchFamily="18" charset="0"/>
-                <a:ea typeface="Arial MT"/>
-                <a:cs typeface="Times New Roman" panose="02020603050405020304" pitchFamily="18" charset="0"/>
-              </a:rPr>
-              <a:t>11. Towards Data Science. (n.d.). KNN Regression Model in Python. Retrieved from https://towardsdatascience.com/knn-regression-model-in-python-9868f21c9fa2</a:t>
-            </a:r>
-          </a:p>
-          <a:p>
-            <a:pPr marR="0" lvl="0" algn="just">
-              <a:lnSpc>
-                <a:spcPct val="150000"/>
-              </a:lnSpc>
-              <a:spcBef>
-                <a:spcPts val="0"/>
-              </a:spcBef>
-              <a:spcAft>
-                <a:spcPts val="0"/>
-              </a:spcAft>
-            </a:pPr>
-            <a:r>
-              <a:rPr lang="en-US" sz="1400" dirty="0">
-                <a:latin typeface="Times New Roman" panose="02020603050405020304" pitchFamily="18" charset="0"/>
-                <a:ea typeface="Arial MT"/>
-                <a:cs typeface="Times New Roman" panose="02020603050405020304" pitchFamily="18" charset="0"/>
-              </a:rPr>
-              <a:t>12. </a:t>
-            </a:r>
-            <a:r>
-              <a:rPr lang="en-US" sz="1400" dirty="0">
-                <a:effectLst/>
-                <a:latin typeface="Times New Roman" panose="02020603050405020304" pitchFamily="18" charset="0"/>
-                <a:ea typeface="Arial MT"/>
-                <a:cs typeface="Times New Roman" panose="02020603050405020304" pitchFamily="18" charset="0"/>
-              </a:rPr>
-              <a:t>MyGreatLearning. (n.d.). What is Ridge Regression? Retrieved from https://www.mygreatlearning.com/blog/what-is-ridge-regression/</a:t>
-            </a:r>
-          </a:p>
-          <a:p>
-            <a:pPr marR="0" lvl="0" algn="just">
-              <a:lnSpc>
-                <a:spcPct val="150000"/>
-              </a:lnSpc>
-              <a:spcBef>
-                <a:spcPts val="0"/>
-              </a:spcBef>
-              <a:spcAft>
-                <a:spcPts val="0"/>
-              </a:spcAft>
-            </a:pPr>
-            <a:r>
-              <a:rPr lang="en-US" sz="1400" dirty="0">
-                <a:effectLst/>
-                <a:latin typeface="Times New Roman" panose="02020603050405020304" pitchFamily="18" charset="0"/>
-                <a:ea typeface="Arial MT"/>
-                <a:cs typeface="Times New Roman" panose="02020603050405020304" pitchFamily="18" charset="0"/>
-              </a:rPr>
-              <a:t>13. U-NEXT. (n.d.). Lasso Regression. Retrieved from https://u-next.com/blogs/artificial-intelligence/lasso-regression/</a:t>
-            </a:r>
-            <a:endParaRPr lang="en-US" sz="1400" dirty="0">
-              <a:latin typeface="Times New Roman" panose="02020603050405020304" pitchFamily="18" charset="0"/>
-              <a:cs typeface="Times New Roman" panose="02020603050405020304" pitchFamily="18" charset="0"/>
-            </a:endParaRPr>
+              <a:rPr lang="en-US" dirty="0"/>
+              <a:t>We also made a Desktop application To help user to input his dataset and apply those algorithms on it.</a:t>
+            </a:r>
+          </a:p>
+          <a:p>
+            <a:endParaRPr lang="en-US" dirty="0"/>
           </a:p>
         </p:txBody>
       </p:sp>
     </p:spTree>
     <p:extLst>
       <p:ext uri="{BB962C8B-B14F-4D97-AF65-F5344CB8AC3E}">
-        <p14:creationId xmlns:p14="http://schemas.microsoft.com/office/powerpoint/2010/main" val="3256302548"/>
+        <p14:creationId xmlns:p14="http://schemas.microsoft.com/office/powerpoint/2010/main" val="462232166"/>
       </p:ext>
     </p:extLst>
   </p:cSld>
@@ -15894,7 +19051,10 @@
           </a:bodyPr>
           <a:lstStyle/>
           <a:p>
-            <a:endParaRPr lang="en-US" sz="2400" b="1" dirty="0"/>
+            <a:r>
+              <a:rPr lang="en-US" sz="2400" b="1" dirty="0"/>
+              <a:t>References</a:t>
+            </a:r>
           </a:p>
           <a:p>
             <a:endParaRPr lang="en-US" sz="2400" b="1" dirty="0"/>
@@ -15933,53 +19093,276 @@
           </a:p>
         </p:txBody>
       </p:sp>
-      <p:pic>
-        <p:nvPicPr>
-          <p:cNvPr id="5" name="Picture 4">
+      <p:sp>
+        <p:nvSpPr>
+          <p:cNvPr id="2" name="TextBox 1">
             <a:extLst>
               <a:ext uri="{FF2B5EF4-FFF2-40B4-BE49-F238E27FC236}">
-                <a16:creationId xmlns:a16="http://schemas.microsoft.com/office/drawing/2014/main" id="{496B1431-5312-318F-E86E-FE370F7E31C9}"/>
+                <a16:creationId xmlns:a16="http://schemas.microsoft.com/office/drawing/2014/main" id="{6571B1EE-C7C0-8A09-873D-427B8DBF46FB}"/>
               </a:ext>
             </a:extLst>
           </p:cNvPr>
-          <p:cNvPicPr>
-            <a:picLocks noChangeAspect="1"/>
-          </p:cNvPicPr>
-          <p:nvPr/>
-        </p:nvPicPr>
-        <p:blipFill>
-          <a:blip r:embed="rId3">
-            <a:duotone>
-              <a:schemeClr val="accent1">
-                <a:shade val="45000"/>
-                <a:satMod val="135000"/>
-              </a:schemeClr>
-              <a:prstClr val="white"/>
-            </a:duotone>
-            <a:extLst>
-              <a:ext uri="{28A0092B-C50C-407E-A947-70E740481C1C}">
-                <a14:useLocalDpi xmlns:a14="http://schemas.microsoft.com/office/drawing/2010/main" val="0"/>
-              </a:ext>
-            </a:extLst>
-          </a:blip>
-          <a:stretch>
-            <a:fillRect/>
-          </a:stretch>
-        </p:blipFill>
-        <p:spPr>
-          <a:xfrm>
-            <a:off x="763480" y="1222318"/>
-            <a:ext cx="7847860" cy="4414421"/>
+          <p:cNvSpPr txBox="1"/>
+          <p:nvPr/>
+        </p:nvSpPr>
+        <p:spPr>
+          <a:xfrm>
+            <a:off x="357456" y="1019484"/>
+            <a:ext cx="8005308" cy="5039841"/>
           </a:xfrm>
           <a:prstGeom prst="rect">
             <a:avLst/>
           </a:prstGeom>
-        </p:spPr>
-      </p:pic>
+          <a:noFill/>
+        </p:spPr>
+        <p:txBody>
+          <a:bodyPr wrap="square" rtlCol="0">
+            <a:spAutoFit/>
+          </a:bodyPr>
+          <a:lstStyle/>
+          <a:p>
+            <a:pPr marL="342900" marR="0" lvl="0" indent="-342900" algn="just" rtl="0">
+              <a:lnSpc>
+                <a:spcPct val="150000"/>
+              </a:lnSpc>
+              <a:spcBef>
+                <a:spcPts val="0"/>
+              </a:spcBef>
+              <a:spcAft>
+                <a:spcPts val="0"/>
+              </a:spcAft>
+              <a:buFont typeface="+mj-lt"/>
+              <a:buAutoNum type="arabicPeriod"/>
+            </a:pPr>
+            <a:r>
+              <a:rPr lang="en-US" sz="1400" dirty="0">
+                <a:effectLst/>
+                <a:latin typeface="Times New Roman" panose="02020603050405020304" pitchFamily="18" charset="0"/>
+                <a:ea typeface="Arial MT"/>
+                <a:cs typeface="Arial MT"/>
+              </a:rPr>
+              <a:t>NASA Climate. (n.d.). Sea Level 101: Part Two - All Sea Level is Local. NASA's Global Climate Change: Vital Signs of the Planet. Retrieved from </a:t>
+            </a:r>
+            <a:r>
+              <a:rPr lang="en-US" sz="1400" u="sng" dirty="0">
+                <a:solidFill>
+                  <a:srgbClr val="0563C1"/>
+                </a:solidFill>
+                <a:effectLst/>
+                <a:latin typeface="Times New Roman" panose="02020603050405020304" pitchFamily="18" charset="0"/>
+                <a:ea typeface="Arial MT"/>
+                <a:cs typeface="Arial MT"/>
+              </a:rPr>
+              <a:t>https://climate.nasa.gov/explore/ask-nasa-climate/3002/sea-level-101-part-two-all-sea-level-is-local/</a:t>
+            </a:r>
+            <a:endParaRPr lang="en-US" sz="1400" dirty="0">
+              <a:effectLst/>
+              <a:latin typeface="Arial MT"/>
+              <a:ea typeface="Arial MT"/>
+              <a:cs typeface="Arial MT"/>
+            </a:endParaRPr>
+          </a:p>
+          <a:p>
+            <a:pPr marL="342900" marR="0" lvl="0" indent="-342900" algn="just">
+              <a:lnSpc>
+                <a:spcPct val="150000"/>
+              </a:lnSpc>
+              <a:spcBef>
+                <a:spcPts val="0"/>
+              </a:spcBef>
+              <a:spcAft>
+                <a:spcPts val="0"/>
+              </a:spcAft>
+              <a:buFont typeface="+mj-lt"/>
+              <a:buAutoNum type="arabicPeriod"/>
+            </a:pPr>
+            <a:r>
+              <a:rPr lang="en-US" sz="1400" dirty="0">
+                <a:effectLst/>
+                <a:latin typeface="Times New Roman" panose="02020603050405020304" pitchFamily="18" charset="0"/>
+                <a:ea typeface="Arial MT"/>
+                <a:cs typeface="Arial MT"/>
+              </a:rPr>
+              <a:t>Guillou, N., &amp; Chapalain, G. (2021). Machine learning methods applied to sea level predictions in the upper part of a tidal estuary. Oceanologia, 63(4), 531-544.</a:t>
+            </a:r>
+            <a:endParaRPr lang="en-US" sz="1400" dirty="0">
+              <a:effectLst/>
+              <a:latin typeface="Arial MT"/>
+              <a:ea typeface="Arial MT"/>
+              <a:cs typeface="Arial MT"/>
+            </a:endParaRPr>
+          </a:p>
+          <a:p>
+            <a:pPr marL="342900" marR="0" lvl="0" indent="-342900" algn="just">
+              <a:lnSpc>
+                <a:spcPct val="150000"/>
+              </a:lnSpc>
+              <a:spcBef>
+                <a:spcPts val="0"/>
+              </a:spcBef>
+              <a:spcAft>
+                <a:spcPts val="0"/>
+              </a:spcAft>
+              <a:buFont typeface="+mj-lt"/>
+              <a:buAutoNum type="arabicPeriod"/>
+            </a:pPr>
+            <a:r>
+              <a:rPr lang="en-US" sz="1400" dirty="0">
+                <a:effectLst/>
+                <a:latin typeface="Times New Roman" panose="02020603050405020304" pitchFamily="18" charset="0"/>
+                <a:ea typeface="Arial MT"/>
+                <a:cs typeface="Arial MT"/>
+              </a:rPr>
+              <a:t>Tur, R., Tas, E., Haghighi, A. T., &amp; Mehr, A. D. (2021). Sea Level Prediction Using Machine Learning. Water, 13(24), 3566.</a:t>
+            </a:r>
+            <a:endParaRPr lang="en-US" sz="1400" dirty="0">
+              <a:effectLst/>
+              <a:latin typeface="Arial MT"/>
+              <a:ea typeface="Arial MT"/>
+              <a:cs typeface="Arial MT"/>
+            </a:endParaRPr>
+          </a:p>
+          <a:p>
+            <a:pPr marL="342900" marR="0" lvl="0" indent="-342900" algn="just">
+              <a:lnSpc>
+                <a:spcPct val="150000"/>
+              </a:lnSpc>
+              <a:spcBef>
+                <a:spcPts val="0"/>
+              </a:spcBef>
+              <a:spcAft>
+                <a:spcPts val="0"/>
+              </a:spcAft>
+              <a:buFont typeface="+mj-lt"/>
+              <a:buAutoNum type="arabicPeriod"/>
+            </a:pPr>
+            <a:r>
+              <a:rPr lang="en-US" sz="1400" dirty="0">
+                <a:effectLst/>
+                <a:latin typeface="Times New Roman" panose="02020603050405020304" pitchFamily="18" charset="0"/>
+                <a:ea typeface="Arial MT"/>
+                <a:cs typeface="Arial MT"/>
+              </a:rPr>
+              <a:t>Lai, V., Malek, M. A., Abdullah, S., Latif, S. D., &amp; Ahmed, A. N. (2020). Time-series prediction of sea level change in the east coast of Peninsular Malaysia from the supervised learning approach. Int. J. Des. Nat. Ecodyn, 15(3), 409-415.</a:t>
+            </a:r>
+            <a:endParaRPr lang="en-US" sz="1400" dirty="0">
+              <a:effectLst/>
+              <a:latin typeface="Arial MT"/>
+              <a:ea typeface="Arial MT"/>
+              <a:cs typeface="Arial MT"/>
+            </a:endParaRPr>
+          </a:p>
+          <a:p>
+            <a:pPr marL="342900" marR="0" lvl="0" indent="-342900" algn="just">
+              <a:lnSpc>
+                <a:spcPct val="150000"/>
+              </a:lnSpc>
+              <a:spcBef>
+                <a:spcPts val="0"/>
+              </a:spcBef>
+              <a:spcAft>
+                <a:spcPts val="0"/>
+              </a:spcAft>
+              <a:buFont typeface="+mj-lt"/>
+              <a:buAutoNum type="arabicPeriod"/>
+            </a:pPr>
+            <a:r>
+              <a:rPr lang="en-US" sz="1400" dirty="0">
+                <a:effectLst/>
+                <a:latin typeface="Times New Roman" panose="02020603050405020304" pitchFamily="18" charset="0"/>
+                <a:ea typeface="Arial MT"/>
+                <a:cs typeface="Arial MT"/>
+              </a:rPr>
+              <a:t>Galassi, G., &amp; Spada, G. (2014). Sea-level rise in the Mediterranean Sea by 2050: Roles of terrestrial ice melt, steric effects and glacial isostatic adjustment. Global and Planetary Change, 123, 55-66.</a:t>
+            </a:r>
+            <a:endParaRPr lang="en-US" sz="1400" dirty="0">
+              <a:effectLst/>
+              <a:latin typeface="Arial MT"/>
+              <a:ea typeface="Arial MT"/>
+              <a:cs typeface="Arial MT"/>
+            </a:endParaRPr>
+          </a:p>
+          <a:p>
+            <a:pPr marL="342900" marR="0" lvl="0" indent="-342900" algn="just">
+              <a:lnSpc>
+                <a:spcPct val="150000"/>
+              </a:lnSpc>
+              <a:spcBef>
+                <a:spcPts val="0"/>
+              </a:spcBef>
+              <a:spcAft>
+                <a:spcPts val="0"/>
+              </a:spcAft>
+              <a:buFont typeface="+mj-lt"/>
+              <a:buAutoNum type="arabicPeriod"/>
+            </a:pPr>
+            <a:r>
+              <a:rPr lang="en-US" sz="1400" dirty="0">
+                <a:solidFill>
+                  <a:srgbClr val="222222"/>
+                </a:solidFill>
+                <a:effectLst/>
+                <a:latin typeface="Times New Roman" panose="02020603050405020304" pitchFamily="18" charset="0"/>
+                <a:ea typeface="Arial MT"/>
+                <a:cs typeface="Arial MT"/>
+              </a:rPr>
+              <a:t>Jaakkola, H., &amp; Thalheim, B. (2011). Architecture-driven modelling methodologies. In </a:t>
+            </a:r>
+            <a:r>
+              <a:rPr lang="en-US" sz="1400" i="1" dirty="0">
+                <a:solidFill>
+                  <a:srgbClr val="222222"/>
+                </a:solidFill>
+                <a:effectLst/>
+                <a:latin typeface="Times New Roman" panose="02020603050405020304" pitchFamily="18" charset="0"/>
+                <a:ea typeface="Arial MT"/>
+                <a:cs typeface="Arial MT"/>
+              </a:rPr>
+              <a:t>Information Modelling and Knowledge Bases XXII</a:t>
+            </a:r>
+            <a:r>
+              <a:rPr lang="en-US" sz="1400" dirty="0">
+                <a:solidFill>
+                  <a:srgbClr val="222222"/>
+                </a:solidFill>
+                <a:effectLst/>
+                <a:latin typeface="Times New Roman" panose="02020603050405020304" pitchFamily="18" charset="0"/>
+                <a:ea typeface="Arial MT"/>
+                <a:cs typeface="Arial MT"/>
+              </a:rPr>
+              <a:t> (pp. 97-116). IOS Press.</a:t>
+            </a:r>
+          </a:p>
+          <a:p>
+            <a:pPr marL="342900" marR="0" lvl="0" indent="-342900" algn="just">
+              <a:lnSpc>
+                <a:spcPct val="150000"/>
+              </a:lnSpc>
+              <a:spcBef>
+                <a:spcPts val="0"/>
+              </a:spcBef>
+              <a:spcAft>
+                <a:spcPts val="0"/>
+              </a:spcAft>
+              <a:buFont typeface="+mj-lt"/>
+              <a:buAutoNum type="arabicPeriod"/>
+            </a:pPr>
+            <a:endParaRPr lang="en-US" sz="1100" dirty="0">
+              <a:effectLst/>
+              <a:latin typeface="Arial MT"/>
+              <a:ea typeface="Arial MT"/>
+              <a:cs typeface="Arial MT"/>
+            </a:endParaRPr>
+          </a:p>
+          <a:p>
+            <a:endParaRPr lang="en-US" sz="1100" dirty="0"/>
+          </a:p>
+        </p:txBody>
+      </p:sp>
     </p:spTree>
     <p:extLst>
       <p:ext uri="{BB962C8B-B14F-4D97-AF65-F5344CB8AC3E}">
-        <p14:creationId xmlns:p14="http://schemas.microsoft.com/office/powerpoint/2010/main" val="1268092438"/>
+        <p14:creationId xmlns:p14="http://schemas.microsoft.com/office/powerpoint/2010/main" val="39904365"/>
       </p:ext>
     </p:extLst>
   </p:cSld>
@@ -16006,34 +19389,9 @@
           <a:chExt cx="0" cy="0"/>
         </a:xfrm>
       </p:grpSpPr>
-      <p:sp>
-        <p:nvSpPr>
-          <p:cNvPr id="14" name="Rectangle 13"/>
-          <p:cNvSpPr/>
-          <p:nvPr/>
-        </p:nvSpPr>
-        <p:spPr>
-          <a:xfrm>
-            <a:off x="749186" y="500063"/>
-            <a:ext cx="7851889" cy="461665"/>
-          </a:xfrm>
-          <a:prstGeom prst="rect">
-            <a:avLst/>
-          </a:prstGeom>
-        </p:spPr>
-        <p:txBody>
-          <a:bodyPr wrap="square">
-            <a:spAutoFit/>
-          </a:bodyPr>
-          <a:lstStyle/>
-          <a:p>
-            <a:endParaRPr lang="en-US" sz="2400" b="1" dirty="0"/>
-          </a:p>
-        </p:txBody>
-      </p:sp>
       <p:pic>
         <p:nvPicPr>
-          <p:cNvPr id="2" name="Picture 1"/>
+          <p:cNvPr id="3" name="Picture 2"/>
           <p:cNvPicPr>
             <a:picLocks noChangeAspect="1"/>
           </p:cNvPicPr>
@@ -16053,8 +19411,504 @@
         </p:blipFill>
         <p:spPr>
           <a:xfrm>
-            <a:off x="-10511" y="-10510"/>
-            <a:ext cx="12196053" cy="6858000"/>
+            <a:off x="12609" y="6785"/>
+            <a:ext cx="12192000" cy="6844430"/>
+          </a:xfrm>
+          <a:prstGeom prst="rect">
+            <a:avLst/>
+          </a:prstGeom>
+        </p:spPr>
+      </p:pic>
+      <p:cxnSp>
+        <p:nvCxnSpPr>
+          <p:cNvPr id="15" name="Straight Connector 14"/>
+          <p:cNvCxnSpPr/>
+          <p:nvPr/>
+        </p:nvCxnSpPr>
+        <p:spPr>
+          <a:xfrm flipV="1">
+            <a:off x="178802" y="760653"/>
+            <a:ext cx="11592784" cy="29275"/>
+          </a:xfrm>
+          <a:prstGeom prst="line">
+            <a:avLst/>
+          </a:prstGeom>
+        </p:spPr>
+        <p:style>
+          <a:lnRef idx="1">
+            <a:schemeClr val="dk1"/>
+          </a:lnRef>
+          <a:fillRef idx="0">
+            <a:schemeClr val="dk1"/>
+          </a:fillRef>
+          <a:effectRef idx="0">
+            <a:schemeClr val="dk1"/>
+          </a:effectRef>
+          <a:fontRef idx="minor">
+            <a:schemeClr val="tx1"/>
+          </a:fontRef>
+        </p:style>
+      </p:cxnSp>
+      <p:sp>
+        <p:nvSpPr>
+          <p:cNvPr id="9" name="TextBox 8"/>
+          <p:cNvSpPr txBox="1"/>
+          <p:nvPr/>
+        </p:nvSpPr>
+        <p:spPr>
+          <a:xfrm>
+            <a:off x="178802" y="328263"/>
+            <a:ext cx="4508608" cy="830997"/>
+          </a:xfrm>
+          <a:prstGeom prst="rect">
+            <a:avLst/>
+          </a:prstGeom>
+          <a:noFill/>
+        </p:spPr>
+        <p:txBody>
+          <a:bodyPr wrap="square" rtlCol="0">
+            <a:spAutoFit/>
+          </a:bodyPr>
+          <a:lstStyle/>
+          <a:p>
+            <a:r>
+              <a:rPr lang="en-US" sz="2400" b="1" dirty="0"/>
+              <a:t>References</a:t>
+            </a:r>
+          </a:p>
+          <a:p>
+            <a:endParaRPr lang="en-US" sz="2400" b="1" dirty="0"/>
+          </a:p>
+        </p:txBody>
+      </p:sp>
+      <p:sp>
+        <p:nvSpPr>
+          <p:cNvPr id="6" name="TextBox 5">
+            <a:extLst>
+              <a:ext uri="{FF2B5EF4-FFF2-40B4-BE49-F238E27FC236}">
+                <a16:creationId xmlns:a16="http://schemas.microsoft.com/office/drawing/2014/main" id="{913B0607-4E2E-4F01-02B0-3163D267BE6C}"/>
+              </a:ext>
+            </a:extLst>
+          </p:cNvPr>
+          <p:cNvSpPr txBox="1"/>
+          <p:nvPr/>
+        </p:nvSpPr>
+        <p:spPr>
+          <a:xfrm>
+            <a:off x="3899647" y="1954306"/>
+            <a:ext cx="45719" cy="369332"/>
+          </a:xfrm>
+          <a:prstGeom prst="rect">
+            <a:avLst/>
+          </a:prstGeom>
+          <a:noFill/>
+        </p:spPr>
+        <p:txBody>
+          <a:bodyPr wrap="square" rtlCol="0">
+            <a:spAutoFit/>
+          </a:bodyPr>
+          <a:lstStyle/>
+          <a:p>
+            <a:endParaRPr lang="en-US" dirty="0"/>
+          </a:p>
+        </p:txBody>
+      </p:sp>
+      <p:sp>
+        <p:nvSpPr>
+          <p:cNvPr id="4" name="TextBox 3">
+            <a:extLst>
+              <a:ext uri="{FF2B5EF4-FFF2-40B4-BE49-F238E27FC236}">
+                <a16:creationId xmlns:a16="http://schemas.microsoft.com/office/drawing/2014/main" id="{41641612-81ED-DF5F-0B6D-228051E5CE7E}"/>
+              </a:ext>
+            </a:extLst>
+          </p:cNvPr>
+          <p:cNvSpPr txBox="1"/>
+          <p:nvPr/>
+        </p:nvSpPr>
+        <p:spPr>
+          <a:xfrm>
+            <a:off x="426129" y="1159260"/>
+            <a:ext cx="8416030" cy="4577985"/>
+          </a:xfrm>
+          <a:prstGeom prst="rect">
+            <a:avLst/>
+          </a:prstGeom>
+          <a:noFill/>
+        </p:spPr>
+        <p:txBody>
+          <a:bodyPr wrap="square" rtlCol="0">
+            <a:spAutoFit/>
+          </a:bodyPr>
+          <a:lstStyle/>
+          <a:p>
+            <a:pPr marR="0" lvl="0" algn="just">
+              <a:lnSpc>
+                <a:spcPct val="150000"/>
+              </a:lnSpc>
+              <a:spcBef>
+                <a:spcPts val="0"/>
+              </a:spcBef>
+              <a:spcAft>
+                <a:spcPts val="0"/>
+              </a:spcAft>
+            </a:pPr>
+            <a:r>
+              <a:rPr lang="en-US" sz="1400" dirty="0">
+                <a:effectLst/>
+                <a:latin typeface="Times New Roman" panose="02020603050405020304" pitchFamily="18" charset="0"/>
+                <a:ea typeface="Arial MT"/>
+                <a:cs typeface="Times New Roman" panose="02020603050405020304" pitchFamily="18" charset="0"/>
+              </a:rPr>
+              <a:t>7.  IBM. (n.d.). Supervised Learning. Retrieved from https://www.ibm.com/cloud/learn/supervised-learning</a:t>
+            </a:r>
+          </a:p>
+          <a:p>
+            <a:pPr marR="0" lvl="0" algn="just">
+              <a:lnSpc>
+                <a:spcPct val="150000"/>
+              </a:lnSpc>
+              <a:spcBef>
+                <a:spcPts val="0"/>
+              </a:spcBef>
+              <a:spcAft>
+                <a:spcPts val="0"/>
+              </a:spcAft>
+            </a:pPr>
+            <a:r>
+              <a:rPr lang="en-US" sz="1400" dirty="0">
+                <a:effectLst/>
+                <a:latin typeface="Times New Roman" panose="02020603050405020304" pitchFamily="18" charset="0"/>
+                <a:ea typeface="Arial MT"/>
+                <a:cs typeface="Times New Roman" panose="02020603050405020304" pitchFamily="18" charset="0"/>
+              </a:rPr>
+              <a:t>8. Towards Data Science. (n.d.). Linear Regression: Detailed View. Retrieved from https://towardsdatascience.com/linear-regression-detailed-view-ea73175f6e86</a:t>
+            </a:r>
+          </a:p>
+          <a:p>
+            <a:pPr marR="0" lvl="0" algn="just">
+              <a:lnSpc>
+                <a:spcPct val="150000"/>
+              </a:lnSpc>
+              <a:spcBef>
+                <a:spcPts val="0"/>
+              </a:spcBef>
+              <a:spcAft>
+                <a:spcPts val="0"/>
+              </a:spcAft>
+            </a:pPr>
+            <a:r>
+              <a:rPr lang="en-US" sz="1400" dirty="0">
+                <a:effectLst/>
+                <a:latin typeface="Times New Roman" panose="02020603050405020304" pitchFamily="18" charset="0"/>
+                <a:ea typeface="Arial MT"/>
+                <a:cs typeface="Times New Roman" panose="02020603050405020304" pitchFamily="18" charset="0"/>
+              </a:rPr>
+              <a:t>9. Towards Data Science. (n.d.). Understanding Random Forest. Retrieved from https://towardsdatascience.com/understanding-random-forest-58381e0602d2</a:t>
+            </a:r>
+          </a:p>
+          <a:p>
+            <a:pPr marR="0" lvl="0" algn="just">
+              <a:lnSpc>
+                <a:spcPct val="150000"/>
+              </a:lnSpc>
+              <a:spcBef>
+                <a:spcPts val="0"/>
+              </a:spcBef>
+              <a:spcAft>
+                <a:spcPts val="0"/>
+              </a:spcAft>
+            </a:pPr>
+            <a:r>
+              <a:rPr lang="en-US" sz="1400" dirty="0">
+                <a:effectLst/>
+                <a:latin typeface="Times New Roman" panose="02020603050405020304" pitchFamily="18" charset="0"/>
+                <a:ea typeface="Arial MT"/>
+                <a:cs typeface="Times New Roman" panose="02020603050405020304" pitchFamily="18" charset="0"/>
+              </a:rPr>
+              <a:t>10.   Towards Data Science. (n.d.). Machine Learning Basics: Decision Tree Regression. Retrieved from https://towardsdatascience.com/machine-learning-basics-decision-tree-regression-1d73ea003fda</a:t>
+            </a:r>
+          </a:p>
+          <a:p>
+            <a:pPr marR="0" lvl="0" algn="just">
+              <a:lnSpc>
+                <a:spcPct val="150000"/>
+              </a:lnSpc>
+              <a:spcBef>
+                <a:spcPts val="0"/>
+              </a:spcBef>
+              <a:spcAft>
+                <a:spcPts val="0"/>
+              </a:spcAft>
+            </a:pPr>
+            <a:r>
+              <a:rPr lang="en-US" sz="1400" dirty="0">
+                <a:effectLst/>
+                <a:latin typeface="Times New Roman" panose="02020603050405020304" pitchFamily="18" charset="0"/>
+                <a:ea typeface="Arial MT"/>
+                <a:cs typeface="Times New Roman" panose="02020603050405020304" pitchFamily="18" charset="0"/>
+              </a:rPr>
+              <a:t>11. Towards Data Science. (n.d.). KNN Regression Model in Python. Retrieved from https://towardsdatascience.com/knn-regression-model-in-python-9868f21c9fa2</a:t>
+            </a:r>
+          </a:p>
+          <a:p>
+            <a:pPr marR="0" lvl="0" algn="just">
+              <a:lnSpc>
+                <a:spcPct val="150000"/>
+              </a:lnSpc>
+              <a:spcBef>
+                <a:spcPts val="0"/>
+              </a:spcBef>
+              <a:spcAft>
+                <a:spcPts val="0"/>
+              </a:spcAft>
+            </a:pPr>
+            <a:r>
+              <a:rPr lang="en-US" sz="1400" dirty="0">
+                <a:latin typeface="Times New Roman" panose="02020603050405020304" pitchFamily="18" charset="0"/>
+                <a:ea typeface="Arial MT"/>
+                <a:cs typeface="Times New Roman" panose="02020603050405020304" pitchFamily="18" charset="0"/>
+              </a:rPr>
+              <a:t>12. </a:t>
+            </a:r>
+            <a:r>
+              <a:rPr lang="en-US" sz="1400" dirty="0">
+                <a:effectLst/>
+                <a:latin typeface="Times New Roman" panose="02020603050405020304" pitchFamily="18" charset="0"/>
+                <a:ea typeface="Arial MT"/>
+                <a:cs typeface="Times New Roman" panose="02020603050405020304" pitchFamily="18" charset="0"/>
+              </a:rPr>
+              <a:t>MyGreatLearning. (n.d.). What is Ridge Regression? Retrieved from https://www.mygreatlearning.com/blog/what-is-ridge-regression/</a:t>
+            </a:r>
+          </a:p>
+          <a:p>
+            <a:pPr marR="0" lvl="0" algn="just">
+              <a:lnSpc>
+                <a:spcPct val="150000"/>
+              </a:lnSpc>
+              <a:spcBef>
+                <a:spcPts val="0"/>
+              </a:spcBef>
+              <a:spcAft>
+                <a:spcPts val="0"/>
+              </a:spcAft>
+            </a:pPr>
+            <a:r>
+              <a:rPr lang="en-US" sz="1400" dirty="0">
+                <a:effectLst/>
+                <a:latin typeface="Times New Roman" panose="02020603050405020304" pitchFamily="18" charset="0"/>
+                <a:ea typeface="Arial MT"/>
+                <a:cs typeface="Times New Roman" panose="02020603050405020304" pitchFamily="18" charset="0"/>
+              </a:rPr>
+              <a:t>13. U-NEXT. (n.d.). Lasso Regression. Retrieved from https://u-next.com/blogs/artificial-intelligence/lasso-regression/</a:t>
+            </a:r>
+          </a:p>
+          <a:p>
+            <a:pPr marR="0" lvl="0" algn="just">
+              <a:lnSpc>
+                <a:spcPct val="150000"/>
+              </a:lnSpc>
+              <a:spcBef>
+                <a:spcPts val="0"/>
+              </a:spcBef>
+              <a:spcAft>
+                <a:spcPts val="0"/>
+              </a:spcAft>
+            </a:pPr>
+            <a:endParaRPr lang="en-US" sz="1400" dirty="0">
+              <a:latin typeface="Times New Roman" panose="02020603050405020304" pitchFamily="18" charset="0"/>
+              <a:cs typeface="Times New Roman" panose="02020603050405020304" pitchFamily="18" charset="0"/>
+            </a:endParaRPr>
+          </a:p>
+        </p:txBody>
+      </p:sp>
+    </p:spTree>
+    <p:extLst>
+      <p:ext uri="{BB962C8B-B14F-4D97-AF65-F5344CB8AC3E}">
+        <p14:creationId xmlns:p14="http://schemas.microsoft.com/office/powerpoint/2010/main" val="3256302548"/>
+      </p:ext>
+    </p:extLst>
+  </p:cSld>
+  <p:clrMapOvr>
+    <a:masterClrMapping/>
+  </p:clrMapOvr>
+</p:sld>
+</file>
+
+<file path=ppt/slides/slide39.xml><?xml version="1.0" encoding="utf-8"?>
+<p:sld xmlns:a="http://schemas.openxmlformats.org/drawingml/2006/main" xmlns:r="http://schemas.openxmlformats.org/officeDocument/2006/relationships" xmlns:p="http://schemas.openxmlformats.org/presentationml/2006/main">
+  <p:cSld>
+    <p:spTree>
+      <p:nvGrpSpPr>
+        <p:cNvPr id="1" name=""/>
+        <p:cNvGrpSpPr/>
+        <p:nvPr/>
+      </p:nvGrpSpPr>
+      <p:grpSpPr>
+        <a:xfrm>
+          <a:off x="0" y="0"/>
+          <a:ext cx="0" cy="0"/>
+          <a:chOff x="0" y="0"/>
+          <a:chExt cx="0" cy="0"/>
+        </a:xfrm>
+      </p:grpSpPr>
+      <p:pic>
+        <p:nvPicPr>
+          <p:cNvPr id="3" name="Picture 2"/>
+          <p:cNvPicPr>
+            <a:picLocks noChangeAspect="1"/>
+          </p:cNvPicPr>
+          <p:nvPr/>
+        </p:nvPicPr>
+        <p:blipFill>
+          <a:blip r:embed="rId2" cstate="print">
+            <a:extLst>
+              <a:ext uri="{28A0092B-C50C-407E-A947-70E740481C1C}">
+                <a14:useLocalDpi xmlns:a14="http://schemas.microsoft.com/office/drawing/2010/main" val="0"/>
+              </a:ext>
+            </a:extLst>
+          </a:blip>
+          <a:stretch>
+            <a:fillRect/>
+          </a:stretch>
+        </p:blipFill>
+        <p:spPr>
+          <a:xfrm>
+            <a:off x="12609" y="6785"/>
+            <a:ext cx="12192000" cy="6844430"/>
+          </a:xfrm>
+          <a:prstGeom prst="rect">
+            <a:avLst/>
+          </a:prstGeom>
+        </p:spPr>
+      </p:pic>
+      <p:cxnSp>
+        <p:nvCxnSpPr>
+          <p:cNvPr id="15" name="Straight Connector 14"/>
+          <p:cNvCxnSpPr/>
+          <p:nvPr/>
+        </p:nvCxnSpPr>
+        <p:spPr>
+          <a:xfrm flipV="1">
+            <a:off x="178802" y="760653"/>
+            <a:ext cx="11592784" cy="29275"/>
+          </a:xfrm>
+          <a:prstGeom prst="line">
+            <a:avLst/>
+          </a:prstGeom>
+        </p:spPr>
+        <p:style>
+          <a:lnRef idx="1">
+            <a:schemeClr val="dk1"/>
+          </a:lnRef>
+          <a:fillRef idx="0">
+            <a:schemeClr val="dk1"/>
+          </a:fillRef>
+          <a:effectRef idx="0">
+            <a:schemeClr val="dk1"/>
+          </a:effectRef>
+          <a:fontRef idx="minor">
+            <a:schemeClr val="tx1"/>
+          </a:fontRef>
+        </p:style>
+      </p:cxnSp>
+      <p:sp>
+        <p:nvSpPr>
+          <p:cNvPr id="9" name="TextBox 8"/>
+          <p:cNvSpPr txBox="1"/>
+          <p:nvPr/>
+        </p:nvSpPr>
+        <p:spPr>
+          <a:xfrm>
+            <a:off x="178802" y="328263"/>
+            <a:ext cx="4508608" cy="830997"/>
+          </a:xfrm>
+          <a:prstGeom prst="rect">
+            <a:avLst/>
+          </a:prstGeom>
+          <a:noFill/>
+        </p:spPr>
+        <p:txBody>
+          <a:bodyPr wrap="square" rtlCol="0">
+            <a:spAutoFit/>
+          </a:bodyPr>
+          <a:lstStyle/>
+          <a:p>
+            <a:endParaRPr lang="en-US" sz="2400" b="1" dirty="0"/>
+          </a:p>
+          <a:p>
+            <a:endParaRPr lang="en-US" sz="2400" b="1" dirty="0"/>
+          </a:p>
+        </p:txBody>
+      </p:sp>
+      <p:sp>
+        <p:nvSpPr>
+          <p:cNvPr id="6" name="TextBox 5">
+            <a:extLst>
+              <a:ext uri="{FF2B5EF4-FFF2-40B4-BE49-F238E27FC236}">
+                <a16:creationId xmlns:a16="http://schemas.microsoft.com/office/drawing/2014/main" id="{913B0607-4E2E-4F01-02B0-3163D267BE6C}"/>
+              </a:ext>
+            </a:extLst>
+          </p:cNvPr>
+          <p:cNvSpPr txBox="1"/>
+          <p:nvPr/>
+        </p:nvSpPr>
+        <p:spPr>
+          <a:xfrm>
+            <a:off x="3899647" y="1954306"/>
+            <a:ext cx="45719" cy="369332"/>
+          </a:xfrm>
+          <a:prstGeom prst="rect">
+            <a:avLst/>
+          </a:prstGeom>
+          <a:noFill/>
+        </p:spPr>
+        <p:txBody>
+          <a:bodyPr wrap="square" rtlCol="0">
+            <a:spAutoFit/>
+          </a:bodyPr>
+          <a:lstStyle/>
+          <a:p>
+            <a:endParaRPr lang="en-US" dirty="0"/>
+          </a:p>
+        </p:txBody>
+      </p:sp>
+      <p:pic>
+        <p:nvPicPr>
+          <p:cNvPr id="5" name="Picture 4">
+            <a:extLst>
+              <a:ext uri="{FF2B5EF4-FFF2-40B4-BE49-F238E27FC236}">
+                <a16:creationId xmlns:a16="http://schemas.microsoft.com/office/drawing/2014/main" id="{496B1431-5312-318F-E86E-FE370F7E31C9}"/>
+              </a:ext>
+            </a:extLst>
+          </p:cNvPr>
+          <p:cNvPicPr>
+            <a:picLocks noChangeAspect="1"/>
+          </p:cNvPicPr>
+          <p:nvPr/>
+        </p:nvPicPr>
+        <p:blipFill>
+          <a:blip r:embed="rId3">
+            <a:duotone>
+              <a:schemeClr val="accent1">
+                <a:shade val="45000"/>
+                <a:satMod val="135000"/>
+              </a:schemeClr>
+              <a:prstClr val="white"/>
+            </a:duotone>
+            <a:extLst>
+              <a:ext uri="{28A0092B-C50C-407E-A947-70E740481C1C}">
+                <a14:useLocalDpi xmlns:a14="http://schemas.microsoft.com/office/drawing/2010/main" val="0"/>
+              </a:ext>
+            </a:extLst>
+          </a:blip>
+          <a:stretch>
+            <a:fillRect/>
+          </a:stretch>
+        </p:blipFill>
+        <p:spPr>
+          <a:xfrm>
+            <a:off x="763480" y="1222318"/>
+            <a:ext cx="7847860" cy="4414421"/>
           </a:xfrm>
           <a:prstGeom prst="rect">
             <a:avLst/>
@@ -16064,7 +19918,7 @@
     </p:spTree>
     <p:extLst>
       <p:ext uri="{BB962C8B-B14F-4D97-AF65-F5344CB8AC3E}">
-        <p14:creationId xmlns:p14="http://schemas.microsoft.com/office/powerpoint/2010/main" val="1627682486"/>
+        <p14:creationId xmlns:p14="http://schemas.microsoft.com/office/powerpoint/2010/main" val="1268092438"/>
       </p:ext>
     </p:extLst>
   </p:cSld>
@@ -16333,6 +20187,91 @@
     <p:extLst>
       <p:ext uri="{BB962C8B-B14F-4D97-AF65-F5344CB8AC3E}">
         <p14:creationId xmlns:p14="http://schemas.microsoft.com/office/powerpoint/2010/main" val="1136552599"/>
+      </p:ext>
+    </p:extLst>
+  </p:cSld>
+  <p:clrMapOvr>
+    <a:masterClrMapping/>
+  </p:clrMapOvr>
+</p:sld>
+</file>
+
+<file path=ppt/slides/slide40.xml><?xml version="1.0" encoding="utf-8"?>
+<p:sld xmlns:a="http://schemas.openxmlformats.org/drawingml/2006/main" xmlns:r="http://schemas.openxmlformats.org/officeDocument/2006/relationships" xmlns:p="http://schemas.openxmlformats.org/presentationml/2006/main">
+  <p:cSld>
+    <p:spTree>
+      <p:nvGrpSpPr>
+        <p:cNvPr id="1" name=""/>
+        <p:cNvGrpSpPr/>
+        <p:nvPr/>
+      </p:nvGrpSpPr>
+      <p:grpSpPr>
+        <a:xfrm>
+          <a:off x="0" y="0"/>
+          <a:ext cx="0" cy="0"/>
+          <a:chOff x="0" y="0"/>
+          <a:chExt cx="0" cy="0"/>
+        </a:xfrm>
+      </p:grpSpPr>
+      <p:sp>
+        <p:nvSpPr>
+          <p:cNvPr id="14" name="Rectangle 13"/>
+          <p:cNvSpPr/>
+          <p:nvPr/>
+        </p:nvSpPr>
+        <p:spPr>
+          <a:xfrm>
+            <a:off x="749186" y="500063"/>
+            <a:ext cx="7851889" cy="461665"/>
+          </a:xfrm>
+          <a:prstGeom prst="rect">
+            <a:avLst/>
+          </a:prstGeom>
+        </p:spPr>
+        <p:txBody>
+          <a:bodyPr wrap="square">
+            <a:spAutoFit/>
+          </a:bodyPr>
+          <a:lstStyle/>
+          <a:p>
+            <a:endParaRPr lang="en-US" sz="2400" b="1" dirty="0"/>
+          </a:p>
+        </p:txBody>
+      </p:sp>
+      <p:pic>
+        <p:nvPicPr>
+          <p:cNvPr id="2" name="Picture 1"/>
+          <p:cNvPicPr>
+            <a:picLocks noChangeAspect="1"/>
+          </p:cNvPicPr>
+          <p:nvPr/>
+        </p:nvPicPr>
+        <p:blipFill>
+          <a:blip r:embed="rId2" cstate="print">
+            <a:extLst>
+              <a:ext uri="{28A0092B-C50C-407E-A947-70E740481C1C}">
+                <a14:useLocalDpi xmlns:a14="http://schemas.microsoft.com/office/drawing/2010/main" val="0"/>
+              </a:ext>
+            </a:extLst>
+          </a:blip>
+          <a:stretch>
+            <a:fillRect/>
+          </a:stretch>
+        </p:blipFill>
+        <p:spPr>
+          <a:xfrm>
+            <a:off x="-259133" y="-143435"/>
+            <a:ext cx="12451133" cy="7001435"/>
+          </a:xfrm>
+          <a:prstGeom prst="rect">
+            <a:avLst/>
+          </a:prstGeom>
+        </p:spPr>
+      </p:pic>
+    </p:spTree>
+    <p:extLst>
+      <p:ext uri="{BB962C8B-B14F-4D97-AF65-F5344CB8AC3E}">
+        <p14:creationId xmlns:p14="http://schemas.microsoft.com/office/powerpoint/2010/main" val="1627682486"/>
       </p:ext>
     </p:extLst>
   </p:cSld>
@@ -16685,7 +20624,7 @@
         </p:nvSpPr>
         <p:spPr>
           <a:xfrm>
-            <a:off x="178801" y="1118191"/>
+            <a:off x="178802" y="1222318"/>
             <a:ext cx="8991831" cy="4385816"/>
           </a:xfrm>
           <a:prstGeom prst="rect">
@@ -17274,8 +21213,8 @@
         </p:nvSpPr>
         <p:spPr>
           <a:xfrm>
-            <a:off x="178802" y="1134728"/>
-            <a:ext cx="8749702" cy="4202882"/>
+            <a:off x="178801" y="912060"/>
+            <a:ext cx="9413067" cy="5033879"/>
           </a:xfrm>
           <a:prstGeom prst="rect">
             <a:avLst/>
@@ -17299,7 +21238,22 @@
               <a:rPr lang="en-US" kern="0" dirty="0">
                 <a:latin typeface="Times New Roman" panose="02020603050405020304" pitchFamily="18" charset="0"/>
               </a:rPr>
-              <a:t>The motivation behind this project Focuses on the significant increasing of sea level rise as a global environmental concern. Understanding and predicting sea level changes are crucial for adapting to and mitigating the potential impacts on coastal regions.</a:t>
+              <a:t>The motivation behind this project Focuses on the significant increasing of sea level rise as a global environmental concern. </a:t>
+            </a:r>
+          </a:p>
+          <a:p>
+            <a:pPr marL="285750" indent="-285750" algn="just">
+              <a:lnSpc>
+                <a:spcPct val="150000"/>
+              </a:lnSpc>
+              <a:buFont typeface="Arial" panose="020B0604020202020204" pitchFamily="34" charset="0"/>
+              <a:buChar char="•"/>
+            </a:pPr>
+            <a:r>
+              <a:rPr lang="en-US" kern="0" dirty="0">
+                <a:latin typeface="Times New Roman" panose="02020603050405020304" pitchFamily="18" charset="0"/>
+              </a:rPr>
+              <a:t>Understanding and predicting sea level changes are crucial for adapting to and mitigating the potential impacts on coastal regions.</a:t>
             </a:r>
           </a:p>
           <a:p>
@@ -17330,27 +21284,52 @@
             </a:r>
           </a:p>
           <a:p>
-            <a:pPr marL="342900" indent="-342900" algn="just">
+            <a:pPr marL="285750" indent="-285750" algn="just">
               <a:lnSpc>
                 <a:spcPct val="150000"/>
               </a:lnSpc>
-              <a:buFont typeface="+mj-lt"/>
-              <a:buAutoNum type="arabicPeriod"/>
+              <a:buFont typeface="Arial" panose="020B0604020202020204" pitchFamily="34" charset="0"/>
+              <a:buChar char="•"/>
+            </a:pPr>
+            <a:endParaRPr lang="en-US" kern="0" dirty="0">
+              <a:latin typeface="Times New Roman" panose="02020603050405020304" pitchFamily="18" charset="0"/>
+            </a:endParaRPr>
+          </a:p>
+          <a:p>
+            <a:pPr marL="285750" indent="-285750" algn="just">
+              <a:lnSpc>
+                <a:spcPct val="150000"/>
+              </a:lnSpc>
+              <a:buFont typeface="Wingdings" panose="05000000000000000000" pitchFamily="2" charset="2"/>
+              <a:buChar char="q"/>
             </a:pPr>
             <a:r>
               <a:rPr lang="en-US" kern="0" dirty="0">
                 <a:latin typeface="Times New Roman" panose="02020603050405020304" pitchFamily="18" charset="0"/>
               </a:rPr>
-              <a:t> the scientific understanding of sea level dynamics as we use machine learning algorithms to analyze historical sea level data and relevant environmental factors. </a:t>
-            </a:r>
-          </a:p>
-          <a:p>
-            <a:pPr marL="342900" indent="-342900" algn="just">
+              <a:t> the scientific understanding of sea level dynamics as we use machine learning algorithms to analyze historical sea level data and relevant environmental factors.</a:t>
+            </a:r>
+          </a:p>
+          <a:p>
+            <a:pPr algn="just">
               <a:lnSpc>
                 <a:spcPct val="150000"/>
               </a:lnSpc>
-              <a:buFont typeface="+mj-lt"/>
-              <a:buAutoNum type="arabicPeriod"/>
+            </a:pPr>
+            <a:r>
+              <a:rPr lang="en-US" kern="0" dirty="0">
+                <a:latin typeface="Times New Roman" panose="02020603050405020304" pitchFamily="18" charset="0"/>
+              </a:rPr>
+              <a:t> </a:t>
+            </a:r>
+          </a:p>
+          <a:p>
+            <a:pPr marL="285750" indent="-285750" algn="just">
+              <a:lnSpc>
+                <a:spcPct val="150000"/>
+              </a:lnSpc>
+              <a:buFont typeface="Wingdings" panose="05000000000000000000" pitchFamily="2" charset="2"/>
+              <a:buChar char="q"/>
             </a:pPr>
             <a:r>
               <a:rPr lang="en-US" kern="0" dirty="0">
@@ -17531,7 +21510,7 @@
         <p:spPr>
           <a:xfrm>
             <a:off x="436253" y="1222318"/>
-            <a:ext cx="8352639" cy="2862322"/>
+            <a:ext cx="8352639" cy="3277820"/>
           </a:xfrm>
           <a:prstGeom prst="rect">
             <a:avLst/>
@@ -17558,7 +21537,56 @@
                 <a:ea typeface="Arial MT"/>
                 <a:cs typeface="Arial MT"/>
               </a:rPr>
-              <a:t>The objective of our system is to develop a machine learning-based sea level prediction system that can provide accurate forecasts of future sea level rise. By leveraging historical sea level data and relevant environmental factors, our system aims to assist policymakers, urban planners, and coastal communities in making informed decisions and implementing proactive measures to mitigate the adverse effects of rising sea levels.</a:t>
+              <a:t>The objective of our system is to develop a machine learning-based sea level prediction system that can provide accurate </a:t>
+            </a:r>
+            <a:r>
+              <a:rPr lang="en-US" dirty="0">
+                <a:latin typeface="Times New Roman" panose="02020603050405020304" pitchFamily="18" charset="0"/>
+                <a:ea typeface="Arial MT"/>
+                <a:cs typeface="Arial MT"/>
+              </a:rPr>
+              <a:t>p</a:t>
+            </a:r>
+            <a:r>
+              <a:rPr lang="en-US" sz="1800" dirty="0">
+                <a:effectLst/>
+                <a:latin typeface="Times New Roman" panose="02020603050405020304" pitchFamily="18" charset="0"/>
+                <a:ea typeface="Arial MT"/>
+                <a:cs typeface="Arial MT"/>
+              </a:rPr>
+              <a:t>redictions of future sea level rise.</a:t>
+            </a:r>
+          </a:p>
+          <a:p>
+            <a:pPr marL="285750" indent="-285750" algn="just">
+              <a:lnSpc>
+                <a:spcPct val="150000"/>
+              </a:lnSpc>
+              <a:buFont typeface="Arial" panose="020B0604020202020204" pitchFamily="34" charset="0"/>
+              <a:buChar char="•"/>
+            </a:pPr>
+            <a:endParaRPr lang="en-US" dirty="0">
+              <a:latin typeface="Times New Roman" panose="02020603050405020304" pitchFamily="18" charset="0"/>
+              <a:ea typeface="Arial MT"/>
+              <a:cs typeface="Arial MT"/>
+            </a:endParaRPr>
+          </a:p>
+          <a:p>
+            <a:pPr marL="285750" indent="-285750" algn="just">
+              <a:lnSpc>
+                <a:spcPct val="150000"/>
+              </a:lnSpc>
+              <a:buFont typeface="Arial" panose="020B0604020202020204" pitchFamily="34" charset="0"/>
+              <a:buChar char="•"/>
+            </a:pPr>
+            <a:r>
+              <a:rPr lang="en-US" sz="1800" dirty="0">
+                <a:effectLst/>
+                <a:latin typeface="Times New Roman" panose="02020603050405020304" pitchFamily="18" charset="0"/>
+                <a:ea typeface="Arial MT"/>
+                <a:cs typeface="Arial MT"/>
+              </a:rPr>
+              <a:t> By leveraging historical sea level data and relevant environmental factors, our system aims to assist policymakers, urban planners, and coastal communities in making informed decisions and implementing proactive measures to mitigate the adverse effects of rising sea levels.</a:t>
             </a:r>
             <a:endParaRPr lang="en-US" sz="1800" dirty="0">
               <a:effectLst/>
